--- a/python_trainees/2_style_logging_errors/python_traineeship_2.pptx
+++ b/python_trainees/2_style_logging_errors/python_traineeship_2.pptx
@@ -18,10 +18,10 @@
     <p:sldId id="336" r:id="rId12"/>
     <p:sldId id="330" r:id="rId13"/>
     <p:sldId id="337" r:id="rId14"/>
-    <p:sldId id="325" r:id="rId15"/>
-    <p:sldId id="260" r:id="rId16"/>
-    <p:sldId id="327" r:id="rId17"/>
-    <p:sldId id="328" r:id="rId18"/>
+    <p:sldId id="260" r:id="rId15"/>
+    <p:sldId id="327" r:id="rId16"/>
+    <p:sldId id="328" r:id="rId17"/>
+    <p:sldId id="295" r:id="rId18"/>
     <p:sldId id="323" r:id="rId19"/>
     <p:sldId id="326" r:id="rId20"/>
     <p:sldId id="305" r:id="rId21"/>
@@ -29,14 +29,26 @@
     <p:sldId id="312" r:id="rId23"/>
     <p:sldId id="314" r:id="rId24"/>
     <p:sldId id="313" r:id="rId25"/>
-    <p:sldId id="306" r:id="rId26"/>
-    <p:sldId id="315" r:id="rId27"/>
-    <p:sldId id="316" r:id="rId28"/>
-    <p:sldId id="317" r:id="rId29"/>
-    <p:sldId id="319" r:id="rId30"/>
-    <p:sldId id="318" r:id="rId31"/>
-    <p:sldId id="320" r:id="rId32"/>
-    <p:sldId id="321" r:id="rId33"/>
+    <p:sldId id="338" r:id="rId26"/>
+    <p:sldId id="306" r:id="rId27"/>
+    <p:sldId id="315" r:id="rId28"/>
+    <p:sldId id="316" r:id="rId29"/>
+    <p:sldId id="317" r:id="rId30"/>
+    <p:sldId id="319" r:id="rId31"/>
+    <p:sldId id="318" r:id="rId32"/>
+    <p:sldId id="320" r:id="rId33"/>
+    <p:sldId id="321" r:id="rId34"/>
+    <p:sldId id="262" r:id="rId35"/>
+    <p:sldId id="264" r:id="rId36"/>
+    <p:sldId id="272" r:id="rId37"/>
+    <p:sldId id="265" r:id="rId38"/>
+    <p:sldId id="266" r:id="rId39"/>
+    <p:sldId id="267" r:id="rId40"/>
+    <p:sldId id="270" r:id="rId41"/>
+    <p:sldId id="268" r:id="rId42"/>
+    <p:sldId id="273" r:id="rId43"/>
+    <p:sldId id="269" r:id="rId44"/>
+    <p:sldId id="263" r:id="rId45"/>
   </p:sldIdLst>
   <p:sldSz cx="12192000" cy="6858000"/>
   <p:notesSz cx="6858000" cy="9144000"/>
@@ -304,7 +316,7 @@
           <a:p>
             <a:fld id="{0EBB069A-003F-4FC0-8534-236B0C5C7B5F}" type="datetimeFigureOut">
               <a:rPr lang="en-NL" smtClean="0"/>
-              <a:t>20/02/2023</a:t>
+              <a:t>24/02/2023</a:t>
             </a:fld>
             <a:endParaRPr lang="en-NL"/>
           </a:p>
@@ -504,7 +516,7 @@
           <a:p>
             <a:fld id="{0EBB069A-003F-4FC0-8534-236B0C5C7B5F}" type="datetimeFigureOut">
               <a:rPr lang="en-NL" smtClean="0"/>
-              <a:t>20/02/2023</a:t>
+              <a:t>24/02/2023</a:t>
             </a:fld>
             <a:endParaRPr lang="en-NL"/>
           </a:p>
@@ -714,7 +726,7 @@
           <a:p>
             <a:fld id="{0EBB069A-003F-4FC0-8534-236B0C5C7B5F}" type="datetimeFigureOut">
               <a:rPr lang="en-NL" smtClean="0"/>
-              <a:t>20/02/2023</a:t>
+              <a:t>24/02/2023</a:t>
             </a:fld>
             <a:endParaRPr lang="en-NL"/>
           </a:p>
@@ -914,7 +926,7 @@
           <a:p>
             <a:fld id="{0EBB069A-003F-4FC0-8534-236B0C5C7B5F}" type="datetimeFigureOut">
               <a:rPr lang="en-NL" smtClean="0"/>
-              <a:t>20/02/2023</a:t>
+              <a:t>24/02/2023</a:t>
             </a:fld>
             <a:endParaRPr lang="en-NL"/>
           </a:p>
@@ -1190,7 +1202,7 @@
           <a:p>
             <a:fld id="{0EBB069A-003F-4FC0-8534-236B0C5C7B5F}" type="datetimeFigureOut">
               <a:rPr lang="en-NL" smtClean="0"/>
-              <a:t>20/02/2023</a:t>
+              <a:t>24/02/2023</a:t>
             </a:fld>
             <a:endParaRPr lang="en-NL"/>
           </a:p>
@@ -1458,7 +1470,7 @@
           <a:p>
             <a:fld id="{0EBB069A-003F-4FC0-8534-236B0C5C7B5F}" type="datetimeFigureOut">
               <a:rPr lang="en-NL" smtClean="0"/>
-              <a:t>20/02/2023</a:t>
+              <a:t>24/02/2023</a:t>
             </a:fld>
             <a:endParaRPr lang="en-NL"/>
           </a:p>
@@ -1873,7 +1885,7 @@
           <a:p>
             <a:fld id="{0EBB069A-003F-4FC0-8534-236B0C5C7B5F}" type="datetimeFigureOut">
               <a:rPr lang="en-NL" smtClean="0"/>
-              <a:t>20/02/2023</a:t>
+              <a:t>24/02/2023</a:t>
             </a:fld>
             <a:endParaRPr lang="en-NL"/>
           </a:p>
@@ -2015,7 +2027,7 @@
           <a:p>
             <a:fld id="{0EBB069A-003F-4FC0-8534-236B0C5C7B5F}" type="datetimeFigureOut">
               <a:rPr lang="en-NL" smtClean="0"/>
-              <a:t>20/02/2023</a:t>
+              <a:t>24/02/2023</a:t>
             </a:fld>
             <a:endParaRPr lang="en-NL"/>
           </a:p>
@@ -2128,7 +2140,7 @@
           <a:p>
             <a:fld id="{0EBB069A-003F-4FC0-8534-236B0C5C7B5F}" type="datetimeFigureOut">
               <a:rPr lang="en-NL" smtClean="0"/>
-              <a:t>20/02/2023</a:t>
+              <a:t>24/02/2023</a:t>
             </a:fld>
             <a:endParaRPr lang="en-NL"/>
           </a:p>
@@ -2441,7 +2453,7 @@
           <a:p>
             <a:fld id="{0EBB069A-003F-4FC0-8534-236B0C5C7B5F}" type="datetimeFigureOut">
               <a:rPr lang="en-NL" smtClean="0"/>
-              <a:t>20/02/2023</a:t>
+              <a:t>24/02/2023</a:t>
             </a:fld>
             <a:endParaRPr lang="en-NL"/>
           </a:p>
@@ -2730,7 +2742,7 @@
           <a:p>
             <a:fld id="{0EBB069A-003F-4FC0-8534-236B0C5C7B5F}" type="datetimeFigureOut">
               <a:rPr lang="en-NL" smtClean="0"/>
-              <a:t>20/02/2023</a:t>
+              <a:t>24/02/2023</a:t>
             </a:fld>
             <a:endParaRPr lang="en-NL"/>
           </a:p>
@@ -2973,7 +2985,7 @@
           <a:p>
             <a:fld id="{0EBB069A-003F-4FC0-8534-236B0C5C7B5F}" type="datetimeFigureOut">
               <a:rPr lang="en-NL" smtClean="0"/>
-              <a:t>20/02/2023</a:t>
+              <a:t>24/02/2023</a:t>
             </a:fld>
             <a:endParaRPr lang="en-NL"/>
           </a:p>
@@ -5175,9 +5187,22 @@
           <a:lstStyle/>
           <a:p>
             <a:r>
-              <a:rPr lang="nl-NL" sz="3600"/>
-              <a:t>Simpel is beter dan complex</a:t>
-            </a:r>
+              <a:rPr lang="en-US" sz="3600" dirty="0"/>
+              <a:t>Zo </a:t>
+            </a:r>
+            <a:r>
+              <a:rPr lang="en-US" sz="3600" dirty="0" err="1"/>
+              <a:t>eenvoudig</a:t>
+            </a:r>
+            <a:r>
+              <a:rPr lang="en-US" sz="3600" dirty="0"/>
+              <a:t> </a:t>
+            </a:r>
+            <a:r>
+              <a:rPr lang="en-US" sz="3600" dirty="0" err="1"/>
+              <a:t>mogelijk</a:t>
+            </a:r>
+            <a:endParaRPr lang="nl-NL" sz="3600" dirty="0"/>
           </a:p>
         </p:txBody>
       </p:sp>
@@ -5377,11 +5402,23 @@
           </a:bodyPr>
           <a:lstStyle/>
           <a:p>
+            <a:pPr marL="0" indent="0">
+              <a:buNone/>
+            </a:pPr>
+            <a:r>
+              <a:rPr lang="nl-NL" sz="2000" b="1" dirty="0"/>
+              <a:t>Maak keuzes expliciet, bijvoorbeeld:</a:t>
+            </a:r>
+          </a:p>
+          <a:p>
             <a:pPr>
               <a:buFontTx/>
               <a:buChar char="-"/>
             </a:pPr>
-            <a:endParaRPr lang="nl-NL" sz="2000" dirty="0"/>
+            <a:r>
+              <a:rPr lang="nl-NL" sz="2000" dirty="0"/>
+              <a:t>Wat is het doel van een class / functie?</a:t>
+            </a:r>
           </a:p>
           <a:p>
             <a:pPr>
@@ -5390,47 +5427,7 @@
             </a:pPr>
             <a:r>
               <a:rPr lang="nl-NL" sz="2000" dirty="0"/>
-              <a:t>Maak keuzes expliciet, bijvoorbeeld:</a:t>
-            </a:r>
-          </a:p>
-          <a:p>
-            <a:pPr lvl="1">
-              <a:buFontTx/>
-              <a:buChar char="-"/>
-            </a:pPr>
-            <a:r>
-              <a:rPr lang="nl-NL" sz="1600" dirty="0"/>
-              <a:t>Wat is het doel van een class / functie?</a:t>
-            </a:r>
-          </a:p>
-          <a:p>
-            <a:pPr lvl="1">
-              <a:buFontTx/>
-              <a:buChar char="-"/>
-            </a:pPr>
-            <a:r>
-              <a:rPr lang="nl-NL" sz="1600" dirty="0"/>
               <a:t>Wat zijn geldige opties / waardes?</a:t>
-            </a:r>
-          </a:p>
-          <a:p>
-            <a:pPr lvl="1">
-              <a:buFontTx/>
-              <a:buChar char="-"/>
-            </a:pPr>
-            <a:r>
-              <a:rPr lang="nl-NL" sz="1600" dirty="0"/>
-              <a:t>Wat gebeurt er met ongeldige waardes?</a:t>
-            </a:r>
-          </a:p>
-          <a:p>
-            <a:pPr lvl="1">
-              <a:buFontTx/>
-              <a:buChar char="-"/>
-            </a:pPr>
-            <a:r>
-              <a:rPr lang="nl-NL" sz="1600" dirty="0"/>
-              <a:t>Wat gebeurt er met ontbrekende waardes?</a:t>
             </a:r>
           </a:p>
           <a:p>
@@ -5438,7 +5435,10 @@
               <a:buFontTx/>
               <a:buChar char="-"/>
             </a:pPr>
-            <a:endParaRPr lang="nl-NL" sz="2000" dirty="0"/>
+            <a:r>
+              <a:rPr lang="nl-NL" sz="2000" dirty="0"/>
+              <a:t>Wat gebeurt er met ongeldige waardes?</a:t>
+            </a:r>
           </a:p>
           <a:p>
             <a:pPr>
@@ -5447,58 +5447,55 @@
             </a:pPr>
             <a:r>
               <a:rPr lang="nl-NL" sz="2000" dirty="0"/>
-              <a:t>Gebruik commentaar om keuzes toe te lichten.</a:t>
-            </a:r>
-          </a:p>
-          <a:p>
-            <a:pPr lvl="1">
+              <a:t>Wat gebeurt er met ontbrekende waardes?</a:t>
+            </a:r>
+          </a:p>
+          <a:p>
+            <a:pPr marL="0" indent="0">
+              <a:buNone/>
+            </a:pPr>
+            <a:endParaRPr lang="nl-NL" sz="2000" dirty="0"/>
+          </a:p>
+          <a:p>
+            <a:pPr marL="0" indent="0">
+              <a:buNone/>
+            </a:pPr>
+            <a:endParaRPr lang="nl-NL" sz="2000" dirty="0"/>
+          </a:p>
+          <a:p>
+            <a:pPr marL="0" indent="0">
+              <a:buNone/>
+            </a:pPr>
+            <a:r>
+              <a:rPr lang="nl-NL" sz="2000" b="1" dirty="0"/>
+              <a:t>Gebruik documentatie om keuzes toe te lichten:</a:t>
+            </a:r>
+          </a:p>
+          <a:p>
+            <a:pPr>
               <a:buFontTx/>
               <a:buChar char="-"/>
             </a:pPr>
             <a:r>
-              <a:rPr lang="nl-NL" sz="1600" dirty="0" err="1"/>
-              <a:t>Docstrings</a:t>
-            </a:r>
-            <a:r>
-              <a:rPr lang="nl-NL" sz="1600" dirty="0"/>
-              <a:t> voor classes en functies.</a:t>
-            </a:r>
-          </a:p>
-          <a:p>
-            <a:pPr lvl="1">
+              <a:rPr lang="nl-NL" sz="2000" dirty="0"/>
+              <a:t>Leg uit </a:t>
+            </a:r>
+            <a:r>
+              <a:rPr lang="nl-NL" sz="2000" u="sng" dirty="0"/>
+              <a:t>waarom</a:t>
+            </a:r>
+            <a:r>
+              <a:rPr lang="nl-NL" sz="2000" dirty="0"/>
+              <a:t> je een bepaalde aanpak kiest.</a:t>
+            </a:r>
+          </a:p>
+          <a:p>
+            <a:pPr>
               <a:buFontTx/>
               <a:buChar char="-"/>
             </a:pPr>
             <a:r>
-              <a:rPr lang="nl-NL" sz="1600" dirty="0"/>
-              <a:t>Commentaar in je code.</a:t>
-            </a:r>
-          </a:p>
-          <a:p>
-            <a:pPr lvl="1">
-              <a:buFontTx/>
-              <a:buChar char="-"/>
-            </a:pPr>
-            <a:r>
-              <a:rPr lang="nl-NL" sz="1600" dirty="0"/>
-              <a:t>Leg uit </a:t>
-            </a:r>
-            <a:r>
-              <a:rPr lang="nl-NL" sz="1600" u="sng" dirty="0"/>
-              <a:t>waarom</a:t>
-            </a:r>
-            <a:r>
-              <a:rPr lang="nl-NL" sz="1600" dirty="0"/>
-              <a:t> je een bepaalde aanpak kiest.</a:t>
-            </a:r>
-          </a:p>
-          <a:p>
-            <a:pPr lvl="1">
-              <a:buFontTx/>
-              <a:buChar char="-"/>
-            </a:pPr>
-            <a:r>
-              <a:rPr lang="nl-NL" sz="1600" dirty="0"/>
+              <a:rPr lang="nl-NL" sz="2000" dirty="0"/>
               <a:t>Wat je code doet zou duidelijk moeten zijn.</a:t>
             </a:r>
           </a:p>
@@ -5536,89 +5533,6 @@
       </p:grpSpPr>
       <p:sp>
         <p:nvSpPr>
-          <p:cNvPr id="4" name="Title 3">
-            <a:extLst>
-              <a:ext uri="{FF2B5EF4-FFF2-40B4-BE49-F238E27FC236}">
-                <a16:creationId xmlns:a16="http://schemas.microsoft.com/office/drawing/2014/main" id="{72C925CA-BCA3-3701-E08E-95652380B32E}"/>
-              </a:ext>
-            </a:extLst>
-          </p:cNvPr>
-          <p:cNvSpPr>
-            <a:spLocks noGrp="1"/>
-          </p:cNvSpPr>
-          <p:nvPr>
-            <p:ph type="title"/>
-          </p:nvPr>
-        </p:nvSpPr>
-        <p:spPr/>
-        <p:txBody>
-          <a:bodyPr/>
-          <a:lstStyle/>
-          <a:p>
-            <a:r>
-              <a:rPr lang="nl-NL" noProof="0" dirty="0"/>
-              <a:t>Documentatie</a:t>
-            </a:r>
-          </a:p>
-        </p:txBody>
-      </p:sp>
-      <p:sp>
-        <p:nvSpPr>
-          <p:cNvPr id="5" name="Text Placeholder 4">
-            <a:extLst>
-              <a:ext uri="{FF2B5EF4-FFF2-40B4-BE49-F238E27FC236}">
-                <a16:creationId xmlns:a16="http://schemas.microsoft.com/office/drawing/2014/main" id="{1AB31C95-91AF-DF13-FB58-0DA5F2D9F6F7}"/>
-              </a:ext>
-            </a:extLst>
-          </p:cNvPr>
-          <p:cNvSpPr>
-            <a:spLocks noGrp="1"/>
-          </p:cNvSpPr>
-          <p:nvPr>
-            <p:ph type="body" idx="1"/>
-          </p:nvPr>
-        </p:nvSpPr>
-        <p:spPr/>
-        <p:txBody>
-          <a:bodyPr/>
-          <a:lstStyle/>
-          <a:p>
-            <a:endParaRPr lang="en-NL"/>
-          </a:p>
-        </p:txBody>
-      </p:sp>
-    </p:spTree>
-    <p:extLst>
-      <p:ext uri="{BB962C8B-B14F-4D97-AF65-F5344CB8AC3E}">
-        <p14:creationId xmlns:p14="http://schemas.microsoft.com/office/powerpoint/2010/main" val="1699198321"/>
-      </p:ext>
-    </p:extLst>
-  </p:cSld>
-  <p:clrMapOvr>
-    <a:masterClrMapping/>
-  </p:clrMapOvr>
-</p:sld>
-</file>
-
-<file path=ppt/slides/slide15.xml><?xml version="1.0" encoding="utf-8"?>
-<p:sld xmlns:a="http://schemas.openxmlformats.org/drawingml/2006/main" xmlns:r="http://schemas.openxmlformats.org/officeDocument/2006/relationships" xmlns:p="http://schemas.openxmlformats.org/presentationml/2006/main">
-  <p:cSld>
-    <p:spTree>
-      <p:nvGrpSpPr>
-        <p:cNvPr id="1" name=""/>
-        <p:cNvGrpSpPr/>
-        <p:nvPr/>
-      </p:nvGrpSpPr>
-      <p:grpSpPr>
-        <a:xfrm>
-          <a:off x="0" y="0"/>
-          <a:ext cx="0" cy="0"/>
-          <a:chOff x="0" y="0"/>
-          <a:chExt cx="0" cy="0"/>
-        </a:xfrm>
-      </p:grpSpPr>
-      <p:sp>
-        <p:nvSpPr>
           <p:cNvPr id="2" name="Title 1">
             <a:extLst>
               <a:ext uri="{FF2B5EF4-FFF2-40B4-BE49-F238E27FC236}">
@@ -5820,7 +5734,7 @@
 </p:sld>
 </file>
 
-<file path=ppt/slides/slide16.xml><?xml version="1.0" encoding="utf-8"?>
+<file path=ppt/slides/slide15.xml><?xml version="1.0" encoding="utf-8"?>
 <p:sld xmlns:a="http://schemas.openxmlformats.org/drawingml/2006/main" xmlns:r="http://schemas.openxmlformats.org/officeDocument/2006/relationships" xmlns:p="http://schemas.openxmlformats.org/presentationml/2006/main">
   <p:cSld>
     <p:spTree>
@@ -6064,7 +5978,7 @@
 </p:sld>
 </file>
 
-<file path=ppt/slides/slide17.xml><?xml version="1.0" encoding="utf-8"?>
+<file path=ppt/slides/slide16.xml><?xml version="1.0" encoding="utf-8"?>
 <p:sld xmlns:a="http://schemas.openxmlformats.org/drawingml/2006/main" xmlns:r="http://schemas.openxmlformats.org/officeDocument/2006/relationships" xmlns:p="http://schemas.openxmlformats.org/presentationml/2006/main">
   <p:cSld>
     <p:spTree>
@@ -6280,6 +6194,224 @@
     <p:extLst>
       <p:ext uri="{BB962C8B-B14F-4D97-AF65-F5344CB8AC3E}">
         <p14:creationId xmlns:p14="http://schemas.microsoft.com/office/powerpoint/2010/main" val="2412723340"/>
+      </p:ext>
+    </p:extLst>
+  </p:cSld>
+  <p:clrMapOvr>
+    <a:masterClrMapping/>
+  </p:clrMapOvr>
+</p:sld>
+</file>
+
+<file path=ppt/slides/slide17.xml><?xml version="1.0" encoding="utf-8"?>
+<p:sld xmlns:a="http://schemas.openxmlformats.org/drawingml/2006/main" xmlns:r="http://schemas.openxmlformats.org/officeDocument/2006/relationships" xmlns:p="http://schemas.openxmlformats.org/presentationml/2006/main">
+  <p:cSld>
+    <p:spTree>
+      <p:nvGrpSpPr>
+        <p:cNvPr id="1" name=""/>
+        <p:cNvGrpSpPr/>
+        <p:nvPr/>
+      </p:nvGrpSpPr>
+      <p:grpSpPr>
+        <a:xfrm>
+          <a:off x="0" y="0"/>
+          <a:ext cx="0" cy="0"/>
+          <a:chOff x="0" y="0"/>
+          <a:chExt cx="0" cy="0"/>
+        </a:xfrm>
+      </p:grpSpPr>
+      <p:sp>
+        <p:nvSpPr>
+          <p:cNvPr id="2" name="Title 1">
+            <a:extLst>
+              <a:ext uri="{FF2B5EF4-FFF2-40B4-BE49-F238E27FC236}">
+                <a16:creationId xmlns:a16="http://schemas.microsoft.com/office/drawing/2014/main" id="{39A1D606-8DD1-369C-5C09-471CDD551AD5}"/>
+              </a:ext>
+            </a:extLst>
+          </p:cNvPr>
+          <p:cNvSpPr>
+            <a:spLocks noGrp="1"/>
+          </p:cNvSpPr>
+          <p:nvPr>
+            <p:ph type="title"/>
+          </p:nvPr>
+        </p:nvSpPr>
+        <p:spPr>
+          <a:xfrm>
+            <a:off x="838200" y="365126"/>
+            <a:ext cx="10515600" cy="718608"/>
+          </a:xfrm>
+        </p:spPr>
+        <p:txBody>
+          <a:bodyPr>
+            <a:normAutofit/>
+          </a:bodyPr>
+          <a:lstStyle/>
+          <a:p>
+            <a:r>
+              <a:rPr lang="nl-NL" sz="3600" noProof="0" dirty="0"/>
+              <a:t>Oefeningen I</a:t>
+            </a:r>
+          </a:p>
+        </p:txBody>
+      </p:sp>
+      <p:sp>
+        <p:nvSpPr>
+          <p:cNvPr id="3" name="Content Placeholder 2">
+            <a:extLst>
+              <a:ext uri="{FF2B5EF4-FFF2-40B4-BE49-F238E27FC236}">
+                <a16:creationId xmlns:a16="http://schemas.microsoft.com/office/drawing/2014/main" id="{F4C2D286-E049-0AAB-1360-B7157E11AD7E}"/>
+              </a:ext>
+            </a:extLst>
+          </p:cNvPr>
+          <p:cNvSpPr>
+            <a:spLocks noGrp="1"/>
+          </p:cNvSpPr>
+          <p:nvPr>
+            <p:ph idx="1"/>
+          </p:nvPr>
+        </p:nvSpPr>
+        <p:spPr>
+          <a:xfrm>
+            <a:off x="838200" y="1456267"/>
+            <a:ext cx="10375900" cy="4720696"/>
+          </a:xfrm>
+        </p:spPr>
+        <p:txBody>
+          <a:bodyPr>
+            <a:normAutofit/>
+          </a:bodyPr>
+          <a:lstStyle/>
+          <a:p>
+            <a:pPr marL="457200" indent="-457200">
+              <a:buFont typeface="Arial" panose="020B0604020202020204" pitchFamily="34" charset="0"/>
+              <a:buAutoNum type="arabicPeriod"/>
+            </a:pPr>
+            <a:r>
+              <a:rPr lang="nl-NL" sz="2000" dirty="0"/>
+              <a:t>Open </a:t>
+            </a:r>
+            <a:r>
+              <a:rPr lang="nl-NL" sz="2000" dirty="0">
+                <a:latin typeface="Courier New" panose="02070309020205020404" pitchFamily="49" charset="0"/>
+                <a:cs typeface="Courier New" panose="02070309020205020404" pitchFamily="49" charset="0"/>
+              </a:rPr>
+              <a:t>exercises/1_refactor.py</a:t>
+            </a:r>
+          </a:p>
+          <a:p>
+            <a:pPr marL="457200" indent="-457200">
+              <a:buFont typeface="Arial" panose="020B0604020202020204" pitchFamily="34" charset="0"/>
+              <a:buAutoNum type="arabicPeriod"/>
+            </a:pPr>
+            <a:endParaRPr lang="nl-NL" sz="2000" noProof="0" dirty="0"/>
+          </a:p>
+          <a:p>
+            <a:pPr marL="457200" indent="-457200">
+              <a:buFont typeface="Arial" panose="020B0604020202020204" pitchFamily="34" charset="0"/>
+              <a:buAutoNum type="arabicPeriod"/>
+            </a:pPr>
+            <a:r>
+              <a:rPr lang="nl-NL" sz="2000" noProof="0" dirty="0"/>
+              <a:t>Bekijk de code en verbeter deze.</a:t>
+            </a:r>
+          </a:p>
+          <a:p>
+            <a:pPr marL="457200" indent="-457200">
+              <a:buFont typeface="Arial" panose="020B0604020202020204" pitchFamily="34" charset="0"/>
+              <a:buAutoNum type="arabicPeriod"/>
+            </a:pPr>
+            <a:endParaRPr lang="nl-NL" sz="2000" dirty="0"/>
+          </a:p>
+          <a:p>
+            <a:pPr marL="457200" indent="-457200">
+              <a:buFont typeface="Arial" panose="020B0604020202020204" pitchFamily="34" charset="0"/>
+              <a:buAutoNum type="arabicPeriod"/>
+            </a:pPr>
+            <a:r>
+              <a:rPr lang="nl-NL" sz="2000" noProof="0" dirty="0"/>
+              <a:t>Let daarbij op de volgende zaken:</a:t>
+            </a:r>
+          </a:p>
+          <a:p>
+            <a:pPr marL="457200" indent="-457200">
+              <a:buFont typeface="Arial" panose="020B0604020202020204" pitchFamily="34" charset="0"/>
+              <a:buAutoNum type="arabicPeriod"/>
+            </a:pPr>
+            <a:endParaRPr lang="nl-NL" sz="2000" noProof="0" dirty="0"/>
+          </a:p>
+          <a:p>
+            <a:pPr lvl="1"/>
+            <a:r>
+              <a:rPr lang="nl-NL" sz="2000" dirty="0"/>
+              <a:t>Kan de leesbaarheid van het script beter?</a:t>
+            </a:r>
+          </a:p>
+          <a:p>
+            <a:pPr lvl="1"/>
+            <a:r>
+              <a:rPr lang="nl-NL" sz="2000" dirty="0"/>
+              <a:t>Welke taken voert het script uit?</a:t>
+            </a:r>
+          </a:p>
+          <a:p>
+            <a:pPr lvl="1"/>
+            <a:r>
+              <a:rPr lang="nl-NL" sz="2000" noProof="0" dirty="0"/>
+              <a:t>Kun je deze taken beter scheiden?</a:t>
+            </a:r>
+          </a:p>
+          <a:p>
+            <a:pPr lvl="1"/>
+            <a:r>
+              <a:rPr lang="nl-NL" sz="2000" dirty="0"/>
+              <a:t>Kun je de documentatie verbeteren?</a:t>
+            </a:r>
+          </a:p>
+          <a:p>
+            <a:pPr marL="0" indent="0">
+              <a:buNone/>
+            </a:pPr>
+            <a:endParaRPr lang="nl-NL" sz="2000" b="1" dirty="0"/>
+          </a:p>
+          <a:p>
+            <a:pPr marL="0" indent="0">
+              <a:buNone/>
+            </a:pPr>
+            <a:r>
+              <a:rPr lang="nl-NL" sz="2000" b="1" dirty="0"/>
+              <a:t>Let op: </a:t>
+            </a:r>
+            <a:r>
+              <a:rPr lang="nl-NL" sz="2000" b="1" noProof="0" dirty="0"/>
+              <a:t>Gebruik allee</a:t>
+            </a:r>
+            <a:r>
+              <a:rPr lang="nl-NL" sz="2000" b="1" dirty="0"/>
+              <a:t>n de Python standaard bibliotheek (geen </a:t>
+            </a:r>
+            <a:r>
+              <a:rPr lang="nl-NL" sz="2000" b="1" dirty="0" err="1"/>
+              <a:t>pandas</a:t>
+            </a:r>
+            <a:r>
+              <a:rPr lang="nl-NL" sz="2000" b="1" dirty="0"/>
+              <a:t>)</a:t>
+            </a:r>
+            <a:endParaRPr lang="nl-NL" sz="2000" b="1" noProof="0" dirty="0"/>
+          </a:p>
+          <a:p>
+            <a:pPr marL="0" indent="0">
+              <a:buNone/>
+            </a:pPr>
+            <a:endParaRPr lang="nl-NL" sz="2000" noProof="0" dirty="0"/>
+          </a:p>
+        </p:txBody>
+      </p:sp>
+    </p:spTree>
+    <p:extLst>
+      <p:ext uri="{BB962C8B-B14F-4D97-AF65-F5344CB8AC3E}">
+        <p14:creationId xmlns:p14="http://schemas.microsoft.com/office/powerpoint/2010/main" val="2639598204"/>
       </p:ext>
     </p:extLst>
   </p:cSld>
@@ -6996,68 +7128,30 @@
             <a:endParaRPr lang="nl-NL" sz="1600" noProof="0" dirty="0"/>
           </a:p>
           <a:p>
+            <a:pPr lvl="1">
+              <a:spcAft>
+                <a:spcPts val="600"/>
+              </a:spcAft>
+            </a:pPr>
+            <a:r>
+              <a:rPr lang="nl-NL" sz="1600" dirty="0" err="1"/>
+              <a:t>Comments</a:t>
+            </a:r>
+            <a:endParaRPr lang="nl-NL" sz="1600" noProof="0" dirty="0"/>
+          </a:p>
+          <a:p>
             <a:pPr>
               <a:spcAft>
                 <a:spcPts val="600"/>
               </a:spcAft>
             </a:pPr>
             <a:r>
-              <a:rPr lang="nl-NL" sz="2000" noProof="0" dirty="0"/>
-              <a:t>Opmaak en stijl</a:t>
-            </a:r>
-          </a:p>
-          <a:p>
-            <a:pPr lvl="1">
-              <a:spcAft>
-                <a:spcPts val="600"/>
-              </a:spcAft>
-            </a:pPr>
-            <a:r>
-              <a:rPr lang="nl-NL" sz="1600" noProof="0" dirty="0"/>
-              <a:t>PEP8</a:t>
-            </a:r>
-          </a:p>
-          <a:p>
-            <a:pPr lvl="1">
-              <a:spcAft>
-                <a:spcPts val="600"/>
-              </a:spcAft>
-            </a:pPr>
-            <a:r>
-              <a:rPr lang="nl-NL" sz="1600" noProof="0" dirty="0" err="1"/>
-              <a:t>Autoformatting</a:t>
-            </a:r>
-            <a:r>
-              <a:rPr lang="nl-NL" sz="1600" noProof="0" dirty="0"/>
-              <a:t> en </a:t>
-            </a:r>
-            <a:r>
-              <a:rPr lang="nl-NL" sz="1600" noProof="0" dirty="0" err="1"/>
-              <a:t>linting</a:t>
-            </a:r>
-            <a:endParaRPr lang="nl-NL" sz="1600" noProof="0" dirty="0"/>
-          </a:p>
-          <a:p>
-            <a:pPr>
-              <a:spcAft>
-                <a:spcPts val="600"/>
-              </a:spcAft>
-            </a:pPr>
-            <a:r>
               <a:rPr lang="nl-NL" sz="2000" noProof="0" dirty="0" err="1"/>
               <a:t>Logging</a:t>
             </a:r>
-            <a:endParaRPr lang="nl-NL" sz="2000" noProof="0" dirty="0"/>
-          </a:p>
-          <a:p>
-            <a:pPr>
-              <a:spcAft>
-                <a:spcPts val="600"/>
-              </a:spcAft>
-            </a:pPr>
             <a:r>
               <a:rPr lang="nl-NL" sz="2000" noProof="0" dirty="0"/>
-              <a:t>Fouten afhandelen</a:t>
+              <a:t> en fouten afhandelen</a:t>
             </a:r>
           </a:p>
           <a:p>
@@ -7334,14 +7428,17 @@
               <a:buNone/>
             </a:pPr>
             <a:r>
+              <a:rPr lang="nl-NL" sz="2000" dirty="0" err="1"/>
+              <a:t>Logging</a:t>
+            </a:r>
+            <a:r>
               <a:rPr lang="nl-NL" sz="2000" dirty="0"/>
-              <a:t>Je kunt loggen op 5 niveaus:</a:t>
-            </a:r>
-          </a:p>
-          <a:p>
-            <a:pPr>
-              <a:buFontTx/>
-              <a:buChar char="-"/>
+              <a:t> kent 5 niveaus:</a:t>
+            </a:r>
+          </a:p>
+          <a:p>
+            <a:pPr marL="0" indent="0">
+              <a:buNone/>
             </a:pPr>
             <a:r>
               <a:rPr lang="nl-NL" sz="1800" dirty="0">
@@ -7363,9 +7460,8 @@
             </a:endParaRPr>
           </a:p>
           <a:p>
-            <a:pPr>
-              <a:buFontTx/>
-              <a:buChar char="-"/>
+            <a:pPr marL="0" indent="0">
+              <a:buNone/>
             </a:pPr>
             <a:r>
               <a:rPr lang="nl-NL" sz="1800" dirty="0">
@@ -7376,9 +7472,8 @@
             </a:r>
           </a:p>
           <a:p>
-            <a:pPr>
-              <a:buFontTx/>
-              <a:buChar char="-"/>
+            <a:pPr marL="0" indent="0">
+              <a:buNone/>
             </a:pPr>
             <a:r>
               <a:rPr lang="nl-NL" sz="1800" dirty="0">
@@ -7400,9 +7495,8 @@
             </a:endParaRPr>
           </a:p>
           <a:p>
-            <a:pPr>
-              <a:buFontTx/>
-              <a:buChar char="-"/>
+            <a:pPr marL="0" indent="0">
+              <a:buNone/>
             </a:pPr>
             <a:r>
               <a:rPr lang="nl-NL" sz="1800" dirty="0">
@@ -7424,9 +7518,8 @@
             </a:endParaRPr>
           </a:p>
           <a:p>
-            <a:pPr>
-              <a:buFontTx/>
-              <a:buChar char="-"/>
+            <a:pPr marL="0" indent="0">
+              <a:buNone/>
             </a:pPr>
             <a:r>
               <a:rPr lang="nl-NL" sz="1800" dirty="0">
@@ -8262,9 +8355,8 @@
             </a:r>
           </a:p>
           <a:p>
-            <a:pPr>
-              <a:buFontTx/>
-              <a:buChar char="-"/>
+            <a:pPr marL="0" indent="0">
+              <a:buNone/>
             </a:pPr>
             <a:endParaRPr lang="nl-NL" sz="2000" dirty="0"/>
           </a:p>
@@ -9077,7 +9169,17 @@
             </a:pPr>
             <a:r>
               <a:rPr lang="nl-NL" sz="2000" dirty="0"/>
-              <a:t>Meestal gebruik je de naam van de module via </a:t>
+              <a:t>Vaak gebruik je de naam van:</a:t>
+            </a:r>
+          </a:p>
+          <a:p>
+            <a:pPr marL="0" indent="0">
+              <a:buFont typeface="Arial" panose="020B0604020202020204" pitchFamily="34" charset="0"/>
+              <a:buNone/>
+            </a:pPr>
+            <a:r>
+              <a:rPr lang="nl-NL" sz="2000" dirty="0"/>
+              <a:t>module :   </a:t>
             </a:r>
             <a:r>
               <a:rPr lang="nl-NL" sz="2000" dirty="0">
@@ -9088,8 +9190,55 @@
             </a:r>
             <a:r>
               <a:rPr lang="nl-NL" sz="2000" dirty="0"/>
-              <a:t>.</a:t>
-            </a:r>
+              <a:t>  </a:t>
+            </a:r>
+          </a:p>
+          <a:p>
+            <a:pPr marL="0" indent="0">
+              <a:buFont typeface="Arial" panose="020B0604020202020204" pitchFamily="34" charset="0"/>
+              <a:buNone/>
+            </a:pPr>
+            <a:r>
+              <a:rPr lang="nl-NL" sz="2000" dirty="0"/>
+              <a:t>class:  </a:t>
+            </a:r>
+            <a:r>
+              <a:rPr lang="nl-NL" sz="2000" dirty="0" err="1">
+                <a:latin typeface="Courier New" panose="02070309020205020404" pitchFamily="49" charset="0"/>
+                <a:cs typeface="Courier New" panose="02070309020205020404" pitchFamily="49" charset="0"/>
+              </a:rPr>
+              <a:t>self</a:t>
+            </a:r>
+            <a:r>
+              <a:rPr lang="nl-NL" sz="2000" dirty="0">
+                <a:latin typeface="Courier New" panose="02070309020205020404" pitchFamily="49" charset="0"/>
+                <a:cs typeface="Courier New" panose="02070309020205020404" pitchFamily="49" charset="0"/>
+              </a:rPr>
+              <a:t>.__</a:t>
+            </a:r>
+            <a:r>
+              <a:rPr lang="nl-NL" sz="2000" dirty="0" err="1">
+                <a:latin typeface="Courier New" panose="02070309020205020404" pitchFamily="49" charset="0"/>
+                <a:cs typeface="Courier New" panose="02070309020205020404" pitchFamily="49" charset="0"/>
+              </a:rPr>
+              <a:t>class__.__name</a:t>
+            </a:r>
+            <a:r>
+              <a:rPr lang="nl-NL" sz="2000" dirty="0">
+                <a:latin typeface="Courier New" panose="02070309020205020404" pitchFamily="49" charset="0"/>
+                <a:cs typeface="Courier New" panose="02070309020205020404" pitchFamily="49" charset="0"/>
+              </a:rPr>
+              <a:t>__</a:t>
+            </a:r>
+          </a:p>
+          <a:p>
+            <a:pPr marL="0" indent="0">
+              <a:buFont typeface="Arial" panose="020B0604020202020204" pitchFamily="34" charset="0"/>
+              <a:buNone/>
+            </a:pPr>
+            <a:endParaRPr lang="nl-NL" sz="2000" dirty="0">
+              <a:cs typeface="Courier New" panose="02070309020205020404" pitchFamily="49" charset="0"/>
+            </a:endParaRPr>
           </a:p>
         </p:txBody>
       </p:sp>
@@ -9726,7 +9875,7 @@
             </a:pPr>
             <a:r>
               <a:rPr lang="nl-NL" sz="2000" dirty="0"/>
-              <a:t>Een logger object kan zowel log berichten maken als ontvangen.</a:t>
+              <a:t>Een logger object kan zowel log berichten aanmaken als ontvangen.</a:t>
             </a:r>
           </a:p>
           <a:p>
@@ -9742,62 +9891,6 @@
             <a:r>
               <a:rPr lang="nl-NL" sz="2000" dirty="0"/>
               <a:t>Berichten doorgestuurd via hiërarchie, eindigen bij root logger.</a:t>
-            </a:r>
-          </a:p>
-          <a:p>
-            <a:pPr marL="0" indent="0">
-              <a:buNone/>
-            </a:pPr>
-            <a:endParaRPr lang="nl-NL" sz="2000" dirty="0"/>
-          </a:p>
-          <a:p>
-            <a:pPr marL="0" indent="0">
-              <a:buNone/>
-            </a:pPr>
-            <a:r>
-              <a:rPr lang="nl-NL" sz="2000" dirty="0"/>
-              <a:t>Een </a:t>
-            </a:r>
-            <a:r>
-              <a:rPr lang="nl-NL" sz="2000" dirty="0" err="1">
-                <a:latin typeface="Courier New" panose="02070309020205020404" pitchFamily="49" charset="0"/>
-                <a:cs typeface="Courier New" panose="02070309020205020404" pitchFamily="49" charset="0"/>
-              </a:rPr>
-              <a:t>Handler</a:t>
-            </a:r>
-            <a:r>
-              <a:rPr lang="nl-NL" sz="2000" dirty="0"/>
-              <a:t> regelt het wegschrijven van berichten; nieuwe loggers hebben deze niet standaard.</a:t>
-            </a:r>
-          </a:p>
-          <a:p>
-            <a:pPr marL="0" indent="0">
-              <a:buNone/>
-            </a:pPr>
-            <a:endParaRPr lang="nl-NL" sz="2000" dirty="0"/>
-          </a:p>
-          <a:p>
-            <a:pPr marL="0" indent="0">
-              <a:buNone/>
-            </a:pPr>
-            <a:r>
-              <a:rPr lang="nl-NL" sz="2000" dirty="0" err="1"/>
-              <a:t>Handlers</a:t>
-            </a:r>
-            <a:r>
-              <a:rPr lang="nl-NL" sz="2000" dirty="0"/>
-              <a:t> gebruiken een </a:t>
-            </a:r>
-            <a:r>
-              <a:rPr lang="nl-NL" sz="2000" dirty="0" err="1">
-                <a:latin typeface="Courier New" panose="02070309020205020404" pitchFamily="49" charset="0"/>
-                <a:cs typeface="Courier New" panose="02070309020205020404" pitchFamily="49" charset="0"/>
-              </a:rPr>
-              <a:t>Formatter</a:t>
-            </a:r>
-            <a:r>
-              <a:rPr lang="nl-NL" sz="2000" dirty="0"/>
-              <a:t> om berichten vorm te geven.</a:t>
             </a:r>
           </a:p>
         </p:txBody>
@@ -10052,54 +10145,6 @@
               <a:t>LogRecord</a:t>
             </a:r>
             <a:endParaRPr lang="en-NL" dirty="0"/>
-          </a:p>
-        </p:txBody>
-      </p:sp>
-      <p:sp>
-        <p:nvSpPr>
-          <p:cNvPr id="18" name="Rectangle 17">
-            <a:extLst>
-              <a:ext uri="{FF2B5EF4-FFF2-40B4-BE49-F238E27FC236}">
-                <a16:creationId xmlns:a16="http://schemas.microsoft.com/office/drawing/2014/main" id="{9A5FAF45-F25E-60BA-BE62-20514435B757}"/>
-              </a:ext>
-            </a:extLst>
-          </p:cNvPr>
-          <p:cNvSpPr/>
-          <p:nvPr/>
-        </p:nvSpPr>
-        <p:spPr>
-          <a:xfrm>
-            <a:off x="7095790" y="3090902"/>
-            <a:ext cx="1365421" cy="957645"/>
-          </a:xfrm>
-          <a:prstGeom prst="rect">
-            <a:avLst/>
-          </a:prstGeom>
-        </p:spPr>
-        <p:style>
-          <a:lnRef idx="1">
-            <a:schemeClr val="accent6"/>
-          </a:lnRef>
-          <a:fillRef idx="2">
-            <a:schemeClr val="accent6"/>
-          </a:fillRef>
-          <a:effectRef idx="1">
-            <a:schemeClr val="accent6"/>
-          </a:effectRef>
-          <a:fontRef idx="minor">
-            <a:schemeClr val="dk1"/>
-          </a:fontRef>
-        </p:style>
-        <p:txBody>
-          <a:bodyPr rtlCol="0" anchor="ctr"/>
-          <a:lstStyle/>
-          <a:p>
-            <a:pPr algn="ctr"/>
-            <a:r>
-              <a:rPr lang="en-US" sz="1600" dirty="0"/>
-              <a:t>Handler</a:t>
-            </a:r>
-            <a:endParaRPr lang="en-NL" sz="1600" dirty="0"/>
           </a:p>
         </p:txBody>
       </p:sp>
@@ -10197,138 +10242,6 @@
           </a:p>
         </p:txBody>
       </p:sp>
-      <p:cxnSp>
-        <p:nvCxnSpPr>
-          <p:cNvPr id="23" name="Straight Arrow Connector 22">
-            <a:extLst>
-              <a:ext uri="{FF2B5EF4-FFF2-40B4-BE49-F238E27FC236}">
-                <a16:creationId xmlns:a16="http://schemas.microsoft.com/office/drawing/2014/main" id="{91EDDF17-20B8-988E-BDD3-7CEA83D109B2}"/>
-              </a:ext>
-            </a:extLst>
-          </p:cNvPr>
-          <p:cNvCxnSpPr>
-            <a:cxnSpLocks/>
-            <a:stCxn id="4" idx="2"/>
-            <a:endCxn id="18" idx="0"/>
-          </p:cNvCxnSpPr>
-          <p:nvPr/>
-        </p:nvCxnSpPr>
-        <p:spPr>
-          <a:xfrm>
-            <a:off x="7778501" y="2413184"/>
-            <a:ext cx="0" cy="677718"/>
-          </a:xfrm>
-          <a:prstGeom prst="straightConnector1">
-            <a:avLst/>
-          </a:prstGeom>
-          <a:ln>
-            <a:tailEnd type="triangle"/>
-          </a:ln>
-        </p:spPr>
-        <p:style>
-          <a:lnRef idx="3">
-            <a:schemeClr val="dk1"/>
-          </a:lnRef>
-          <a:fillRef idx="0">
-            <a:schemeClr val="dk1"/>
-          </a:fillRef>
-          <a:effectRef idx="2">
-            <a:schemeClr val="dk1"/>
-          </a:effectRef>
-          <a:fontRef idx="minor">
-            <a:schemeClr val="tx1"/>
-          </a:fontRef>
-        </p:style>
-      </p:cxnSp>
-      <p:sp>
-        <p:nvSpPr>
-          <p:cNvPr id="26" name="Rectangle 25">
-            <a:extLst>
-              <a:ext uri="{FF2B5EF4-FFF2-40B4-BE49-F238E27FC236}">
-                <a16:creationId xmlns:a16="http://schemas.microsoft.com/office/drawing/2014/main" id="{BAF36631-5414-AEA6-5E5F-28E4D94C73E8}"/>
-              </a:ext>
-            </a:extLst>
-          </p:cNvPr>
-          <p:cNvSpPr/>
-          <p:nvPr/>
-        </p:nvSpPr>
-        <p:spPr>
-          <a:xfrm>
-            <a:off x="7076871" y="4726265"/>
-            <a:ext cx="1365421" cy="957645"/>
-          </a:xfrm>
-          <a:prstGeom prst="rect">
-            <a:avLst/>
-          </a:prstGeom>
-        </p:spPr>
-        <p:style>
-          <a:lnRef idx="1">
-            <a:schemeClr val="accent4"/>
-          </a:lnRef>
-          <a:fillRef idx="2">
-            <a:schemeClr val="accent4"/>
-          </a:fillRef>
-          <a:effectRef idx="1">
-            <a:schemeClr val="accent4"/>
-          </a:effectRef>
-          <a:fontRef idx="minor">
-            <a:schemeClr val="dk1"/>
-          </a:fontRef>
-        </p:style>
-        <p:txBody>
-          <a:bodyPr rtlCol="0" anchor="ctr"/>
-          <a:lstStyle/>
-          <a:p>
-            <a:pPr algn="ctr"/>
-            <a:r>
-              <a:rPr lang="en-US" sz="1600" dirty="0"/>
-              <a:t>Formatter</a:t>
-            </a:r>
-            <a:endParaRPr lang="en-NL" sz="1600" dirty="0"/>
-          </a:p>
-        </p:txBody>
-      </p:sp>
-      <p:cxnSp>
-        <p:nvCxnSpPr>
-          <p:cNvPr id="30" name="Straight Arrow Connector 29">
-            <a:extLst>
-              <a:ext uri="{FF2B5EF4-FFF2-40B4-BE49-F238E27FC236}">
-                <a16:creationId xmlns:a16="http://schemas.microsoft.com/office/drawing/2014/main" id="{17E69D5E-E5BA-AA9A-37A3-6EBBE65AB8A8}"/>
-              </a:ext>
-            </a:extLst>
-          </p:cNvPr>
-          <p:cNvCxnSpPr>
-            <a:endCxn id="18" idx="2"/>
-          </p:cNvCxnSpPr>
-          <p:nvPr/>
-        </p:nvCxnSpPr>
-        <p:spPr>
-          <a:xfrm flipV="1">
-            <a:off x="7778500" y="4048547"/>
-            <a:ext cx="1" cy="677718"/>
-          </a:xfrm>
-          <a:prstGeom prst="straightConnector1">
-            <a:avLst/>
-          </a:prstGeom>
-          <a:ln>
-            <a:tailEnd type="triangle"/>
-          </a:ln>
-        </p:spPr>
-        <p:style>
-          <a:lnRef idx="3">
-            <a:schemeClr val="dk1"/>
-          </a:lnRef>
-          <a:fillRef idx="0">
-            <a:schemeClr val="dk1"/>
-          </a:fillRef>
-          <a:effectRef idx="2">
-            <a:schemeClr val="dk1"/>
-          </a:effectRef>
-          <a:fontRef idx="minor">
-            <a:schemeClr val="tx1"/>
-          </a:fontRef>
-        </p:style>
-      </p:cxnSp>
     </p:spTree>
     <p:extLst>
       <p:ext uri="{BB962C8B-B14F-4D97-AF65-F5344CB8AC3E}">
@@ -10556,7 +10469,7 @@
             </a:pPr>
             <a:r>
               <a:rPr lang="nl-NL" sz="2000" dirty="0"/>
-              <a:t>Een logger object kan zowel log berichten maken als ontvangen.</a:t>
+              <a:t>Een logger object kan zowel log berichten aanmaken als ontvangen.</a:t>
             </a:r>
           </a:p>
           <a:p>
@@ -10597,7 +10510,15 @@
             </a:r>
             <a:r>
               <a:rPr lang="nl-NL" sz="2000" dirty="0"/>
-              <a:t> regelt het wegschrijven van berichten; nieuwe loggers hebben deze niet standaard.</a:t>
+              <a:t> regelt het wegschrijven van berichten. Alleen de root logger heeft standaard een </a:t>
+            </a:r>
+            <a:r>
+              <a:rPr lang="nl-NL" sz="2000" dirty="0" err="1"/>
+              <a:t>handler</a:t>
+            </a:r>
+            <a:r>
+              <a:rPr lang="nl-NL" sz="2000" dirty="0"/>
+              <a:t>.</a:t>
             </a:r>
           </a:p>
           <a:p>
@@ -11661,6 +11582,1120 @@
               <a:buNone/>
             </a:pPr>
             <a:r>
+              <a:rPr lang="nl-NL" sz="2000" dirty="0"/>
+              <a:t>Een logger object kan zowel log berichten aanmaken als ontvangen.</a:t>
+            </a:r>
+          </a:p>
+          <a:p>
+            <a:pPr marL="0" indent="0">
+              <a:buNone/>
+            </a:pPr>
+            <a:endParaRPr lang="nl-NL" sz="2000" dirty="0"/>
+          </a:p>
+          <a:p>
+            <a:pPr marL="0" indent="0">
+              <a:buNone/>
+            </a:pPr>
+            <a:r>
+              <a:rPr lang="nl-NL" sz="2000" dirty="0"/>
+              <a:t>Berichten doorgestuurd via hiërarchie, eindigen bij root logger.</a:t>
+            </a:r>
+          </a:p>
+          <a:p>
+            <a:pPr marL="0" indent="0">
+              <a:buNone/>
+            </a:pPr>
+            <a:endParaRPr lang="nl-NL" sz="2000" dirty="0"/>
+          </a:p>
+          <a:p>
+            <a:pPr marL="0" indent="0">
+              <a:buNone/>
+            </a:pPr>
+            <a:r>
+              <a:rPr lang="nl-NL" sz="2000" dirty="0"/>
+              <a:t>Een </a:t>
+            </a:r>
+            <a:r>
+              <a:rPr lang="nl-NL" sz="2000" dirty="0" err="1">
+                <a:latin typeface="Courier New" panose="02070309020205020404" pitchFamily="49" charset="0"/>
+                <a:cs typeface="Courier New" panose="02070309020205020404" pitchFamily="49" charset="0"/>
+              </a:rPr>
+              <a:t>Handler</a:t>
+            </a:r>
+            <a:r>
+              <a:rPr lang="nl-NL" sz="2000" dirty="0"/>
+              <a:t> regelt het wegschrijven van berichten. Alleen de root logger heeft standaard een </a:t>
+            </a:r>
+            <a:r>
+              <a:rPr lang="nl-NL" sz="2000" dirty="0" err="1"/>
+              <a:t>handler</a:t>
+            </a:r>
+            <a:r>
+              <a:rPr lang="nl-NL" sz="2000" dirty="0"/>
+              <a:t>.</a:t>
+            </a:r>
+          </a:p>
+          <a:p>
+            <a:pPr marL="0" indent="0">
+              <a:buNone/>
+            </a:pPr>
+            <a:endParaRPr lang="nl-NL" sz="2000" dirty="0"/>
+          </a:p>
+          <a:p>
+            <a:pPr marL="0" indent="0">
+              <a:buNone/>
+            </a:pPr>
+            <a:r>
+              <a:rPr lang="nl-NL" sz="2000" dirty="0" err="1"/>
+              <a:t>Handlers</a:t>
+            </a:r>
+            <a:r>
+              <a:rPr lang="nl-NL" sz="2000" dirty="0"/>
+              <a:t> gebruiken een </a:t>
+            </a:r>
+            <a:r>
+              <a:rPr lang="nl-NL" sz="2000" dirty="0" err="1">
+                <a:latin typeface="Courier New" panose="02070309020205020404" pitchFamily="49" charset="0"/>
+                <a:cs typeface="Courier New" panose="02070309020205020404" pitchFamily="49" charset="0"/>
+              </a:rPr>
+              <a:t>Formatter</a:t>
+            </a:r>
+            <a:r>
+              <a:rPr lang="nl-NL" sz="2000" dirty="0"/>
+              <a:t> om berichten vorm te geven.</a:t>
+            </a:r>
+          </a:p>
+        </p:txBody>
+      </p:sp>
+      <p:sp>
+        <p:nvSpPr>
+          <p:cNvPr id="2" name="Title 1">
+            <a:extLst>
+              <a:ext uri="{FF2B5EF4-FFF2-40B4-BE49-F238E27FC236}">
+                <a16:creationId xmlns:a16="http://schemas.microsoft.com/office/drawing/2014/main" id="{39A1D606-8DD1-369C-5C09-471CDD551AD5}"/>
+              </a:ext>
+            </a:extLst>
+          </p:cNvPr>
+          <p:cNvSpPr>
+            <a:spLocks noGrp="1"/>
+          </p:cNvSpPr>
+          <p:nvPr>
+            <p:ph type="title"/>
+          </p:nvPr>
+        </p:nvSpPr>
+        <p:spPr>
+          <a:xfrm>
+            <a:off x="838200" y="365126"/>
+            <a:ext cx="10515600" cy="718608"/>
+          </a:xfrm>
+        </p:spPr>
+        <p:txBody>
+          <a:bodyPr>
+            <a:normAutofit/>
+          </a:bodyPr>
+          <a:lstStyle/>
+          <a:p>
+            <a:r>
+              <a:rPr lang="nl-NL" sz="3600" noProof="0" dirty="0"/>
+              <a:t>Hoe configureer ik mijn logger?</a:t>
+            </a:r>
+          </a:p>
+        </p:txBody>
+      </p:sp>
+      <p:cxnSp>
+        <p:nvCxnSpPr>
+          <p:cNvPr id="5" name="Straight Connector 4">
+            <a:extLst>
+              <a:ext uri="{FF2B5EF4-FFF2-40B4-BE49-F238E27FC236}">
+                <a16:creationId xmlns:a16="http://schemas.microsoft.com/office/drawing/2014/main" id="{816517B9-97D0-8255-B24E-1BBE65010D0C}"/>
+              </a:ext>
+            </a:extLst>
+          </p:cNvPr>
+          <p:cNvCxnSpPr>
+            <a:cxnSpLocks/>
+          </p:cNvCxnSpPr>
+          <p:nvPr/>
+        </p:nvCxnSpPr>
+        <p:spPr>
+          <a:xfrm>
+            <a:off x="5655733" y="1456267"/>
+            <a:ext cx="0" cy="4809066"/>
+          </a:xfrm>
+          <a:prstGeom prst="line">
+            <a:avLst/>
+          </a:prstGeom>
+        </p:spPr>
+        <p:style>
+          <a:lnRef idx="3">
+            <a:schemeClr val="dk1"/>
+          </a:lnRef>
+          <a:fillRef idx="0">
+            <a:schemeClr val="dk1"/>
+          </a:fillRef>
+          <a:effectRef idx="2">
+            <a:schemeClr val="dk1"/>
+          </a:effectRef>
+          <a:fontRef idx="minor">
+            <a:schemeClr val="tx1"/>
+          </a:fontRef>
+        </p:style>
+      </p:cxnSp>
+      <p:sp>
+        <p:nvSpPr>
+          <p:cNvPr id="4" name="Rectangle 3">
+            <a:extLst>
+              <a:ext uri="{FF2B5EF4-FFF2-40B4-BE49-F238E27FC236}">
+                <a16:creationId xmlns:a16="http://schemas.microsoft.com/office/drawing/2014/main" id="{59C1E0AE-7A98-998B-0E6A-F116381B207A}"/>
+              </a:ext>
+            </a:extLst>
+          </p:cNvPr>
+          <p:cNvSpPr/>
+          <p:nvPr/>
+        </p:nvSpPr>
+        <p:spPr>
+          <a:xfrm>
+            <a:off x="7095790" y="1455536"/>
+            <a:ext cx="1365421" cy="957648"/>
+          </a:xfrm>
+          <a:prstGeom prst="rect">
+            <a:avLst/>
+          </a:prstGeom>
+        </p:spPr>
+        <p:style>
+          <a:lnRef idx="1">
+            <a:schemeClr val="accent1"/>
+          </a:lnRef>
+          <a:fillRef idx="2">
+            <a:schemeClr val="accent1"/>
+          </a:fillRef>
+          <a:effectRef idx="1">
+            <a:schemeClr val="accent1"/>
+          </a:effectRef>
+          <a:fontRef idx="minor">
+            <a:schemeClr val="dk1"/>
+          </a:fontRef>
+        </p:style>
+        <p:txBody>
+          <a:bodyPr rtlCol="0" anchor="ctr"/>
+          <a:lstStyle/>
+          <a:p>
+            <a:pPr algn="ctr"/>
+            <a:r>
+              <a:rPr lang="en-US" sz="1600" dirty="0"/>
+              <a:t>Logger</a:t>
+            </a:r>
+          </a:p>
+        </p:txBody>
+      </p:sp>
+      <p:cxnSp>
+        <p:nvCxnSpPr>
+          <p:cNvPr id="12" name="Straight Arrow Connector 11">
+            <a:extLst>
+              <a:ext uri="{FF2B5EF4-FFF2-40B4-BE49-F238E27FC236}">
+                <a16:creationId xmlns:a16="http://schemas.microsoft.com/office/drawing/2014/main" id="{CCEC841A-F90A-2572-CDC6-8174DC48A228}"/>
+              </a:ext>
+            </a:extLst>
+          </p:cNvPr>
+          <p:cNvCxnSpPr>
+            <a:cxnSpLocks/>
+            <a:stCxn id="4" idx="3"/>
+            <a:endCxn id="15" idx="1"/>
+          </p:cNvCxnSpPr>
+          <p:nvPr/>
+        </p:nvCxnSpPr>
+        <p:spPr>
+          <a:xfrm>
+            <a:off x="8461211" y="1934360"/>
+            <a:ext cx="1527168" cy="0"/>
+          </a:xfrm>
+          <a:prstGeom prst="straightConnector1">
+            <a:avLst/>
+          </a:prstGeom>
+          <a:ln>
+            <a:tailEnd type="triangle"/>
+          </a:ln>
+        </p:spPr>
+        <p:style>
+          <a:lnRef idx="3">
+            <a:schemeClr val="dk1"/>
+          </a:lnRef>
+          <a:fillRef idx="0">
+            <a:schemeClr val="dk1"/>
+          </a:fillRef>
+          <a:effectRef idx="2">
+            <a:schemeClr val="dk1"/>
+          </a:effectRef>
+          <a:fontRef idx="minor">
+            <a:schemeClr val="tx1"/>
+          </a:fontRef>
+        </p:style>
+      </p:cxnSp>
+      <p:sp>
+        <p:nvSpPr>
+          <p:cNvPr id="15" name="Rectangle 14">
+            <a:extLst>
+              <a:ext uri="{FF2B5EF4-FFF2-40B4-BE49-F238E27FC236}">
+                <a16:creationId xmlns:a16="http://schemas.microsoft.com/office/drawing/2014/main" id="{C29E75A7-B604-3383-C0F6-1C89A18AFFCC}"/>
+              </a:ext>
+            </a:extLst>
+          </p:cNvPr>
+          <p:cNvSpPr/>
+          <p:nvPr/>
+        </p:nvSpPr>
+        <p:spPr>
+          <a:xfrm>
+            <a:off x="9988379" y="1455536"/>
+            <a:ext cx="1365421" cy="957648"/>
+          </a:xfrm>
+          <a:prstGeom prst="rect">
+            <a:avLst/>
+          </a:prstGeom>
+        </p:spPr>
+        <p:style>
+          <a:lnRef idx="1">
+            <a:schemeClr val="accent2"/>
+          </a:lnRef>
+          <a:fillRef idx="2">
+            <a:schemeClr val="accent2"/>
+          </a:fillRef>
+          <a:effectRef idx="1">
+            <a:schemeClr val="accent2"/>
+          </a:effectRef>
+          <a:fontRef idx="minor">
+            <a:schemeClr val="dk1"/>
+          </a:fontRef>
+        </p:style>
+        <p:txBody>
+          <a:bodyPr rtlCol="0" anchor="ctr"/>
+          <a:lstStyle/>
+          <a:p>
+            <a:pPr algn="ctr"/>
+            <a:r>
+              <a:rPr lang="en-US" sz="1600" dirty="0"/>
+              <a:t>Root</a:t>
+            </a:r>
+          </a:p>
+          <a:p>
+            <a:pPr algn="ctr"/>
+            <a:r>
+              <a:rPr lang="en-US" sz="1600" dirty="0"/>
+              <a:t>Logger</a:t>
+            </a:r>
+          </a:p>
+        </p:txBody>
+      </p:sp>
+      <p:sp>
+        <p:nvSpPr>
+          <p:cNvPr id="17" name="TextBox 16">
+            <a:extLst>
+              <a:ext uri="{FF2B5EF4-FFF2-40B4-BE49-F238E27FC236}">
+                <a16:creationId xmlns:a16="http://schemas.microsoft.com/office/drawing/2014/main" id="{E879498D-C85D-FB4F-334C-1521A5D56A2F}"/>
+              </a:ext>
+            </a:extLst>
+          </p:cNvPr>
+          <p:cNvSpPr txBox="1"/>
+          <p:nvPr/>
+        </p:nvSpPr>
+        <p:spPr>
+          <a:xfrm>
+            <a:off x="8641686" y="1554892"/>
+            <a:ext cx="1166217" cy="369332"/>
+          </a:xfrm>
+          <a:prstGeom prst="rect">
+            <a:avLst/>
+          </a:prstGeom>
+          <a:noFill/>
+        </p:spPr>
+        <p:txBody>
+          <a:bodyPr wrap="none" rtlCol="0">
+            <a:spAutoFit/>
+          </a:bodyPr>
+          <a:lstStyle/>
+          <a:p>
+            <a:r>
+              <a:rPr lang="en-US" dirty="0" err="1"/>
+              <a:t>LogRecord</a:t>
+            </a:r>
+            <a:endParaRPr lang="en-NL" dirty="0"/>
+          </a:p>
+        </p:txBody>
+      </p:sp>
+      <p:sp>
+        <p:nvSpPr>
+          <p:cNvPr id="18" name="Rectangle 17">
+            <a:extLst>
+              <a:ext uri="{FF2B5EF4-FFF2-40B4-BE49-F238E27FC236}">
+                <a16:creationId xmlns:a16="http://schemas.microsoft.com/office/drawing/2014/main" id="{9A5FAF45-F25E-60BA-BE62-20514435B757}"/>
+              </a:ext>
+            </a:extLst>
+          </p:cNvPr>
+          <p:cNvSpPr/>
+          <p:nvPr/>
+        </p:nvSpPr>
+        <p:spPr>
+          <a:xfrm>
+            <a:off x="7095790" y="3090902"/>
+            <a:ext cx="1365421" cy="957645"/>
+          </a:xfrm>
+          <a:prstGeom prst="rect">
+            <a:avLst/>
+          </a:prstGeom>
+        </p:spPr>
+        <p:style>
+          <a:lnRef idx="1">
+            <a:schemeClr val="accent6"/>
+          </a:lnRef>
+          <a:fillRef idx="2">
+            <a:schemeClr val="accent6"/>
+          </a:fillRef>
+          <a:effectRef idx="1">
+            <a:schemeClr val="accent6"/>
+          </a:effectRef>
+          <a:fontRef idx="minor">
+            <a:schemeClr val="dk1"/>
+          </a:fontRef>
+        </p:style>
+        <p:txBody>
+          <a:bodyPr rtlCol="0" anchor="ctr"/>
+          <a:lstStyle/>
+          <a:p>
+            <a:pPr algn="ctr"/>
+            <a:r>
+              <a:rPr lang="en-US" sz="1600" dirty="0"/>
+              <a:t>Handler</a:t>
+            </a:r>
+            <a:endParaRPr lang="en-NL" sz="1600" dirty="0"/>
+          </a:p>
+        </p:txBody>
+      </p:sp>
+      <p:cxnSp>
+        <p:nvCxnSpPr>
+          <p:cNvPr id="19" name="Straight Arrow Connector 18">
+            <a:extLst>
+              <a:ext uri="{FF2B5EF4-FFF2-40B4-BE49-F238E27FC236}">
+                <a16:creationId xmlns:a16="http://schemas.microsoft.com/office/drawing/2014/main" id="{BF03C6AD-1473-FBFF-6AD7-2D105E0D79E2}"/>
+              </a:ext>
+            </a:extLst>
+          </p:cNvPr>
+          <p:cNvCxnSpPr>
+            <a:cxnSpLocks/>
+          </p:cNvCxnSpPr>
+          <p:nvPr/>
+        </p:nvCxnSpPr>
+        <p:spPr>
+          <a:xfrm>
+            <a:off x="5946742" y="1934360"/>
+            <a:ext cx="1130129" cy="0"/>
+          </a:xfrm>
+          <a:prstGeom prst="straightConnector1">
+            <a:avLst/>
+          </a:prstGeom>
+          <a:ln>
+            <a:solidFill>
+              <a:schemeClr val="bg1">
+                <a:lumMod val="75000"/>
+              </a:schemeClr>
+            </a:solidFill>
+            <a:tailEnd type="triangle"/>
+          </a:ln>
+        </p:spPr>
+        <p:style>
+          <a:lnRef idx="3">
+            <a:schemeClr val="dk1"/>
+          </a:lnRef>
+          <a:fillRef idx="0">
+            <a:schemeClr val="dk1"/>
+          </a:fillRef>
+          <a:effectRef idx="2">
+            <a:schemeClr val="dk1"/>
+          </a:effectRef>
+          <a:fontRef idx="minor">
+            <a:schemeClr val="tx1"/>
+          </a:fontRef>
+        </p:style>
+      </p:cxnSp>
+      <p:sp>
+        <p:nvSpPr>
+          <p:cNvPr id="20" name="TextBox 19">
+            <a:extLst>
+              <a:ext uri="{FF2B5EF4-FFF2-40B4-BE49-F238E27FC236}">
+                <a16:creationId xmlns:a16="http://schemas.microsoft.com/office/drawing/2014/main" id="{857E544C-45E8-39BE-2917-7BAF7CFF5799}"/>
+              </a:ext>
+            </a:extLst>
+          </p:cNvPr>
+          <p:cNvSpPr txBox="1"/>
+          <p:nvPr/>
+        </p:nvSpPr>
+        <p:spPr>
+          <a:xfrm>
+            <a:off x="5839335" y="1554892"/>
+            <a:ext cx="1166217" cy="369332"/>
+          </a:xfrm>
+          <a:prstGeom prst="rect">
+            <a:avLst/>
+          </a:prstGeom>
+          <a:noFill/>
+        </p:spPr>
+        <p:txBody>
+          <a:bodyPr wrap="none" rtlCol="0">
+            <a:spAutoFit/>
+          </a:bodyPr>
+          <a:lstStyle/>
+          <a:p>
+            <a:r>
+              <a:rPr lang="en-US" dirty="0" err="1">
+                <a:solidFill>
+                  <a:schemeClr val="bg1">
+                    <a:lumMod val="75000"/>
+                  </a:schemeClr>
+                </a:solidFill>
+              </a:rPr>
+              <a:t>LogRecord</a:t>
+            </a:r>
+            <a:endParaRPr lang="en-NL" dirty="0">
+              <a:solidFill>
+                <a:schemeClr val="bg1">
+                  <a:lumMod val="75000"/>
+                </a:schemeClr>
+              </a:solidFill>
+            </a:endParaRPr>
+          </a:p>
+        </p:txBody>
+      </p:sp>
+      <p:cxnSp>
+        <p:nvCxnSpPr>
+          <p:cNvPr id="23" name="Straight Arrow Connector 22">
+            <a:extLst>
+              <a:ext uri="{FF2B5EF4-FFF2-40B4-BE49-F238E27FC236}">
+                <a16:creationId xmlns:a16="http://schemas.microsoft.com/office/drawing/2014/main" id="{91EDDF17-20B8-988E-BDD3-7CEA83D109B2}"/>
+              </a:ext>
+            </a:extLst>
+          </p:cNvPr>
+          <p:cNvCxnSpPr>
+            <a:cxnSpLocks/>
+            <a:stCxn id="4" idx="2"/>
+            <a:endCxn id="18" idx="0"/>
+          </p:cNvCxnSpPr>
+          <p:nvPr/>
+        </p:nvCxnSpPr>
+        <p:spPr>
+          <a:xfrm>
+            <a:off x="7778501" y="2413184"/>
+            <a:ext cx="0" cy="677718"/>
+          </a:xfrm>
+          <a:prstGeom prst="straightConnector1">
+            <a:avLst/>
+          </a:prstGeom>
+          <a:ln>
+            <a:tailEnd type="triangle"/>
+          </a:ln>
+        </p:spPr>
+        <p:style>
+          <a:lnRef idx="3">
+            <a:schemeClr val="dk1"/>
+          </a:lnRef>
+          <a:fillRef idx="0">
+            <a:schemeClr val="dk1"/>
+          </a:fillRef>
+          <a:effectRef idx="2">
+            <a:schemeClr val="dk1"/>
+          </a:effectRef>
+          <a:fontRef idx="minor">
+            <a:schemeClr val="tx1"/>
+          </a:fontRef>
+        </p:style>
+      </p:cxnSp>
+      <p:sp>
+        <p:nvSpPr>
+          <p:cNvPr id="26" name="Rectangle 25">
+            <a:extLst>
+              <a:ext uri="{FF2B5EF4-FFF2-40B4-BE49-F238E27FC236}">
+                <a16:creationId xmlns:a16="http://schemas.microsoft.com/office/drawing/2014/main" id="{BAF36631-5414-AEA6-5E5F-28E4D94C73E8}"/>
+              </a:ext>
+            </a:extLst>
+          </p:cNvPr>
+          <p:cNvSpPr/>
+          <p:nvPr/>
+        </p:nvSpPr>
+        <p:spPr>
+          <a:xfrm>
+            <a:off x="7076871" y="4726265"/>
+            <a:ext cx="1365421" cy="957645"/>
+          </a:xfrm>
+          <a:prstGeom prst="rect">
+            <a:avLst/>
+          </a:prstGeom>
+        </p:spPr>
+        <p:style>
+          <a:lnRef idx="1">
+            <a:schemeClr val="accent4"/>
+          </a:lnRef>
+          <a:fillRef idx="2">
+            <a:schemeClr val="accent4"/>
+          </a:fillRef>
+          <a:effectRef idx="1">
+            <a:schemeClr val="accent4"/>
+          </a:effectRef>
+          <a:fontRef idx="minor">
+            <a:schemeClr val="dk1"/>
+          </a:fontRef>
+        </p:style>
+        <p:txBody>
+          <a:bodyPr rtlCol="0" anchor="ctr"/>
+          <a:lstStyle/>
+          <a:p>
+            <a:pPr algn="ctr"/>
+            <a:r>
+              <a:rPr lang="en-US" sz="1600" dirty="0"/>
+              <a:t>Formatter</a:t>
+            </a:r>
+            <a:endParaRPr lang="en-NL" sz="1600" dirty="0"/>
+          </a:p>
+        </p:txBody>
+      </p:sp>
+      <p:cxnSp>
+        <p:nvCxnSpPr>
+          <p:cNvPr id="30" name="Straight Arrow Connector 29">
+            <a:extLst>
+              <a:ext uri="{FF2B5EF4-FFF2-40B4-BE49-F238E27FC236}">
+                <a16:creationId xmlns:a16="http://schemas.microsoft.com/office/drawing/2014/main" id="{17E69D5E-E5BA-AA9A-37A3-6EBBE65AB8A8}"/>
+              </a:ext>
+            </a:extLst>
+          </p:cNvPr>
+          <p:cNvCxnSpPr>
+            <a:endCxn id="18" idx="2"/>
+          </p:cNvCxnSpPr>
+          <p:nvPr/>
+        </p:nvCxnSpPr>
+        <p:spPr>
+          <a:xfrm flipV="1">
+            <a:off x="7778500" y="4048547"/>
+            <a:ext cx="1" cy="677718"/>
+          </a:xfrm>
+          <a:prstGeom prst="straightConnector1">
+            <a:avLst/>
+          </a:prstGeom>
+          <a:ln>
+            <a:tailEnd type="triangle"/>
+          </a:ln>
+        </p:spPr>
+        <p:style>
+          <a:lnRef idx="3">
+            <a:schemeClr val="dk1"/>
+          </a:lnRef>
+          <a:fillRef idx="0">
+            <a:schemeClr val="dk1"/>
+          </a:fillRef>
+          <a:effectRef idx="2">
+            <a:schemeClr val="dk1"/>
+          </a:effectRef>
+          <a:fontRef idx="minor">
+            <a:schemeClr val="tx1"/>
+          </a:fontRef>
+        </p:style>
+      </p:cxnSp>
+      <p:sp>
+        <p:nvSpPr>
+          <p:cNvPr id="31" name="Rectangle 30">
+            <a:extLst>
+              <a:ext uri="{FF2B5EF4-FFF2-40B4-BE49-F238E27FC236}">
+                <a16:creationId xmlns:a16="http://schemas.microsoft.com/office/drawing/2014/main" id="{8E3C3CA6-F60B-1080-6D2E-88C8586B291A}"/>
+              </a:ext>
+            </a:extLst>
+          </p:cNvPr>
+          <p:cNvSpPr/>
+          <p:nvPr/>
+        </p:nvSpPr>
+        <p:spPr>
+          <a:xfrm>
+            <a:off x="9988379" y="3090902"/>
+            <a:ext cx="1365421" cy="957645"/>
+          </a:xfrm>
+          <a:prstGeom prst="rect">
+            <a:avLst/>
+          </a:prstGeom>
+        </p:spPr>
+        <p:style>
+          <a:lnRef idx="1">
+            <a:schemeClr val="accent3"/>
+          </a:lnRef>
+          <a:fillRef idx="2">
+            <a:schemeClr val="accent3"/>
+          </a:fillRef>
+          <a:effectRef idx="1">
+            <a:schemeClr val="accent3"/>
+          </a:effectRef>
+          <a:fontRef idx="minor">
+            <a:schemeClr val="dk1"/>
+          </a:fontRef>
+        </p:style>
+        <p:txBody>
+          <a:bodyPr rtlCol="0" anchor="ctr"/>
+          <a:lstStyle/>
+          <a:p>
+            <a:pPr algn="ctr"/>
+            <a:r>
+              <a:rPr lang="en-US" sz="1600" dirty="0">
+                <a:solidFill>
+                  <a:schemeClr val="bg1">
+                    <a:lumMod val="50000"/>
+                  </a:schemeClr>
+                </a:solidFill>
+              </a:rPr>
+              <a:t>Stream</a:t>
+            </a:r>
+          </a:p>
+          <a:p>
+            <a:pPr algn="ctr"/>
+            <a:r>
+              <a:rPr lang="en-US" sz="1600" dirty="0">
+                <a:solidFill>
+                  <a:schemeClr val="bg1">
+                    <a:lumMod val="50000"/>
+                  </a:schemeClr>
+                </a:solidFill>
+              </a:rPr>
+              <a:t>Handler</a:t>
+            </a:r>
+            <a:endParaRPr lang="en-NL" sz="1600" dirty="0">
+              <a:solidFill>
+                <a:schemeClr val="bg1">
+                  <a:lumMod val="50000"/>
+                </a:schemeClr>
+              </a:solidFill>
+            </a:endParaRPr>
+          </a:p>
+        </p:txBody>
+      </p:sp>
+      <p:sp>
+        <p:nvSpPr>
+          <p:cNvPr id="32" name="Rectangle 31">
+            <a:extLst>
+              <a:ext uri="{FF2B5EF4-FFF2-40B4-BE49-F238E27FC236}">
+                <a16:creationId xmlns:a16="http://schemas.microsoft.com/office/drawing/2014/main" id="{B8ECA78C-5D85-E7F8-1A19-20546500DEAE}"/>
+              </a:ext>
+            </a:extLst>
+          </p:cNvPr>
+          <p:cNvSpPr/>
+          <p:nvPr/>
+        </p:nvSpPr>
+        <p:spPr>
+          <a:xfrm>
+            <a:off x="9988379" y="4726265"/>
+            <a:ext cx="1365421" cy="957645"/>
+          </a:xfrm>
+          <a:prstGeom prst="rect">
+            <a:avLst/>
+          </a:prstGeom>
+        </p:spPr>
+        <p:style>
+          <a:lnRef idx="1">
+            <a:schemeClr val="accent3"/>
+          </a:lnRef>
+          <a:fillRef idx="2">
+            <a:schemeClr val="accent3"/>
+          </a:fillRef>
+          <a:effectRef idx="1">
+            <a:schemeClr val="accent3"/>
+          </a:effectRef>
+          <a:fontRef idx="minor">
+            <a:schemeClr val="dk1"/>
+          </a:fontRef>
+        </p:style>
+        <p:txBody>
+          <a:bodyPr rtlCol="0" anchor="ctr"/>
+          <a:lstStyle/>
+          <a:p>
+            <a:pPr algn="ctr"/>
+            <a:r>
+              <a:rPr lang="en-US" sz="1600" dirty="0">
+                <a:solidFill>
+                  <a:schemeClr val="bg1">
+                    <a:lumMod val="50000"/>
+                  </a:schemeClr>
+                </a:solidFill>
+              </a:rPr>
+              <a:t>Formatter</a:t>
+            </a:r>
+            <a:endParaRPr lang="en-NL" sz="1600" dirty="0">
+              <a:solidFill>
+                <a:schemeClr val="bg1">
+                  <a:lumMod val="50000"/>
+                </a:schemeClr>
+              </a:solidFill>
+            </a:endParaRPr>
+          </a:p>
+        </p:txBody>
+      </p:sp>
+      <p:cxnSp>
+        <p:nvCxnSpPr>
+          <p:cNvPr id="36" name="Straight Arrow Connector 35">
+            <a:extLst>
+              <a:ext uri="{FF2B5EF4-FFF2-40B4-BE49-F238E27FC236}">
+                <a16:creationId xmlns:a16="http://schemas.microsoft.com/office/drawing/2014/main" id="{FFAC7F7E-C986-BCB3-4818-686C37178466}"/>
+              </a:ext>
+            </a:extLst>
+          </p:cNvPr>
+          <p:cNvCxnSpPr>
+            <a:stCxn id="15" idx="2"/>
+            <a:endCxn id="31" idx="0"/>
+          </p:cNvCxnSpPr>
+          <p:nvPr/>
+        </p:nvCxnSpPr>
+        <p:spPr>
+          <a:xfrm>
+            <a:off x="10671090" y="2413184"/>
+            <a:ext cx="0" cy="677718"/>
+          </a:xfrm>
+          <a:prstGeom prst="straightConnector1">
+            <a:avLst/>
+          </a:prstGeom>
+          <a:ln>
+            <a:solidFill>
+              <a:schemeClr val="bg1">
+                <a:lumMod val="75000"/>
+              </a:schemeClr>
+            </a:solidFill>
+            <a:tailEnd type="triangle"/>
+          </a:ln>
+        </p:spPr>
+        <p:style>
+          <a:lnRef idx="3">
+            <a:schemeClr val="dk1"/>
+          </a:lnRef>
+          <a:fillRef idx="0">
+            <a:schemeClr val="dk1"/>
+          </a:fillRef>
+          <a:effectRef idx="2">
+            <a:schemeClr val="dk1"/>
+          </a:effectRef>
+          <a:fontRef idx="minor">
+            <a:schemeClr val="tx1"/>
+          </a:fontRef>
+        </p:style>
+      </p:cxnSp>
+      <p:cxnSp>
+        <p:nvCxnSpPr>
+          <p:cNvPr id="38" name="Straight Arrow Connector 37">
+            <a:extLst>
+              <a:ext uri="{FF2B5EF4-FFF2-40B4-BE49-F238E27FC236}">
+                <a16:creationId xmlns:a16="http://schemas.microsoft.com/office/drawing/2014/main" id="{F48CD2AE-146C-A655-BE30-7EE810B9B5BE}"/>
+              </a:ext>
+            </a:extLst>
+          </p:cNvPr>
+          <p:cNvCxnSpPr>
+            <a:stCxn id="32" idx="0"/>
+            <a:endCxn id="31" idx="2"/>
+          </p:cNvCxnSpPr>
+          <p:nvPr/>
+        </p:nvCxnSpPr>
+        <p:spPr>
+          <a:xfrm flipV="1">
+            <a:off x="10671090" y="4048547"/>
+            <a:ext cx="0" cy="677718"/>
+          </a:xfrm>
+          <a:prstGeom prst="straightConnector1">
+            <a:avLst/>
+          </a:prstGeom>
+          <a:ln>
+            <a:solidFill>
+              <a:schemeClr val="bg1">
+                <a:lumMod val="75000"/>
+              </a:schemeClr>
+            </a:solidFill>
+            <a:tailEnd type="triangle"/>
+          </a:ln>
+        </p:spPr>
+        <p:style>
+          <a:lnRef idx="3">
+            <a:schemeClr val="dk1"/>
+          </a:lnRef>
+          <a:fillRef idx="0">
+            <a:schemeClr val="dk1"/>
+          </a:fillRef>
+          <a:effectRef idx="2">
+            <a:schemeClr val="dk1"/>
+          </a:effectRef>
+          <a:fontRef idx="minor">
+            <a:schemeClr val="tx1"/>
+          </a:fontRef>
+        </p:style>
+      </p:cxnSp>
+      <p:sp>
+        <p:nvSpPr>
+          <p:cNvPr id="42" name="TextBox 41">
+            <a:extLst>
+              <a:ext uri="{FF2B5EF4-FFF2-40B4-BE49-F238E27FC236}">
+                <a16:creationId xmlns:a16="http://schemas.microsoft.com/office/drawing/2014/main" id="{1F74C9ED-AE6C-D972-875A-B1AE72D848BB}"/>
+              </a:ext>
+            </a:extLst>
+          </p:cNvPr>
+          <p:cNvSpPr txBox="1"/>
+          <p:nvPr/>
+        </p:nvSpPr>
+        <p:spPr>
+          <a:xfrm>
+            <a:off x="9443237" y="5862872"/>
+            <a:ext cx="2455704" cy="307777"/>
+          </a:xfrm>
+          <a:prstGeom prst="rect">
+            <a:avLst/>
+          </a:prstGeom>
+          <a:noFill/>
+        </p:spPr>
+        <p:txBody>
+          <a:bodyPr wrap="square" rtlCol="0">
+            <a:spAutoFit/>
+          </a:bodyPr>
+          <a:lstStyle/>
+          <a:p>
+            <a:r>
+              <a:rPr lang="en-US" sz="1400" dirty="0" err="1">
+                <a:latin typeface="Courier New" panose="02070309020205020404" pitchFamily="49" charset="0"/>
+                <a:cs typeface="Courier New" panose="02070309020205020404" pitchFamily="49" charset="0"/>
+              </a:rPr>
+              <a:t>logging.basicConfig</a:t>
+            </a:r>
+            <a:r>
+              <a:rPr lang="en-US" sz="1400" dirty="0">
+                <a:latin typeface="Courier New" panose="02070309020205020404" pitchFamily="49" charset="0"/>
+                <a:cs typeface="Courier New" panose="02070309020205020404" pitchFamily="49" charset="0"/>
+              </a:rPr>
+              <a:t>()</a:t>
+            </a:r>
+            <a:endParaRPr lang="en-NL" sz="1400" dirty="0">
+              <a:latin typeface="Courier New" panose="02070309020205020404" pitchFamily="49" charset="0"/>
+              <a:cs typeface="Courier New" panose="02070309020205020404" pitchFamily="49" charset="0"/>
+            </a:endParaRPr>
+          </a:p>
+        </p:txBody>
+      </p:sp>
+    </p:spTree>
+    <p:extLst>
+      <p:ext uri="{BB962C8B-B14F-4D97-AF65-F5344CB8AC3E}">
+        <p14:creationId xmlns:p14="http://schemas.microsoft.com/office/powerpoint/2010/main" val="1939771399"/>
+      </p:ext>
+    </p:extLst>
+  </p:cSld>
+  <p:clrMapOvr>
+    <a:masterClrMapping/>
+  </p:clrMapOvr>
+</p:sld>
+</file>
+
+<file path=ppt/slides/slide26.xml><?xml version="1.0" encoding="utf-8"?>
+<p:sld xmlns:a="http://schemas.openxmlformats.org/drawingml/2006/main" xmlns:r="http://schemas.openxmlformats.org/officeDocument/2006/relationships" xmlns:p="http://schemas.openxmlformats.org/presentationml/2006/main">
+  <p:cSld>
+    <p:spTree>
+      <p:nvGrpSpPr>
+        <p:cNvPr id="1" name=""/>
+        <p:cNvGrpSpPr/>
+        <p:nvPr/>
+      </p:nvGrpSpPr>
+      <p:grpSpPr>
+        <a:xfrm>
+          <a:off x="0" y="0"/>
+          <a:ext cx="0" cy="0"/>
+          <a:chOff x="0" y="0"/>
+          <a:chExt cx="0" cy="0"/>
+        </a:xfrm>
+      </p:grpSpPr>
+      <p:sp>
+        <p:nvSpPr>
+          <p:cNvPr id="7" name="Content Placeholder 2">
+            <a:extLst>
+              <a:ext uri="{FF2B5EF4-FFF2-40B4-BE49-F238E27FC236}">
+                <a16:creationId xmlns:a16="http://schemas.microsoft.com/office/drawing/2014/main" id="{270B364B-D07E-1F58-2A8E-EF2360CDE504}"/>
+              </a:ext>
+            </a:extLst>
+          </p:cNvPr>
+          <p:cNvSpPr txBox="1">
+            <a:spLocks/>
+          </p:cNvSpPr>
+          <p:nvPr/>
+        </p:nvSpPr>
+        <p:spPr>
+          <a:xfrm>
+            <a:off x="838200" y="1456267"/>
+            <a:ext cx="4571999" cy="4720696"/>
+          </a:xfrm>
+          <a:prstGeom prst="rect">
+            <a:avLst/>
+          </a:prstGeom>
+        </p:spPr>
+        <p:txBody>
+          <a:bodyPr vert="horz" lIns="91440" tIns="45720" rIns="91440" bIns="45720" rtlCol="0">
+            <a:normAutofit/>
+          </a:bodyPr>
+          <a:lstStyle>
+            <a:lvl1pPr marL="228600" indent="-228600" algn="l" defTabSz="914400" rtl="0" eaLnBrk="1" latinLnBrk="0" hangingPunct="1">
+              <a:lnSpc>
+                <a:spcPct val="90000"/>
+              </a:lnSpc>
+              <a:spcBef>
+                <a:spcPts val="1000"/>
+              </a:spcBef>
+              <a:buFont typeface="Arial" panose="020B0604020202020204" pitchFamily="34" charset="0"/>
+              <a:buChar char="•"/>
+              <a:defRPr sz="2800" kern="1200">
+                <a:solidFill>
+                  <a:schemeClr val="tx1"/>
+                </a:solidFill>
+                <a:latin typeface="+mn-lt"/>
+                <a:ea typeface="+mn-ea"/>
+                <a:cs typeface="+mn-cs"/>
+              </a:defRPr>
+            </a:lvl1pPr>
+            <a:lvl2pPr marL="685800" indent="-228600" algn="l" defTabSz="914400" rtl="0" eaLnBrk="1" latinLnBrk="0" hangingPunct="1">
+              <a:lnSpc>
+                <a:spcPct val="90000"/>
+              </a:lnSpc>
+              <a:spcBef>
+                <a:spcPts val="500"/>
+              </a:spcBef>
+              <a:buFont typeface="Arial" panose="020B0604020202020204" pitchFamily="34" charset="0"/>
+              <a:buChar char="•"/>
+              <a:defRPr sz="2400" kern="1200">
+                <a:solidFill>
+                  <a:schemeClr val="tx1"/>
+                </a:solidFill>
+                <a:latin typeface="+mn-lt"/>
+                <a:ea typeface="+mn-ea"/>
+                <a:cs typeface="+mn-cs"/>
+              </a:defRPr>
+            </a:lvl2pPr>
+            <a:lvl3pPr marL="1143000" indent="-228600" algn="l" defTabSz="914400" rtl="0" eaLnBrk="1" latinLnBrk="0" hangingPunct="1">
+              <a:lnSpc>
+                <a:spcPct val="90000"/>
+              </a:lnSpc>
+              <a:spcBef>
+                <a:spcPts val="500"/>
+              </a:spcBef>
+              <a:buFont typeface="Arial" panose="020B0604020202020204" pitchFamily="34" charset="0"/>
+              <a:buChar char="•"/>
+              <a:defRPr sz="2000" kern="1200">
+                <a:solidFill>
+                  <a:schemeClr val="tx1"/>
+                </a:solidFill>
+                <a:latin typeface="+mn-lt"/>
+                <a:ea typeface="+mn-ea"/>
+                <a:cs typeface="+mn-cs"/>
+              </a:defRPr>
+            </a:lvl3pPr>
+            <a:lvl4pPr marL="1600200" indent="-228600" algn="l" defTabSz="914400" rtl="0" eaLnBrk="1" latinLnBrk="0" hangingPunct="1">
+              <a:lnSpc>
+                <a:spcPct val="90000"/>
+              </a:lnSpc>
+              <a:spcBef>
+                <a:spcPts val="500"/>
+              </a:spcBef>
+              <a:buFont typeface="Arial" panose="020B0604020202020204" pitchFamily="34" charset="0"/>
+              <a:buChar char="•"/>
+              <a:defRPr sz="1800" kern="1200">
+                <a:solidFill>
+                  <a:schemeClr val="tx1"/>
+                </a:solidFill>
+                <a:latin typeface="+mn-lt"/>
+                <a:ea typeface="+mn-ea"/>
+                <a:cs typeface="+mn-cs"/>
+              </a:defRPr>
+            </a:lvl4pPr>
+            <a:lvl5pPr marL="2057400" indent="-228600" algn="l" defTabSz="914400" rtl="0" eaLnBrk="1" latinLnBrk="0" hangingPunct="1">
+              <a:lnSpc>
+                <a:spcPct val="90000"/>
+              </a:lnSpc>
+              <a:spcBef>
+                <a:spcPts val="500"/>
+              </a:spcBef>
+              <a:buFont typeface="Arial" panose="020B0604020202020204" pitchFamily="34" charset="0"/>
+              <a:buChar char="•"/>
+              <a:defRPr sz="1800" kern="1200">
+                <a:solidFill>
+                  <a:schemeClr val="tx1"/>
+                </a:solidFill>
+                <a:latin typeface="+mn-lt"/>
+                <a:ea typeface="+mn-ea"/>
+                <a:cs typeface="+mn-cs"/>
+              </a:defRPr>
+            </a:lvl5pPr>
+            <a:lvl6pPr marL="2514600" indent="-228600" algn="l" defTabSz="914400" rtl="0" eaLnBrk="1" latinLnBrk="0" hangingPunct="1">
+              <a:lnSpc>
+                <a:spcPct val="90000"/>
+              </a:lnSpc>
+              <a:spcBef>
+                <a:spcPts val="500"/>
+              </a:spcBef>
+              <a:buFont typeface="Arial" panose="020B0604020202020204" pitchFamily="34" charset="0"/>
+              <a:buChar char="•"/>
+              <a:defRPr sz="1800" kern="1200">
+                <a:solidFill>
+                  <a:schemeClr val="tx1"/>
+                </a:solidFill>
+                <a:latin typeface="+mn-lt"/>
+                <a:ea typeface="+mn-ea"/>
+                <a:cs typeface="+mn-cs"/>
+              </a:defRPr>
+            </a:lvl6pPr>
+            <a:lvl7pPr marL="2971800" indent="-228600" algn="l" defTabSz="914400" rtl="0" eaLnBrk="1" latinLnBrk="0" hangingPunct="1">
+              <a:lnSpc>
+                <a:spcPct val="90000"/>
+              </a:lnSpc>
+              <a:spcBef>
+                <a:spcPts val="500"/>
+              </a:spcBef>
+              <a:buFont typeface="Arial" panose="020B0604020202020204" pitchFamily="34" charset="0"/>
+              <a:buChar char="•"/>
+              <a:defRPr sz="1800" kern="1200">
+                <a:solidFill>
+                  <a:schemeClr val="tx1"/>
+                </a:solidFill>
+                <a:latin typeface="+mn-lt"/>
+                <a:ea typeface="+mn-ea"/>
+                <a:cs typeface="+mn-cs"/>
+              </a:defRPr>
+            </a:lvl7pPr>
+            <a:lvl8pPr marL="3429000" indent="-228600" algn="l" defTabSz="914400" rtl="0" eaLnBrk="1" latinLnBrk="0" hangingPunct="1">
+              <a:lnSpc>
+                <a:spcPct val="90000"/>
+              </a:lnSpc>
+              <a:spcBef>
+                <a:spcPts val="500"/>
+              </a:spcBef>
+              <a:buFont typeface="Arial" panose="020B0604020202020204" pitchFamily="34" charset="0"/>
+              <a:buChar char="•"/>
+              <a:defRPr sz="1800" kern="1200">
+                <a:solidFill>
+                  <a:schemeClr val="tx1"/>
+                </a:solidFill>
+                <a:latin typeface="+mn-lt"/>
+                <a:ea typeface="+mn-ea"/>
+                <a:cs typeface="+mn-cs"/>
+              </a:defRPr>
+            </a:lvl8pPr>
+            <a:lvl9pPr marL="3886200" indent="-228600" algn="l" defTabSz="914400" rtl="0" eaLnBrk="1" latinLnBrk="0" hangingPunct="1">
+              <a:lnSpc>
+                <a:spcPct val="90000"/>
+              </a:lnSpc>
+              <a:spcBef>
+                <a:spcPts val="500"/>
+              </a:spcBef>
+              <a:buFont typeface="Arial" panose="020B0604020202020204" pitchFamily="34" charset="0"/>
+              <a:buChar char="•"/>
+              <a:defRPr sz="1800" kern="1200">
+                <a:solidFill>
+                  <a:schemeClr val="tx1"/>
+                </a:solidFill>
+                <a:latin typeface="+mn-lt"/>
+                <a:ea typeface="+mn-ea"/>
+                <a:cs typeface="+mn-cs"/>
+              </a:defRPr>
+            </a:lvl9pPr>
+          </a:lstStyle>
+          <a:p>
+            <a:pPr marL="0" indent="0">
+              <a:buNone/>
+            </a:pPr>
+            <a:r>
               <a:rPr lang="nl-NL" sz="1800" dirty="0">
                 <a:cs typeface="Courier New" panose="02070309020205020404" pitchFamily="49" charset="0"/>
               </a:rPr>
@@ -12305,7 +13340,7 @@
 </p:sld>
 </file>
 
-<file path=ppt/slides/slide26.xml><?xml version="1.0" encoding="utf-8"?>
+<file path=ppt/slides/slide27.xml><?xml version="1.0" encoding="utf-8"?>
 <p:sld xmlns:a="http://schemas.openxmlformats.org/drawingml/2006/main" xmlns:r="http://schemas.openxmlformats.org/officeDocument/2006/relationships" xmlns:p="http://schemas.openxmlformats.org/presentationml/2006/main">
   <p:cSld>
     <p:spTree>
@@ -12388,7 +13423,7 @@
 </p:sld>
 </file>
 
-<file path=ppt/slides/slide27.xml><?xml version="1.0" encoding="utf-8"?>
+<file path=ppt/slides/slide28.xml><?xml version="1.0" encoding="utf-8"?>
 <p:sld xmlns:a="http://schemas.openxmlformats.org/drawingml/2006/main" xmlns:r="http://schemas.openxmlformats.org/officeDocument/2006/relationships" xmlns:p="http://schemas.openxmlformats.org/presentationml/2006/main">
   <p:cSld>
     <p:spTree>
@@ -13643,7 +14678,7 @@
 </p:sld>
 </file>
 
-<file path=ppt/slides/slide28.xml><?xml version="1.0" encoding="utf-8"?>
+<file path=ppt/slides/slide29.xml><?xml version="1.0" encoding="utf-8"?>
 <p:sld xmlns:a="http://schemas.openxmlformats.org/drawingml/2006/main" xmlns:r="http://schemas.openxmlformats.org/officeDocument/2006/relationships" xmlns:p="http://schemas.openxmlformats.org/presentationml/2006/main">
   <p:cSld>
     <p:spTree>
@@ -14339,7 +15374,95 @@
 </p:sld>
 </file>
 
-<file path=ppt/slides/slide29.xml><?xml version="1.0" encoding="utf-8"?>
+<file path=ppt/slides/slide3.xml><?xml version="1.0" encoding="utf-8"?>
+<p:sld xmlns:a="http://schemas.openxmlformats.org/drawingml/2006/main" xmlns:r="http://schemas.openxmlformats.org/officeDocument/2006/relationships" xmlns:p="http://schemas.openxmlformats.org/presentationml/2006/main">
+  <p:cSld>
+    <p:spTree>
+      <p:nvGrpSpPr>
+        <p:cNvPr id="1" name=""/>
+        <p:cNvGrpSpPr/>
+        <p:nvPr/>
+      </p:nvGrpSpPr>
+      <p:grpSpPr>
+        <a:xfrm>
+          <a:off x="0" y="0"/>
+          <a:ext cx="0" cy="0"/>
+          <a:chOff x="0" y="0"/>
+          <a:chExt cx="0" cy="0"/>
+        </a:xfrm>
+      </p:grpSpPr>
+      <p:sp>
+        <p:nvSpPr>
+          <p:cNvPr id="4" name="Title 3">
+            <a:extLst>
+              <a:ext uri="{FF2B5EF4-FFF2-40B4-BE49-F238E27FC236}">
+                <a16:creationId xmlns:a16="http://schemas.microsoft.com/office/drawing/2014/main" id="{72C925CA-BCA3-3701-E08E-95652380B32E}"/>
+              </a:ext>
+            </a:extLst>
+          </p:cNvPr>
+          <p:cNvSpPr>
+            <a:spLocks noGrp="1"/>
+          </p:cNvSpPr>
+          <p:nvPr>
+            <p:ph type="title"/>
+          </p:nvPr>
+        </p:nvSpPr>
+        <p:spPr/>
+        <p:txBody>
+          <a:bodyPr/>
+          <a:lstStyle/>
+          <a:p>
+            <a:r>
+              <a:rPr lang="en-US" noProof="0" dirty="0"/>
+              <a:t>Goede </a:t>
+            </a:r>
+            <a:r>
+              <a:rPr lang="en-US" noProof="0" dirty="0" err="1"/>
+              <a:t>principes</a:t>
+            </a:r>
+            <a:endParaRPr lang="nl-NL" noProof="0" dirty="0"/>
+          </a:p>
+        </p:txBody>
+      </p:sp>
+      <p:sp>
+        <p:nvSpPr>
+          <p:cNvPr id="5" name="Text Placeholder 4">
+            <a:extLst>
+              <a:ext uri="{FF2B5EF4-FFF2-40B4-BE49-F238E27FC236}">
+                <a16:creationId xmlns:a16="http://schemas.microsoft.com/office/drawing/2014/main" id="{1AB31C95-91AF-DF13-FB58-0DA5F2D9F6F7}"/>
+              </a:ext>
+            </a:extLst>
+          </p:cNvPr>
+          <p:cNvSpPr>
+            <a:spLocks noGrp="1"/>
+          </p:cNvSpPr>
+          <p:nvPr>
+            <p:ph type="body" idx="1"/>
+          </p:nvPr>
+        </p:nvSpPr>
+        <p:spPr/>
+        <p:txBody>
+          <a:bodyPr/>
+          <a:lstStyle/>
+          <a:p>
+            <a:endParaRPr lang="en-NL"/>
+          </a:p>
+        </p:txBody>
+      </p:sp>
+    </p:spTree>
+    <p:extLst>
+      <p:ext uri="{BB962C8B-B14F-4D97-AF65-F5344CB8AC3E}">
+        <p14:creationId xmlns:p14="http://schemas.microsoft.com/office/powerpoint/2010/main" val="530448944"/>
+      </p:ext>
+    </p:extLst>
+  </p:cSld>
+  <p:clrMapOvr>
+    <a:masterClrMapping/>
+  </p:clrMapOvr>
+</p:sld>
+</file>
+
+<file path=ppt/slides/slide30.xml><?xml version="1.0" encoding="utf-8"?>
 <p:sld xmlns:a="http://schemas.openxmlformats.org/drawingml/2006/main" xmlns:r="http://schemas.openxmlformats.org/officeDocument/2006/relationships" xmlns:p="http://schemas.openxmlformats.org/presentationml/2006/main">
   <p:cSld>
     <p:spTree>
@@ -14887,95 +16010,7 @@
 </p:sld>
 </file>
 
-<file path=ppt/slides/slide3.xml><?xml version="1.0" encoding="utf-8"?>
-<p:sld xmlns:a="http://schemas.openxmlformats.org/drawingml/2006/main" xmlns:r="http://schemas.openxmlformats.org/officeDocument/2006/relationships" xmlns:p="http://schemas.openxmlformats.org/presentationml/2006/main">
-  <p:cSld>
-    <p:spTree>
-      <p:nvGrpSpPr>
-        <p:cNvPr id="1" name=""/>
-        <p:cNvGrpSpPr/>
-        <p:nvPr/>
-      </p:nvGrpSpPr>
-      <p:grpSpPr>
-        <a:xfrm>
-          <a:off x="0" y="0"/>
-          <a:ext cx="0" cy="0"/>
-          <a:chOff x="0" y="0"/>
-          <a:chExt cx="0" cy="0"/>
-        </a:xfrm>
-      </p:grpSpPr>
-      <p:sp>
-        <p:nvSpPr>
-          <p:cNvPr id="4" name="Title 3">
-            <a:extLst>
-              <a:ext uri="{FF2B5EF4-FFF2-40B4-BE49-F238E27FC236}">
-                <a16:creationId xmlns:a16="http://schemas.microsoft.com/office/drawing/2014/main" id="{72C925CA-BCA3-3701-E08E-95652380B32E}"/>
-              </a:ext>
-            </a:extLst>
-          </p:cNvPr>
-          <p:cNvSpPr>
-            <a:spLocks noGrp="1"/>
-          </p:cNvSpPr>
-          <p:nvPr>
-            <p:ph type="title"/>
-          </p:nvPr>
-        </p:nvSpPr>
-        <p:spPr/>
-        <p:txBody>
-          <a:bodyPr/>
-          <a:lstStyle/>
-          <a:p>
-            <a:r>
-              <a:rPr lang="en-US" noProof="0" dirty="0"/>
-              <a:t>Goede </a:t>
-            </a:r>
-            <a:r>
-              <a:rPr lang="en-US" noProof="0" dirty="0" err="1"/>
-              <a:t>principes</a:t>
-            </a:r>
-            <a:endParaRPr lang="nl-NL" noProof="0" dirty="0"/>
-          </a:p>
-        </p:txBody>
-      </p:sp>
-      <p:sp>
-        <p:nvSpPr>
-          <p:cNvPr id="5" name="Text Placeholder 4">
-            <a:extLst>
-              <a:ext uri="{FF2B5EF4-FFF2-40B4-BE49-F238E27FC236}">
-                <a16:creationId xmlns:a16="http://schemas.microsoft.com/office/drawing/2014/main" id="{1AB31C95-91AF-DF13-FB58-0DA5F2D9F6F7}"/>
-              </a:ext>
-            </a:extLst>
-          </p:cNvPr>
-          <p:cNvSpPr>
-            <a:spLocks noGrp="1"/>
-          </p:cNvSpPr>
-          <p:nvPr>
-            <p:ph type="body" idx="1"/>
-          </p:nvPr>
-        </p:nvSpPr>
-        <p:spPr/>
-        <p:txBody>
-          <a:bodyPr/>
-          <a:lstStyle/>
-          <a:p>
-            <a:endParaRPr lang="en-NL"/>
-          </a:p>
-        </p:txBody>
-      </p:sp>
-    </p:spTree>
-    <p:extLst>
-      <p:ext uri="{BB962C8B-B14F-4D97-AF65-F5344CB8AC3E}">
-        <p14:creationId xmlns:p14="http://schemas.microsoft.com/office/powerpoint/2010/main" val="530448944"/>
-      </p:ext>
-    </p:extLst>
-  </p:cSld>
-  <p:clrMapOvr>
-    <a:masterClrMapping/>
-  </p:clrMapOvr>
-</p:sld>
-</file>
-
-<file path=ppt/slides/slide30.xml><?xml version="1.0" encoding="utf-8"?>
+<file path=ppt/slides/slide31.xml><?xml version="1.0" encoding="utf-8"?>
 <p:sld xmlns:a="http://schemas.openxmlformats.org/drawingml/2006/main" xmlns:r="http://schemas.openxmlformats.org/officeDocument/2006/relationships" xmlns:p="http://schemas.openxmlformats.org/presentationml/2006/main">
   <p:cSld>
     <p:spTree>
@@ -15590,7 +16625,7 @@
 </p:sld>
 </file>
 
-<file path=ppt/slides/slide31.xml><?xml version="1.0" encoding="utf-8"?>
+<file path=ppt/slides/slide32.xml><?xml version="1.0" encoding="utf-8"?>
 <p:sld xmlns:a="http://schemas.openxmlformats.org/drawingml/2006/main" xmlns:r="http://schemas.openxmlformats.org/officeDocument/2006/relationships" xmlns:p="http://schemas.openxmlformats.org/presentationml/2006/main">
   <p:cSld>
     <p:spTree>
@@ -16216,7 +17251,7 @@
 </p:sld>
 </file>
 
-<file path=ppt/slides/slide32.xml><?xml version="1.0" encoding="utf-8"?>
+<file path=ppt/slides/slide33.xml><?xml version="1.0" encoding="utf-8"?>
 <p:sld xmlns:a="http://schemas.openxmlformats.org/drawingml/2006/main" xmlns:r="http://schemas.openxmlformats.org/officeDocument/2006/relationships" xmlns:p="http://schemas.openxmlformats.org/presentationml/2006/main">
   <p:cSld>
     <p:spTree>
@@ -16729,6 +17764,2003 @@
 </p:sld>
 </file>
 
+<file path=ppt/slides/slide34.xml><?xml version="1.0" encoding="utf-8"?>
+<p:sld xmlns:a="http://schemas.openxmlformats.org/drawingml/2006/main" xmlns:r="http://schemas.openxmlformats.org/officeDocument/2006/relationships" xmlns:p="http://schemas.openxmlformats.org/presentationml/2006/main">
+  <p:cSld>
+    <p:spTree>
+      <p:nvGrpSpPr>
+        <p:cNvPr id="1" name=""/>
+        <p:cNvGrpSpPr/>
+        <p:nvPr/>
+      </p:nvGrpSpPr>
+      <p:grpSpPr>
+        <a:xfrm>
+          <a:off x="0" y="0"/>
+          <a:ext cx="0" cy="0"/>
+          <a:chOff x="0" y="0"/>
+          <a:chExt cx="0" cy="0"/>
+        </a:xfrm>
+      </p:grpSpPr>
+      <p:sp>
+        <p:nvSpPr>
+          <p:cNvPr id="2" name="Title 1">
+            <a:extLst>
+              <a:ext uri="{FF2B5EF4-FFF2-40B4-BE49-F238E27FC236}">
+                <a16:creationId xmlns:a16="http://schemas.microsoft.com/office/drawing/2014/main" id="{F0117A71-C343-4E94-A229-F18D53D8BEF6}"/>
+              </a:ext>
+            </a:extLst>
+          </p:cNvPr>
+          <p:cNvSpPr>
+            <a:spLocks noGrp="1"/>
+          </p:cNvSpPr>
+          <p:nvPr>
+            <p:ph type="title"/>
+          </p:nvPr>
+        </p:nvSpPr>
+        <p:spPr/>
+        <p:txBody>
+          <a:bodyPr/>
+          <a:lstStyle/>
+          <a:p>
+            <a:r>
+              <a:rPr lang="nl-NL" dirty="0"/>
+              <a:t>Wat zijn unit tests?</a:t>
+            </a:r>
+          </a:p>
+        </p:txBody>
+      </p:sp>
+      <p:sp>
+        <p:nvSpPr>
+          <p:cNvPr id="3" name="Content Placeholder 2">
+            <a:extLst>
+              <a:ext uri="{FF2B5EF4-FFF2-40B4-BE49-F238E27FC236}">
+                <a16:creationId xmlns:a16="http://schemas.microsoft.com/office/drawing/2014/main" id="{BAC51C7A-6D7E-4515-BA34-6BEF13D36B55}"/>
+              </a:ext>
+            </a:extLst>
+          </p:cNvPr>
+          <p:cNvSpPr>
+            <a:spLocks noGrp="1"/>
+          </p:cNvSpPr>
+          <p:nvPr>
+            <p:ph idx="1"/>
+          </p:nvPr>
+        </p:nvSpPr>
+        <p:spPr/>
+        <p:txBody>
+          <a:bodyPr>
+            <a:normAutofit/>
+          </a:bodyPr>
+          <a:lstStyle/>
+          <a:p>
+            <a:pPr marL="0" indent="0">
+              <a:buNone/>
+            </a:pPr>
+            <a:r>
+              <a:rPr lang="nl-NL" sz="2000" dirty="0"/>
+              <a:t>Unit tests bewaken de functionaliteit van je code tijdens de ontwikkeling ervan.</a:t>
+            </a:r>
+          </a:p>
+          <a:p>
+            <a:pPr marL="0" indent="0">
+              <a:buNone/>
+            </a:pPr>
+            <a:endParaRPr lang="nl-NL" sz="2000" dirty="0"/>
+          </a:p>
+          <a:p>
+            <a:pPr marL="0" indent="0">
+              <a:buNone/>
+            </a:pPr>
+            <a:endParaRPr lang="nl-NL" sz="2000" dirty="0"/>
+          </a:p>
+          <a:p>
+            <a:pPr marL="457200" indent="-457200">
+              <a:buAutoNum type="arabicPeriod"/>
+            </a:pPr>
+            <a:endParaRPr lang="nl-NL" sz="2000" dirty="0"/>
+          </a:p>
+          <a:p>
+            <a:pPr marL="0" indent="0">
+              <a:buNone/>
+            </a:pPr>
+            <a:endParaRPr lang="nl-NL" sz="2000" dirty="0"/>
+          </a:p>
+        </p:txBody>
+      </p:sp>
+      <p:grpSp>
+        <p:nvGrpSpPr>
+          <p:cNvPr id="8" name="Group 7">
+            <a:extLst>
+              <a:ext uri="{FF2B5EF4-FFF2-40B4-BE49-F238E27FC236}">
+                <a16:creationId xmlns:a16="http://schemas.microsoft.com/office/drawing/2014/main" id="{A595B197-C69B-B71D-48CF-F98149A9BB9F}"/>
+              </a:ext>
+            </a:extLst>
+          </p:cNvPr>
+          <p:cNvGrpSpPr/>
+          <p:nvPr/>
+        </p:nvGrpSpPr>
+        <p:grpSpPr>
+          <a:xfrm>
+            <a:off x="838200" y="2893298"/>
+            <a:ext cx="4089400" cy="1846660"/>
+            <a:chOff x="838200" y="2893298"/>
+            <a:chExt cx="4089400" cy="1846660"/>
+          </a:xfrm>
+        </p:grpSpPr>
+        <p:sp>
+          <p:nvSpPr>
+            <p:cNvPr id="4" name="TextBox 3">
+              <a:extLst>
+                <a:ext uri="{FF2B5EF4-FFF2-40B4-BE49-F238E27FC236}">
+                  <a16:creationId xmlns:a16="http://schemas.microsoft.com/office/drawing/2014/main" id="{74715225-C44B-0243-8FC5-9EA77FB886F8}"/>
+                </a:ext>
+              </a:extLst>
+            </p:cNvPr>
+            <p:cNvSpPr txBox="1"/>
+            <p:nvPr/>
+          </p:nvSpPr>
+          <p:spPr>
+            <a:xfrm>
+              <a:off x="838200" y="3262630"/>
+              <a:ext cx="4089400" cy="1477328"/>
+            </a:xfrm>
+            <a:prstGeom prst="rect">
+              <a:avLst/>
+            </a:prstGeom>
+          </p:spPr>
+          <p:style>
+            <a:lnRef idx="1">
+              <a:schemeClr val="accent5"/>
+            </a:lnRef>
+            <a:fillRef idx="2">
+              <a:schemeClr val="accent5"/>
+            </a:fillRef>
+            <a:effectRef idx="1">
+              <a:schemeClr val="accent5"/>
+            </a:effectRef>
+            <a:fontRef idx="minor">
+              <a:schemeClr val="dk1"/>
+            </a:fontRef>
+          </p:style>
+          <p:txBody>
+            <a:bodyPr wrap="square" rtlCol="0">
+              <a:spAutoFit/>
+            </a:bodyPr>
+            <a:lstStyle/>
+            <a:p>
+              <a:r>
+                <a:rPr lang="en-US" b="1" dirty="0">
+                  <a:latin typeface="Courier New" panose="02070309020205020404" pitchFamily="49" charset="0"/>
+                  <a:cs typeface="Courier New" panose="02070309020205020404" pitchFamily="49" charset="0"/>
+                </a:rPr>
+                <a:t>def total(numbers):</a:t>
+              </a:r>
+            </a:p>
+            <a:p>
+              <a:r>
+                <a:rPr lang="en-US" dirty="0">
+                  <a:latin typeface="Courier New" panose="02070309020205020404" pitchFamily="49" charset="0"/>
+                  <a:cs typeface="Courier New" panose="02070309020205020404" pitchFamily="49" charset="0"/>
+                </a:rPr>
+                <a:t>  total = 0</a:t>
+              </a:r>
+            </a:p>
+            <a:p>
+              <a:r>
+                <a:rPr lang="en-US" dirty="0">
+                  <a:latin typeface="Courier New" panose="02070309020205020404" pitchFamily="49" charset="0"/>
+                  <a:cs typeface="Courier New" panose="02070309020205020404" pitchFamily="49" charset="0"/>
+                </a:rPr>
+                <a:t>  for number in numbers:</a:t>
+              </a:r>
+            </a:p>
+            <a:p>
+              <a:r>
+                <a:rPr lang="en-US" dirty="0">
+                  <a:latin typeface="Courier New" panose="02070309020205020404" pitchFamily="49" charset="0"/>
+                  <a:cs typeface="Courier New" panose="02070309020205020404" pitchFamily="49" charset="0"/>
+                </a:rPr>
+                <a:t>    total += number</a:t>
+              </a:r>
+            </a:p>
+            <a:p>
+              <a:r>
+                <a:rPr lang="en-US" dirty="0">
+                  <a:latin typeface="Courier New" panose="02070309020205020404" pitchFamily="49" charset="0"/>
+                  <a:cs typeface="Courier New" panose="02070309020205020404" pitchFamily="49" charset="0"/>
+                </a:rPr>
+                <a:t>  return total</a:t>
+              </a:r>
+              <a:endParaRPr lang="en-NL" dirty="0">
+                <a:latin typeface="Courier New" panose="02070309020205020404" pitchFamily="49" charset="0"/>
+                <a:cs typeface="Courier New" panose="02070309020205020404" pitchFamily="49" charset="0"/>
+              </a:endParaRPr>
+            </a:p>
+          </p:txBody>
+        </p:sp>
+        <p:sp>
+          <p:nvSpPr>
+            <p:cNvPr id="5" name="TextBox 4">
+              <a:extLst>
+                <a:ext uri="{FF2B5EF4-FFF2-40B4-BE49-F238E27FC236}">
+                  <a16:creationId xmlns:a16="http://schemas.microsoft.com/office/drawing/2014/main" id="{5E835FFE-9750-B9DD-F204-4E791E3D99D0}"/>
+                </a:ext>
+              </a:extLst>
+            </p:cNvPr>
+            <p:cNvSpPr txBox="1"/>
+            <p:nvPr/>
+          </p:nvSpPr>
+          <p:spPr>
+            <a:xfrm>
+              <a:off x="838200" y="2893298"/>
+              <a:ext cx="1734129" cy="369332"/>
+            </a:xfrm>
+            <a:prstGeom prst="rect">
+              <a:avLst/>
+            </a:prstGeom>
+            <a:noFill/>
+          </p:spPr>
+          <p:txBody>
+            <a:bodyPr wrap="none" rtlCol="0">
+              <a:spAutoFit/>
+            </a:bodyPr>
+            <a:lstStyle/>
+            <a:p>
+              <a:r>
+                <a:rPr lang="nl-NL"/>
+                <a:t>Implementatie 1</a:t>
+              </a:r>
+            </a:p>
+          </p:txBody>
+        </p:sp>
+      </p:grpSp>
+      <p:grpSp>
+        <p:nvGrpSpPr>
+          <p:cNvPr id="9" name="Group 8">
+            <a:extLst>
+              <a:ext uri="{FF2B5EF4-FFF2-40B4-BE49-F238E27FC236}">
+                <a16:creationId xmlns:a16="http://schemas.microsoft.com/office/drawing/2014/main" id="{4F65B2DB-914D-7F4B-AFA4-83CAA2E8CD02}"/>
+              </a:ext>
+            </a:extLst>
+          </p:cNvPr>
+          <p:cNvGrpSpPr/>
+          <p:nvPr/>
+        </p:nvGrpSpPr>
+        <p:grpSpPr>
+          <a:xfrm>
+            <a:off x="838200" y="5338696"/>
+            <a:ext cx="4089400" cy="744697"/>
+            <a:chOff x="838200" y="4898429"/>
+            <a:chExt cx="4089400" cy="744697"/>
+          </a:xfrm>
+        </p:grpSpPr>
+        <p:sp>
+          <p:nvSpPr>
+            <p:cNvPr id="6" name="TextBox 5">
+              <a:extLst>
+                <a:ext uri="{FF2B5EF4-FFF2-40B4-BE49-F238E27FC236}">
+                  <a16:creationId xmlns:a16="http://schemas.microsoft.com/office/drawing/2014/main" id="{CB2B909D-879D-9857-4B15-59DA1E306C65}"/>
+                </a:ext>
+              </a:extLst>
+            </p:cNvPr>
+            <p:cNvSpPr txBox="1"/>
+            <p:nvPr/>
+          </p:nvSpPr>
+          <p:spPr>
+            <a:xfrm>
+              <a:off x="838200" y="5273794"/>
+              <a:ext cx="4089400" cy="369332"/>
+            </a:xfrm>
+            <a:prstGeom prst="rect">
+              <a:avLst/>
+            </a:prstGeom>
+          </p:spPr>
+          <p:style>
+            <a:lnRef idx="1">
+              <a:schemeClr val="accent4"/>
+            </a:lnRef>
+            <a:fillRef idx="2">
+              <a:schemeClr val="accent4"/>
+            </a:fillRef>
+            <a:effectRef idx="1">
+              <a:schemeClr val="accent4"/>
+            </a:effectRef>
+            <a:fontRef idx="minor">
+              <a:schemeClr val="dk1"/>
+            </a:fontRef>
+          </p:style>
+          <p:txBody>
+            <a:bodyPr wrap="square" rtlCol="0">
+              <a:spAutoFit/>
+            </a:bodyPr>
+            <a:lstStyle/>
+            <a:p>
+              <a:r>
+                <a:rPr lang="en-US" dirty="0"/>
+                <a:t>total([1, 2, 3]) =&gt; 6</a:t>
+              </a:r>
+            </a:p>
+          </p:txBody>
+        </p:sp>
+        <p:sp>
+          <p:nvSpPr>
+            <p:cNvPr id="7" name="TextBox 6">
+              <a:extLst>
+                <a:ext uri="{FF2B5EF4-FFF2-40B4-BE49-F238E27FC236}">
+                  <a16:creationId xmlns:a16="http://schemas.microsoft.com/office/drawing/2014/main" id="{E4C3A641-F26E-6BE8-2808-58081FB41F1E}"/>
+                </a:ext>
+              </a:extLst>
+            </p:cNvPr>
+            <p:cNvSpPr txBox="1"/>
+            <p:nvPr/>
+          </p:nvSpPr>
+          <p:spPr>
+            <a:xfrm>
+              <a:off x="838200" y="4898429"/>
+              <a:ext cx="990720" cy="369332"/>
+            </a:xfrm>
+            <a:prstGeom prst="rect">
+              <a:avLst/>
+            </a:prstGeom>
+            <a:noFill/>
+          </p:spPr>
+          <p:txBody>
+            <a:bodyPr wrap="none" rtlCol="0">
+              <a:spAutoFit/>
+            </a:bodyPr>
+            <a:lstStyle/>
+            <a:p>
+              <a:r>
+                <a:rPr lang="en-US" dirty="0"/>
+                <a:t>Unit test</a:t>
+              </a:r>
+              <a:endParaRPr lang="en-NL" dirty="0"/>
+            </a:p>
+          </p:txBody>
+        </p:sp>
+      </p:grpSp>
+      <p:grpSp>
+        <p:nvGrpSpPr>
+          <p:cNvPr id="10" name="Group 9">
+            <a:extLst>
+              <a:ext uri="{FF2B5EF4-FFF2-40B4-BE49-F238E27FC236}">
+                <a16:creationId xmlns:a16="http://schemas.microsoft.com/office/drawing/2014/main" id="{855B0736-77C7-56E4-BDDD-E31B4FB54F2F}"/>
+              </a:ext>
+            </a:extLst>
+          </p:cNvPr>
+          <p:cNvGrpSpPr/>
+          <p:nvPr/>
+        </p:nvGrpSpPr>
+        <p:grpSpPr>
+          <a:xfrm>
+            <a:off x="6096000" y="2893298"/>
+            <a:ext cx="4089400" cy="1015663"/>
+            <a:chOff x="838200" y="2893298"/>
+            <a:chExt cx="4089400" cy="1015663"/>
+          </a:xfrm>
+        </p:grpSpPr>
+        <p:sp>
+          <p:nvSpPr>
+            <p:cNvPr id="11" name="TextBox 10">
+              <a:extLst>
+                <a:ext uri="{FF2B5EF4-FFF2-40B4-BE49-F238E27FC236}">
+                  <a16:creationId xmlns:a16="http://schemas.microsoft.com/office/drawing/2014/main" id="{65AB8456-73CE-29D4-280F-A1928726336A}"/>
+                </a:ext>
+              </a:extLst>
+            </p:cNvPr>
+            <p:cNvSpPr txBox="1"/>
+            <p:nvPr/>
+          </p:nvSpPr>
+          <p:spPr>
+            <a:xfrm>
+              <a:off x="838200" y="3262630"/>
+              <a:ext cx="4089400" cy="646331"/>
+            </a:xfrm>
+            <a:prstGeom prst="rect">
+              <a:avLst/>
+            </a:prstGeom>
+          </p:spPr>
+          <p:style>
+            <a:lnRef idx="1">
+              <a:schemeClr val="accent5"/>
+            </a:lnRef>
+            <a:fillRef idx="2">
+              <a:schemeClr val="accent5"/>
+            </a:fillRef>
+            <a:effectRef idx="1">
+              <a:schemeClr val="accent5"/>
+            </a:effectRef>
+            <a:fontRef idx="minor">
+              <a:schemeClr val="dk1"/>
+            </a:fontRef>
+          </p:style>
+          <p:txBody>
+            <a:bodyPr wrap="square" rtlCol="0">
+              <a:spAutoFit/>
+            </a:bodyPr>
+            <a:lstStyle/>
+            <a:p>
+              <a:r>
+                <a:rPr lang="en-US" b="1" dirty="0">
+                  <a:latin typeface="Courier New" panose="02070309020205020404" pitchFamily="49" charset="0"/>
+                  <a:cs typeface="Courier New" panose="02070309020205020404" pitchFamily="49" charset="0"/>
+                </a:rPr>
+                <a:t>def total(numbers):</a:t>
+              </a:r>
+            </a:p>
+            <a:p>
+              <a:r>
+                <a:rPr lang="en-US" dirty="0">
+                  <a:latin typeface="Courier New" panose="02070309020205020404" pitchFamily="49" charset="0"/>
+                  <a:cs typeface="Courier New" panose="02070309020205020404" pitchFamily="49" charset="0"/>
+                </a:rPr>
+                <a:t>  return sum(numbers)</a:t>
+              </a:r>
+              <a:endParaRPr lang="en-NL" dirty="0">
+                <a:latin typeface="Courier New" panose="02070309020205020404" pitchFamily="49" charset="0"/>
+                <a:cs typeface="Courier New" panose="02070309020205020404" pitchFamily="49" charset="0"/>
+              </a:endParaRPr>
+            </a:p>
+          </p:txBody>
+        </p:sp>
+        <p:sp>
+          <p:nvSpPr>
+            <p:cNvPr id="12" name="TextBox 11">
+              <a:extLst>
+                <a:ext uri="{FF2B5EF4-FFF2-40B4-BE49-F238E27FC236}">
+                  <a16:creationId xmlns:a16="http://schemas.microsoft.com/office/drawing/2014/main" id="{69E7694C-7868-63B8-0145-E97FCC7825B2}"/>
+                </a:ext>
+              </a:extLst>
+            </p:cNvPr>
+            <p:cNvSpPr txBox="1"/>
+            <p:nvPr/>
+          </p:nvSpPr>
+          <p:spPr>
+            <a:xfrm>
+              <a:off x="838200" y="2893298"/>
+              <a:ext cx="1734129" cy="369332"/>
+            </a:xfrm>
+            <a:prstGeom prst="rect">
+              <a:avLst/>
+            </a:prstGeom>
+            <a:noFill/>
+          </p:spPr>
+          <p:txBody>
+            <a:bodyPr wrap="none" rtlCol="0">
+              <a:spAutoFit/>
+            </a:bodyPr>
+            <a:lstStyle/>
+            <a:p>
+              <a:r>
+                <a:rPr lang="nl-NL"/>
+                <a:t>Implementatie 2</a:t>
+              </a:r>
+            </a:p>
+          </p:txBody>
+        </p:sp>
+      </p:grpSp>
+      <p:grpSp>
+        <p:nvGrpSpPr>
+          <p:cNvPr id="13" name="Group 12">
+            <a:extLst>
+              <a:ext uri="{FF2B5EF4-FFF2-40B4-BE49-F238E27FC236}">
+                <a16:creationId xmlns:a16="http://schemas.microsoft.com/office/drawing/2014/main" id="{066E4D7C-26E8-3AB2-4121-3AB569E5C2AE}"/>
+              </a:ext>
+            </a:extLst>
+          </p:cNvPr>
+          <p:cNvGrpSpPr/>
+          <p:nvPr/>
+        </p:nvGrpSpPr>
+        <p:grpSpPr>
+          <a:xfrm>
+            <a:off x="6096000" y="5335679"/>
+            <a:ext cx="4089400" cy="744697"/>
+            <a:chOff x="838200" y="4898429"/>
+            <a:chExt cx="4089400" cy="744697"/>
+          </a:xfrm>
+        </p:grpSpPr>
+        <p:sp>
+          <p:nvSpPr>
+            <p:cNvPr id="14" name="TextBox 13">
+              <a:extLst>
+                <a:ext uri="{FF2B5EF4-FFF2-40B4-BE49-F238E27FC236}">
+                  <a16:creationId xmlns:a16="http://schemas.microsoft.com/office/drawing/2014/main" id="{BABB627D-30E6-EA98-9473-AA5F7683221A}"/>
+                </a:ext>
+              </a:extLst>
+            </p:cNvPr>
+            <p:cNvSpPr txBox="1"/>
+            <p:nvPr/>
+          </p:nvSpPr>
+          <p:spPr>
+            <a:xfrm>
+              <a:off x="838200" y="5273794"/>
+              <a:ext cx="4089400" cy="369332"/>
+            </a:xfrm>
+            <a:prstGeom prst="rect">
+              <a:avLst/>
+            </a:prstGeom>
+          </p:spPr>
+          <p:style>
+            <a:lnRef idx="1">
+              <a:schemeClr val="accent4"/>
+            </a:lnRef>
+            <a:fillRef idx="2">
+              <a:schemeClr val="accent4"/>
+            </a:fillRef>
+            <a:effectRef idx="1">
+              <a:schemeClr val="accent4"/>
+            </a:effectRef>
+            <a:fontRef idx="minor">
+              <a:schemeClr val="dk1"/>
+            </a:fontRef>
+          </p:style>
+          <p:txBody>
+            <a:bodyPr wrap="square" rtlCol="0">
+              <a:spAutoFit/>
+            </a:bodyPr>
+            <a:lstStyle/>
+            <a:p>
+              <a:r>
+                <a:rPr lang="en-US" dirty="0"/>
+                <a:t>total([1, 2, 3]) =&gt; 6</a:t>
+              </a:r>
+            </a:p>
+          </p:txBody>
+        </p:sp>
+        <p:sp>
+          <p:nvSpPr>
+            <p:cNvPr id="15" name="TextBox 14">
+              <a:extLst>
+                <a:ext uri="{FF2B5EF4-FFF2-40B4-BE49-F238E27FC236}">
+                  <a16:creationId xmlns:a16="http://schemas.microsoft.com/office/drawing/2014/main" id="{008FB134-D55B-A887-B029-F42E69C65B29}"/>
+                </a:ext>
+              </a:extLst>
+            </p:cNvPr>
+            <p:cNvSpPr txBox="1"/>
+            <p:nvPr/>
+          </p:nvSpPr>
+          <p:spPr>
+            <a:xfrm>
+              <a:off x="838200" y="4898429"/>
+              <a:ext cx="990720" cy="369332"/>
+            </a:xfrm>
+            <a:prstGeom prst="rect">
+              <a:avLst/>
+            </a:prstGeom>
+            <a:noFill/>
+          </p:spPr>
+          <p:txBody>
+            <a:bodyPr wrap="none" rtlCol="0">
+              <a:spAutoFit/>
+            </a:bodyPr>
+            <a:lstStyle/>
+            <a:p>
+              <a:r>
+                <a:rPr lang="en-US" dirty="0"/>
+                <a:t>Unit test</a:t>
+              </a:r>
+              <a:endParaRPr lang="en-NL" dirty="0"/>
+            </a:p>
+          </p:txBody>
+        </p:sp>
+      </p:grpSp>
+      <p:sp>
+        <p:nvSpPr>
+          <p:cNvPr id="16" name="TextBox 15">
+            <a:extLst>
+              <a:ext uri="{FF2B5EF4-FFF2-40B4-BE49-F238E27FC236}">
+                <a16:creationId xmlns:a16="http://schemas.microsoft.com/office/drawing/2014/main" id="{D6D4DBC7-C96A-2EEB-A2EB-E3F99A6F4251}"/>
+              </a:ext>
+            </a:extLst>
+          </p:cNvPr>
+          <p:cNvSpPr txBox="1"/>
+          <p:nvPr/>
+        </p:nvSpPr>
+        <p:spPr>
+          <a:xfrm>
+            <a:off x="4221602" y="5572544"/>
+            <a:ext cx="546945" cy="646331"/>
+          </a:xfrm>
+          <a:prstGeom prst="rect">
+            <a:avLst/>
+          </a:prstGeom>
+          <a:noFill/>
+        </p:spPr>
+        <p:txBody>
+          <a:bodyPr wrap="none" rtlCol="0">
+            <a:spAutoFit/>
+          </a:bodyPr>
+          <a:lstStyle/>
+          <a:p>
+            <a:r>
+              <a:rPr lang="en-NL" sz="3600" dirty="0">
+                <a:solidFill>
+                  <a:schemeClr val="accent6">
+                    <a:lumMod val="75000"/>
+                  </a:schemeClr>
+                </a:solidFill>
+                <a:sym typeface="Wingdings" panose="05000000000000000000" pitchFamily="2" charset="2"/>
+              </a:rPr>
+              <a:t></a:t>
+            </a:r>
+            <a:endParaRPr lang="en-NL" dirty="0">
+              <a:solidFill>
+                <a:schemeClr val="accent6">
+                  <a:lumMod val="75000"/>
+                </a:schemeClr>
+              </a:solidFill>
+            </a:endParaRPr>
+          </a:p>
+        </p:txBody>
+      </p:sp>
+      <p:sp>
+        <p:nvSpPr>
+          <p:cNvPr id="17" name="TextBox 16">
+            <a:extLst>
+              <a:ext uri="{FF2B5EF4-FFF2-40B4-BE49-F238E27FC236}">
+                <a16:creationId xmlns:a16="http://schemas.microsoft.com/office/drawing/2014/main" id="{5A464C77-CCE4-0BE4-50F3-E2444961EFFD}"/>
+              </a:ext>
+            </a:extLst>
+          </p:cNvPr>
+          <p:cNvSpPr txBox="1"/>
+          <p:nvPr/>
+        </p:nvSpPr>
+        <p:spPr>
+          <a:xfrm>
+            <a:off x="9479402" y="5572544"/>
+            <a:ext cx="546945" cy="646331"/>
+          </a:xfrm>
+          <a:prstGeom prst="rect">
+            <a:avLst/>
+          </a:prstGeom>
+          <a:noFill/>
+        </p:spPr>
+        <p:txBody>
+          <a:bodyPr wrap="none" rtlCol="0">
+            <a:spAutoFit/>
+          </a:bodyPr>
+          <a:lstStyle/>
+          <a:p>
+            <a:r>
+              <a:rPr lang="en-NL" sz="3600" dirty="0">
+                <a:solidFill>
+                  <a:schemeClr val="accent6">
+                    <a:lumMod val="75000"/>
+                  </a:schemeClr>
+                </a:solidFill>
+                <a:sym typeface="Wingdings" panose="05000000000000000000" pitchFamily="2" charset="2"/>
+              </a:rPr>
+              <a:t></a:t>
+            </a:r>
+            <a:endParaRPr lang="en-NL" dirty="0">
+              <a:solidFill>
+                <a:schemeClr val="accent6">
+                  <a:lumMod val="75000"/>
+                </a:schemeClr>
+              </a:solidFill>
+            </a:endParaRPr>
+          </a:p>
+        </p:txBody>
+      </p:sp>
+    </p:spTree>
+    <p:extLst>
+      <p:ext uri="{BB962C8B-B14F-4D97-AF65-F5344CB8AC3E}">
+        <p14:creationId xmlns:p14="http://schemas.microsoft.com/office/powerpoint/2010/main" val="1968069221"/>
+      </p:ext>
+    </p:extLst>
+  </p:cSld>
+  <p:clrMapOvr>
+    <a:masterClrMapping/>
+  </p:clrMapOvr>
+</p:sld>
+</file>
+
+<file path=ppt/slides/slide35.xml><?xml version="1.0" encoding="utf-8"?>
+<p:sld xmlns:a="http://schemas.openxmlformats.org/drawingml/2006/main" xmlns:r="http://schemas.openxmlformats.org/officeDocument/2006/relationships" xmlns:p="http://schemas.openxmlformats.org/presentationml/2006/main">
+  <p:cSld>
+    <p:spTree>
+      <p:nvGrpSpPr>
+        <p:cNvPr id="1" name=""/>
+        <p:cNvGrpSpPr/>
+        <p:nvPr/>
+      </p:nvGrpSpPr>
+      <p:grpSpPr>
+        <a:xfrm>
+          <a:off x="0" y="0"/>
+          <a:ext cx="0" cy="0"/>
+          <a:chOff x="0" y="0"/>
+          <a:chExt cx="0" cy="0"/>
+        </a:xfrm>
+      </p:grpSpPr>
+      <p:sp>
+        <p:nvSpPr>
+          <p:cNvPr id="2" name="Title 1">
+            <a:extLst>
+              <a:ext uri="{FF2B5EF4-FFF2-40B4-BE49-F238E27FC236}">
+                <a16:creationId xmlns:a16="http://schemas.microsoft.com/office/drawing/2014/main" id="{F0117A71-C343-4E94-A229-F18D53D8BEF6}"/>
+              </a:ext>
+            </a:extLst>
+          </p:cNvPr>
+          <p:cNvSpPr>
+            <a:spLocks noGrp="1"/>
+          </p:cNvSpPr>
+          <p:nvPr>
+            <p:ph type="title"/>
+          </p:nvPr>
+        </p:nvSpPr>
+        <p:spPr/>
+        <p:txBody>
+          <a:bodyPr/>
+          <a:lstStyle/>
+          <a:p>
+            <a:r>
+              <a:rPr lang="nl-NL" dirty="0"/>
+              <a:t>Doel van unit tests?</a:t>
+            </a:r>
+          </a:p>
+        </p:txBody>
+      </p:sp>
+      <p:sp>
+        <p:nvSpPr>
+          <p:cNvPr id="3" name="Content Placeholder 2">
+            <a:extLst>
+              <a:ext uri="{FF2B5EF4-FFF2-40B4-BE49-F238E27FC236}">
+                <a16:creationId xmlns:a16="http://schemas.microsoft.com/office/drawing/2014/main" id="{BAC51C7A-6D7E-4515-BA34-6BEF13D36B55}"/>
+              </a:ext>
+            </a:extLst>
+          </p:cNvPr>
+          <p:cNvSpPr>
+            <a:spLocks noGrp="1"/>
+          </p:cNvSpPr>
+          <p:nvPr>
+            <p:ph idx="1"/>
+          </p:nvPr>
+        </p:nvSpPr>
+        <p:spPr/>
+        <p:txBody>
+          <a:bodyPr>
+            <a:normAutofit/>
+          </a:bodyPr>
+          <a:lstStyle/>
+          <a:p>
+            <a:pPr marL="457200" indent="-457200">
+              <a:buAutoNum type="arabicPeriod"/>
+            </a:pPr>
+            <a:r>
+              <a:rPr lang="nl-NL" sz="2000" dirty="0"/>
+              <a:t>Consistente functionaliteit is het doel.</a:t>
+            </a:r>
+          </a:p>
+          <a:p>
+            <a:pPr lvl="1"/>
+            <a:r>
+              <a:rPr lang="nl-NL" sz="1600" dirty="0"/>
+              <a:t>Hoe de code aanvankelijk werkte is referentiekader.</a:t>
+            </a:r>
+          </a:p>
+          <a:p>
+            <a:pPr lvl="1"/>
+            <a:r>
+              <a:rPr lang="nl-NL" sz="1600" dirty="0"/>
+              <a:t>Correct of incorrect is vaak subjectief.</a:t>
+            </a:r>
+          </a:p>
+          <a:p>
+            <a:pPr marL="457200" indent="-457200">
+              <a:buAutoNum type="arabicPeriod"/>
+            </a:pPr>
+            <a:endParaRPr lang="nl-NL" sz="2000" dirty="0"/>
+          </a:p>
+          <a:p>
+            <a:pPr marL="457200" indent="-457200">
+              <a:buAutoNum type="arabicPeriod"/>
+            </a:pPr>
+            <a:r>
+              <a:rPr lang="nl-NL" sz="2000" dirty="0"/>
+              <a:t>Belangrijk tijdens ontwikkeling van je code.</a:t>
+            </a:r>
+          </a:p>
+          <a:p>
+            <a:pPr lvl="1"/>
+            <a:r>
+              <a:rPr lang="nl-NL" sz="1600" dirty="0"/>
+              <a:t>Unit tests draai je tijdens de ontwikkeling!</a:t>
+            </a:r>
+          </a:p>
+          <a:p>
+            <a:pPr lvl="1"/>
+            <a:r>
+              <a:rPr lang="nl-NL" sz="1600" dirty="0"/>
+              <a:t>Geen enkel effect op gebruik van je code.</a:t>
+            </a:r>
+          </a:p>
+          <a:p>
+            <a:pPr lvl="1"/>
+            <a:r>
+              <a:rPr lang="nl-NL" sz="1600" dirty="0"/>
+              <a:t>Geen vervanging voor validatie invoer, foutafhandeling, et cetera.</a:t>
+            </a:r>
+          </a:p>
+          <a:p>
+            <a:pPr marL="457200" indent="-457200">
+              <a:buAutoNum type="arabicPeriod"/>
+            </a:pPr>
+            <a:endParaRPr lang="nl-NL" sz="2000" dirty="0"/>
+          </a:p>
+          <a:p>
+            <a:pPr marL="457200" indent="-457200">
+              <a:buAutoNum type="arabicPeriod"/>
+            </a:pPr>
+            <a:r>
+              <a:rPr lang="nl-NL" sz="2000" dirty="0"/>
+              <a:t>Testen is vastleggen.</a:t>
+            </a:r>
+          </a:p>
+          <a:p>
+            <a:pPr lvl="1"/>
+            <a:r>
+              <a:rPr lang="nl-NL" sz="1600" dirty="0"/>
+              <a:t>Tests maken gevolgen van wijzigingen inzichtelijk.</a:t>
+            </a:r>
+          </a:p>
+          <a:p>
+            <a:pPr lvl="1"/>
+            <a:r>
+              <a:rPr lang="nl-NL" sz="1600" dirty="0"/>
+              <a:t>Tests geven concrete voorbeelden van de functionaliteit.</a:t>
+            </a:r>
+          </a:p>
+          <a:p>
+            <a:pPr lvl="1"/>
+            <a:r>
+              <a:rPr lang="nl-NL" sz="1600" dirty="0"/>
+              <a:t>Tests moedigen grondige inspectie aan: Wat verwacht ik? Wat kan geschrapt worden?</a:t>
+            </a:r>
+          </a:p>
+        </p:txBody>
+      </p:sp>
+    </p:spTree>
+    <p:extLst>
+      <p:ext uri="{BB962C8B-B14F-4D97-AF65-F5344CB8AC3E}">
+        <p14:creationId xmlns:p14="http://schemas.microsoft.com/office/powerpoint/2010/main" val="3329073603"/>
+      </p:ext>
+    </p:extLst>
+  </p:cSld>
+  <p:clrMapOvr>
+    <a:masterClrMapping/>
+  </p:clrMapOvr>
+</p:sld>
+</file>
+
+<file path=ppt/slides/slide36.xml><?xml version="1.0" encoding="utf-8"?>
+<p:sld xmlns:a="http://schemas.openxmlformats.org/drawingml/2006/main" xmlns:r="http://schemas.openxmlformats.org/officeDocument/2006/relationships" xmlns:p="http://schemas.openxmlformats.org/presentationml/2006/main">
+  <p:cSld>
+    <p:spTree>
+      <p:nvGrpSpPr>
+        <p:cNvPr id="1" name=""/>
+        <p:cNvGrpSpPr/>
+        <p:nvPr/>
+      </p:nvGrpSpPr>
+      <p:grpSpPr>
+        <a:xfrm>
+          <a:off x="0" y="0"/>
+          <a:ext cx="0" cy="0"/>
+          <a:chOff x="0" y="0"/>
+          <a:chExt cx="0" cy="0"/>
+        </a:xfrm>
+      </p:grpSpPr>
+      <p:sp>
+        <p:nvSpPr>
+          <p:cNvPr id="2" name="Title 1">
+            <a:extLst>
+              <a:ext uri="{FF2B5EF4-FFF2-40B4-BE49-F238E27FC236}">
+                <a16:creationId xmlns:a16="http://schemas.microsoft.com/office/drawing/2014/main" id="{F0117A71-C343-4E94-A229-F18D53D8BEF6}"/>
+              </a:ext>
+            </a:extLst>
+          </p:cNvPr>
+          <p:cNvSpPr>
+            <a:spLocks noGrp="1"/>
+          </p:cNvSpPr>
+          <p:nvPr>
+            <p:ph type="title"/>
+          </p:nvPr>
+        </p:nvSpPr>
+        <p:spPr/>
+        <p:txBody>
+          <a:bodyPr/>
+          <a:lstStyle/>
+          <a:p>
+            <a:r>
+              <a:rPr lang="nl-NL" dirty="0" err="1"/>
+              <a:t>Frameworks</a:t>
+            </a:r>
+            <a:r>
+              <a:rPr lang="nl-NL" dirty="0"/>
+              <a:t> in Python</a:t>
+            </a:r>
+          </a:p>
+        </p:txBody>
+      </p:sp>
+      <p:sp>
+        <p:nvSpPr>
+          <p:cNvPr id="3" name="Content Placeholder 2">
+            <a:extLst>
+              <a:ext uri="{FF2B5EF4-FFF2-40B4-BE49-F238E27FC236}">
+                <a16:creationId xmlns:a16="http://schemas.microsoft.com/office/drawing/2014/main" id="{BAC51C7A-6D7E-4515-BA34-6BEF13D36B55}"/>
+              </a:ext>
+            </a:extLst>
+          </p:cNvPr>
+          <p:cNvSpPr>
+            <a:spLocks noGrp="1"/>
+          </p:cNvSpPr>
+          <p:nvPr>
+            <p:ph idx="1"/>
+          </p:nvPr>
+        </p:nvSpPr>
+        <p:spPr>
+          <a:xfrm>
+            <a:off x="838200" y="1825625"/>
+            <a:ext cx="4648200" cy="4351338"/>
+          </a:xfrm>
+        </p:spPr>
+        <p:txBody>
+          <a:bodyPr>
+            <a:normAutofit/>
+          </a:bodyPr>
+          <a:lstStyle/>
+          <a:p>
+            <a:pPr marL="0" indent="0">
+              <a:buNone/>
+            </a:pPr>
+            <a:r>
+              <a:rPr lang="nl-NL" sz="2000" dirty="0"/>
+              <a:t>unittest</a:t>
+            </a:r>
+          </a:p>
+          <a:p>
+            <a:pPr marL="0" indent="0">
+              <a:buNone/>
+            </a:pPr>
+            <a:endParaRPr lang="nl-NL" sz="1600" dirty="0"/>
+          </a:p>
+          <a:p>
+            <a:pPr>
+              <a:buFontTx/>
+              <a:buChar char="-"/>
+            </a:pPr>
+            <a:r>
+              <a:rPr lang="nl-NL" sz="1600" dirty="0"/>
+              <a:t>Onderdeel van de standaard bibliotheek.</a:t>
+            </a:r>
+          </a:p>
+          <a:p>
+            <a:pPr>
+              <a:buFontTx/>
+              <a:buChar char="-"/>
+            </a:pPr>
+            <a:endParaRPr lang="nl-NL" sz="1600" dirty="0"/>
+          </a:p>
+          <a:p>
+            <a:pPr>
+              <a:buFontTx/>
+              <a:buChar char="-"/>
+            </a:pPr>
+            <a:r>
+              <a:rPr lang="nl-NL" sz="1600" dirty="0"/>
+              <a:t>Gebruikt in </a:t>
+            </a:r>
+            <a:r>
+              <a:rPr lang="nl-NL" sz="1600" dirty="0" err="1"/>
+              <a:t>DataBricks</a:t>
+            </a:r>
+            <a:r>
+              <a:rPr lang="nl-NL" sz="1600" dirty="0"/>
+              <a:t> </a:t>
+            </a:r>
+            <a:r>
+              <a:rPr lang="nl-NL" sz="1600" dirty="0" err="1"/>
+              <a:t>workbooks</a:t>
+            </a:r>
+            <a:r>
+              <a:rPr lang="nl-NL" sz="1600" dirty="0"/>
+              <a:t>.</a:t>
+            </a:r>
+          </a:p>
+          <a:p>
+            <a:pPr>
+              <a:buFontTx/>
+              <a:buChar char="-"/>
+            </a:pPr>
+            <a:endParaRPr lang="nl-NL" sz="1600" dirty="0"/>
+          </a:p>
+          <a:p>
+            <a:pPr>
+              <a:buFontTx/>
+              <a:buChar char="-"/>
+            </a:pPr>
+            <a:r>
+              <a:rPr lang="nl-NL" sz="1600" dirty="0"/>
+              <a:t>Langere code, </a:t>
+            </a:r>
+            <a:r>
+              <a:rPr lang="nl-NL" sz="1600" dirty="0" err="1"/>
+              <a:t>CamelCaps</a:t>
+            </a:r>
+            <a:r>
+              <a:rPr lang="nl-NL" sz="1600" dirty="0"/>
+              <a:t> syntax.</a:t>
+            </a:r>
+          </a:p>
+          <a:p>
+            <a:pPr>
+              <a:buFontTx/>
+              <a:buChar char="-"/>
+            </a:pPr>
+            <a:endParaRPr lang="nl-NL" sz="1600" dirty="0"/>
+          </a:p>
+          <a:p>
+            <a:pPr>
+              <a:buFontTx/>
+              <a:buChar char="-"/>
+            </a:pPr>
+            <a:r>
+              <a:rPr lang="nl-NL" sz="1600" dirty="0"/>
+              <a:t>Minder flexibel / </a:t>
+            </a:r>
+            <a:r>
+              <a:rPr lang="nl-NL" sz="1600" dirty="0" err="1"/>
+              <a:t>uitbreidbaar</a:t>
+            </a:r>
+            <a:r>
+              <a:rPr lang="nl-NL" sz="1600" dirty="0"/>
+              <a:t>.</a:t>
+            </a:r>
+          </a:p>
+        </p:txBody>
+      </p:sp>
+      <p:sp>
+        <p:nvSpPr>
+          <p:cNvPr id="4" name="Content Placeholder 2">
+            <a:extLst>
+              <a:ext uri="{FF2B5EF4-FFF2-40B4-BE49-F238E27FC236}">
+                <a16:creationId xmlns:a16="http://schemas.microsoft.com/office/drawing/2014/main" id="{A4103E9E-1E62-1735-5E0B-0ED70F025F8E}"/>
+              </a:ext>
+            </a:extLst>
+          </p:cNvPr>
+          <p:cNvSpPr txBox="1">
+            <a:spLocks/>
+          </p:cNvSpPr>
+          <p:nvPr/>
+        </p:nvSpPr>
+        <p:spPr>
+          <a:xfrm>
+            <a:off x="6705602" y="1825625"/>
+            <a:ext cx="4648200" cy="4351338"/>
+          </a:xfrm>
+          <a:prstGeom prst="rect">
+            <a:avLst/>
+          </a:prstGeom>
+        </p:spPr>
+        <p:txBody>
+          <a:bodyPr vert="horz" lIns="91440" tIns="45720" rIns="91440" bIns="45720" rtlCol="0">
+            <a:normAutofit/>
+          </a:bodyPr>
+          <a:lstStyle>
+            <a:lvl1pPr marL="228600" indent="-228600" algn="l" defTabSz="914400" rtl="0" eaLnBrk="1" latinLnBrk="0" hangingPunct="1">
+              <a:lnSpc>
+                <a:spcPct val="90000"/>
+              </a:lnSpc>
+              <a:spcBef>
+                <a:spcPts val="1000"/>
+              </a:spcBef>
+              <a:buFont typeface="Arial" panose="020B0604020202020204" pitchFamily="34" charset="0"/>
+              <a:buChar char="•"/>
+              <a:defRPr sz="2800" kern="1200">
+                <a:solidFill>
+                  <a:schemeClr val="tx1"/>
+                </a:solidFill>
+                <a:latin typeface="+mn-lt"/>
+                <a:ea typeface="+mn-ea"/>
+                <a:cs typeface="+mn-cs"/>
+              </a:defRPr>
+            </a:lvl1pPr>
+            <a:lvl2pPr marL="685800" indent="-228600" algn="l" defTabSz="914400" rtl="0" eaLnBrk="1" latinLnBrk="0" hangingPunct="1">
+              <a:lnSpc>
+                <a:spcPct val="90000"/>
+              </a:lnSpc>
+              <a:spcBef>
+                <a:spcPts val="500"/>
+              </a:spcBef>
+              <a:buFont typeface="Arial" panose="020B0604020202020204" pitchFamily="34" charset="0"/>
+              <a:buChar char="•"/>
+              <a:defRPr sz="2400" kern="1200">
+                <a:solidFill>
+                  <a:schemeClr val="tx1"/>
+                </a:solidFill>
+                <a:latin typeface="+mn-lt"/>
+                <a:ea typeface="+mn-ea"/>
+                <a:cs typeface="+mn-cs"/>
+              </a:defRPr>
+            </a:lvl2pPr>
+            <a:lvl3pPr marL="1143000" indent="-228600" algn="l" defTabSz="914400" rtl="0" eaLnBrk="1" latinLnBrk="0" hangingPunct="1">
+              <a:lnSpc>
+                <a:spcPct val="90000"/>
+              </a:lnSpc>
+              <a:spcBef>
+                <a:spcPts val="500"/>
+              </a:spcBef>
+              <a:buFont typeface="Arial" panose="020B0604020202020204" pitchFamily="34" charset="0"/>
+              <a:buChar char="•"/>
+              <a:defRPr sz="2000" kern="1200">
+                <a:solidFill>
+                  <a:schemeClr val="tx1"/>
+                </a:solidFill>
+                <a:latin typeface="+mn-lt"/>
+                <a:ea typeface="+mn-ea"/>
+                <a:cs typeface="+mn-cs"/>
+              </a:defRPr>
+            </a:lvl3pPr>
+            <a:lvl4pPr marL="1600200" indent="-228600" algn="l" defTabSz="914400" rtl="0" eaLnBrk="1" latinLnBrk="0" hangingPunct="1">
+              <a:lnSpc>
+                <a:spcPct val="90000"/>
+              </a:lnSpc>
+              <a:spcBef>
+                <a:spcPts val="500"/>
+              </a:spcBef>
+              <a:buFont typeface="Arial" panose="020B0604020202020204" pitchFamily="34" charset="0"/>
+              <a:buChar char="•"/>
+              <a:defRPr sz="1800" kern="1200">
+                <a:solidFill>
+                  <a:schemeClr val="tx1"/>
+                </a:solidFill>
+                <a:latin typeface="+mn-lt"/>
+                <a:ea typeface="+mn-ea"/>
+                <a:cs typeface="+mn-cs"/>
+              </a:defRPr>
+            </a:lvl4pPr>
+            <a:lvl5pPr marL="2057400" indent="-228600" algn="l" defTabSz="914400" rtl="0" eaLnBrk="1" latinLnBrk="0" hangingPunct="1">
+              <a:lnSpc>
+                <a:spcPct val="90000"/>
+              </a:lnSpc>
+              <a:spcBef>
+                <a:spcPts val="500"/>
+              </a:spcBef>
+              <a:buFont typeface="Arial" panose="020B0604020202020204" pitchFamily="34" charset="0"/>
+              <a:buChar char="•"/>
+              <a:defRPr sz="1800" kern="1200">
+                <a:solidFill>
+                  <a:schemeClr val="tx1"/>
+                </a:solidFill>
+                <a:latin typeface="+mn-lt"/>
+                <a:ea typeface="+mn-ea"/>
+                <a:cs typeface="+mn-cs"/>
+              </a:defRPr>
+            </a:lvl5pPr>
+            <a:lvl6pPr marL="2514600" indent="-228600" algn="l" defTabSz="914400" rtl="0" eaLnBrk="1" latinLnBrk="0" hangingPunct="1">
+              <a:lnSpc>
+                <a:spcPct val="90000"/>
+              </a:lnSpc>
+              <a:spcBef>
+                <a:spcPts val="500"/>
+              </a:spcBef>
+              <a:buFont typeface="Arial" panose="020B0604020202020204" pitchFamily="34" charset="0"/>
+              <a:buChar char="•"/>
+              <a:defRPr sz="1800" kern="1200">
+                <a:solidFill>
+                  <a:schemeClr val="tx1"/>
+                </a:solidFill>
+                <a:latin typeface="+mn-lt"/>
+                <a:ea typeface="+mn-ea"/>
+                <a:cs typeface="+mn-cs"/>
+              </a:defRPr>
+            </a:lvl6pPr>
+            <a:lvl7pPr marL="2971800" indent="-228600" algn="l" defTabSz="914400" rtl="0" eaLnBrk="1" latinLnBrk="0" hangingPunct="1">
+              <a:lnSpc>
+                <a:spcPct val="90000"/>
+              </a:lnSpc>
+              <a:spcBef>
+                <a:spcPts val="500"/>
+              </a:spcBef>
+              <a:buFont typeface="Arial" panose="020B0604020202020204" pitchFamily="34" charset="0"/>
+              <a:buChar char="•"/>
+              <a:defRPr sz="1800" kern="1200">
+                <a:solidFill>
+                  <a:schemeClr val="tx1"/>
+                </a:solidFill>
+                <a:latin typeface="+mn-lt"/>
+                <a:ea typeface="+mn-ea"/>
+                <a:cs typeface="+mn-cs"/>
+              </a:defRPr>
+            </a:lvl7pPr>
+            <a:lvl8pPr marL="3429000" indent="-228600" algn="l" defTabSz="914400" rtl="0" eaLnBrk="1" latinLnBrk="0" hangingPunct="1">
+              <a:lnSpc>
+                <a:spcPct val="90000"/>
+              </a:lnSpc>
+              <a:spcBef>
+                <a:spcPts val="500"/>
+              </a:spcBef>
+              <a:buFont typeface="Arial" panose="020B0604020202020204" pitchFamily="34" charset="0"/>
+              <a:buChar char="•"/>
+              <a:defRPr sz="1800" kern="1200">
+                <a:solidFill>
+                  <a:schemeClr val="tx1"/>
+                </a:solidFill>
+                <a:latin typeface="+mn-lt"/>
+                <a:ea typeface="+mn-ea"/>
+                <a:cs typeface="+mn-cs"/>
+              </a:defRPr>
+            </a:lvl8pPr>
+            <a:lvl9pPr marL="3886200" indent="-228600" algn="l" defTabSz="914400" rtl="0" eaLnBrk="1" latinLnBrk="0" hangingPunct="1">
+              <a:lnSpc>
+                <a:spcPct val="90000"/>
+              </a:lnSpc>
+              <a:spcBef>
+                <a:spcPts val="500"/>
+              </a:spcBef>
+              <a:buFont typeface="Arial" panose="020B0604020202020204" pitchFamily="34" charset="0"/>
+              <a:buChar char="•"/>
+              <a:defRPr sz="1800" kern="1200">
+                <a:solidFill>
+                  <a:schemeClr val="tx1"/>
+                </a:solidFill>
+                <a:latin typeface="+mn-lt"/>
+                <a:ea typeface="+mn-ea"/>
+                <a:cs typeface="+mn-cs"/>
+              </a:defRPr>
+            </a:lvl9pPr>
+          </a:lstStyle>
+          <a:p>
+            <a:pPr marL="0" indent="0">
+              <a:buNone/>
+            </a:pPr>
+            <a:r>
+              <a:rPr lang="nl-NL" sz="2000" dirty="0" err="1"/>
+              <a:t>pytest</a:t>
+            </a:r>
+            <a:endParaRPr lang="nl-NL" sz="2000" dirty="0"/>
+          </a:p>
+          <a:p>
+            <a:pPr marL="0" indent="0">
+              <a:buNone/>
+            </a:pPr>
+            <a:endParaRPr lang="nl-NL" sz="1600" dirty="0"/>
+          </a:p>
+          <a:p>
+            <a:pPr>
+              <a:buFontTx/>
+              <a:buChar char="-"/>
+            </a:pPr>
+            <a:r>
+              <a:rPr lang="nl-NL" sz="1600" dirty="0"/>
+              <a:t>Apart package (afhankelijkheid).</a:t>
+            </a:r>
+          </a:p>
+          <a:p>
+            <a:pPr>
+              <a:buFontTx/>
+              <a:buChar char="-"/>
+            </a:pPr>
+            <a:endParaRPr lang="nl-NL" sz="1600" dirty="0"/>
+          </a:p>
+          <a:p>
+            <a:pPr>
+              <a:buFontTx/>
+              <a:buChar char="-"/>
+            </a:pPr>
+            <a:r>
+              <a:rPr lang="nl-NL" sz="1600" dirty="0"/>
+              <a:t>Gebruikt op Workbench en in CI/CD </a:t>
+            </a:r>
+            <a:r>
+              <a:rPr lang="nl-NL" sz="1600" dirty="0" err="1"/>
+              <a:t>pipelines</a:t>
+            </a:r>
+            <a:r>
+              <a:rPr lang="nl-NL" sz="1600" dirty="0"/>
+              <a:t>.</a:t>
+            </a:r>
+          </a:p>
+          <a:p>
+            <a:pPr>
+              <a:buFontTx/>
+              <a:buChar char="-"/>
+            </a:pPr>
+            <a:endParaRPr lang="nl-NL" sz="1600" dirty="0"/>
+          </a:p>
+          <a:p>
+            <a:pPr>
+              <a:buFontTx/>
+              <a:buChar char="-"/>
+            </a:pPr>
+            <a:r>
+              <a:rPr lang="nl-NL" sz="1600" dirty="0"/>
+              <a:t>Kortere code, makkelijker om tests te schrijven.</a:t>
+            </a:r>
+          </a:p>
+          <a:p>
+            <a:pPr>
+              <a:buFontTx/>
+              <a:buChar char="-"/>
+            </a:pPr>
+            <a:endParaRPr lang="nl-NL" sz="1600" dirty="0"/>
+          </a:p>
+          <a:p>
+            <a:pPr>
+              <a:buFontTx/>
+              <a:buChar char="-"/>
+            </a:pPr>
+            <a:r>
+              <a:rPr lang="nl-NL" sz="1600" dirty="0" err="1"/>
+              <a:t>Uitbreidbaar</a:t>
+            </a:r>
+            <a:r>
+              <a:rPr lang="nl-NL" sz="1600" dirty="0"/>
+              <a:t>, veel extensies beschikbaar.</a:t>
+            </a:r>
+          </a:p>
+        </p:txBody>
+      </p:sp>
+      <p:cxnSp>
+        <p:nvCxnSpPr>
+          <p:cNvPr id="6" name="Straight Connector 5">
+            <a:extLst>
+              <a:ext uri="{FF2B5EF4-FFF2-40B4-BE49-F238E27FC236}">
+                <a16:creationId xmlns:a16="http://schemas.microsoft.com/office/drawing/2014/main" id="{3541B282-99A9-5346-C358-F2CCCB0AC1B4}"/>
+              </a:ext>
+            </a:extLst>
+          </p:cNvPr>
+          <p:cNvCxnSpPr/>
+          <p:nvPr/>
+        </p:nvCxnSpPr>
+        <p:spPr>
+          <a:xfrm>
+            <a:off x="5752071" y="1825625"/>
+            <a:ext cx="0" cy="4351338"/>
+          </a:xfrm>
+          <a:prstGeom prst="line">
+            <a:avLst/>
+          </a:prstGeom>
+        </p:spPr>
+        <p:style>
+          <a:lnRef idx="2">
+            <a:schemeClr val="dk1"/>
+          </a:lnRef>
+          <a:fillRef idx="0">
+            <a:schemeClr val="dk1"/>
+          </a:fillRef>
+          <a:effectRef idx="1">
+            <a:schemeClr val="dk1"/>
+          </a:effectRef>
+          <a:fontRef idx="minor">
+            <a:schemeClr val="tx1"/>
+          </a:fontRef>
+        </p:style>
+      </p:cxnSp>
+    </p:spTree>
+    <p:extLst>
+      <p:ext uri="{BB962C8B-B14F-4D97-AF65-F5344CB8AC3E}">
+        <p14:creationId xmlns:p14="http://schemas.microsoft.com/office/powerpoint/2010/main" val="3168375895"/>
+      </p:ext>
+    </p:extLst>
+  </p:cSld>
+  <p:clrMapOvr>
+    <a:masterClrMapping/>
+  </p:clrMapOvr>
+</p:sld>
+</file>
+
+<file path=ppt/slides/slide37.xml><?xml version="1.0" encoding="utf-8"?>
+<p:sld xmlns:a="http://schemas.openxmlformats.org/drawingml/2006/main" xmlns:r="http://schemas.openxmlformats.org/officeDocument/2006/relationships" xmlns:p="http://schemas.openxmlformats.org/presentationml/2006/main">
+  <p:cSld>
+    <p:spTree>
+      <p:nvGrpSpPr>
+        <p:cNvPr id="1" name=""/>
+        <p:cNvGrpSpPr/>
+        <p:nvPr/>
+      </p:nvGrpSpPr>
+      <p:grpSpPr>
+        <a:xfrm>
+          <a:off x="0" y="0"/>
+          <a:ext cx="0" cy="0"/>
+          <a:chOff x="0" y="0"/>
+          <a:chExt cx="0" cy="0"/>
+        </a:xfrm>
+      </p:grpSpPr>
+      <p:sp>
+        <p:nvSpPr>
+          <p:cNvPr id="4" name="Title 3">
+            <a:extLst>
+              <a:ext uri="{FF2B5EF4-FFF2-40B4-BE49-F238E27FC236}">
+                <a16:creationId xmlns:a16="http://schemas.microsoft.com/office/drawing/2014/main" id="{51333423-ACB5-5ADB-CF84-4200CA8C53B4}"/>
+              </a:ext>
+            </a:extLst>
+          </p:cNvPr>
+          <p:cNvSpPr>
+            <a:spLocks noGrp="1"/>
+          </p:cNvSpPr>
+          <p:nvPr>
+            <p:ph type="ctrTitle"/>
+          </p:nvPr>
+        </p:nvSpPr>
+        <p:spPr/>
+        <p:txBody>
+          <a:bodyPr/>
+          <a:lstStyle/>
+          <a:p>
+            <a:pPr algn="ctr"/>
+            <a:r>
+              <a:rPr lang="nl-NL"/>
+              <a:t>Demo – Basale tests</a:t>
+            </a:r>
+          </a:p>
+        </p:txBody>
+      </p:sp>
+    </p:spTree>
+    <p:extLst>
+      <p:ext uri="{BB962C8B-B14F-4D97-AF65-F5344CB8AC3E}">
+        <p14:creationId xmlns:p14="http://schemas.microsoft.com/office/powerpoint/2010/main" val="2005108120"/>
+      </p:ext>
+    </p:extLst>
+  </p:cSld>
+  <p:clrMapOvr>
+    <a:masterClrMapping/>
+  </p:clrMapOvr>
+</p:sld>
+</file>
+
+<file path=ppt/slides/slide38.xml><?xml version="1.0" encoding="utf-8"?>
+<p:sld xmlns:a="http://schemas.openxmlformats.org/drawingml/2006/main" xmlns:r="http://schemas.openxmlformats.org/officeDocument/2006/relationships" xmlns:p="http://schemas.openxmlformats.org/presentationml/2006/main">
+  <p:cSld>
+    <p:spTree>
+      <p:nvGrpSpPr>
+        <p:cNvPr id="1" name=""/>
+        <p:cNvGrpSpPr/>
+        <p:nvPr/>
+      </p:nvGrpSpPr>
+      <p:grpSpPr>
+        <a:xfrm>
+          <a:off x="0" y="0"/>
+          <a:ext cx="0" cy="0"/>
+          <a:chOff x="0" y="0"/>
+          <a:chExt cx="0" cy="0"/>
+        </a:xfrm>
+      </p:grpSpPr>
+      <p:sp>
+        <p:nvSpPr>
+          <p:cNvPr id="2" name="Title 1">
+            <a:extLst>
+              <a:ext uri="{FF2B5EF4-FFF2-40B4-BE49-F238E27FC236}">
+                <a16:creationId xmlns:a16="http://schemas.microsoft.com/office/drawing/2014/main" id="{F0117A71-C343-4E94-A229-F18D53D8BEF6}"/>
+              </a:ext>
+            </a:extLst>
+          </p:cNvPr>
+          <p:cNvSpPr>
+            <a:spLocks noGrp="1"/>
+          </p:cNvSpPr>
+          <p:nvPr>
+            <p:ph type="title"/>
+          </p:nvPr>
+        </p:nvSpPr>
+        <p:spPr/>
+        <p:txBody>
+          <a:bodyPr/>
+          <a:lstStyle/>
+          <a:p>
+            <a:r>
+              <a:rPr lang="nl-NL" dirty="0"/>
+              <a:t>Samenvatting</a:t>
+            </a:r>
+          </a:p>
+        </p:txBody>
+      </p:sp>
+      <p:sp>
+        <p:nvSpPr>
+          <p:cNvPr id="3" name="Content Placeholder 2">
+            <a:extLst>
+              <a:ext uri="{FF2B5EF4-FFF2-40B4-BE49-F238E27FC236}">
+                <a16:creationId xmlns:a16="http://schemas.microsoft.com/office/drawing/2014/main" id="{BAC51C7A-6D7E-4515-BA34-6BEF13D36B55}"/>
+              </a:ext>
+            </a:extLst>
+          </p:cNvPr>
+          <p:cNvSpPr>
+            <a:spLocks noGrp="1"/>
+          </p:cNvSpPr>
+          <p:nvPr>
+            <p:ph idx="1"/>
+          </p:nvPr>
+        </p:nvSpPr>
+        <p:spPr>
+          <a:xfrm>
+            <a:off x="838200" y="1825625"/>
+            <a:ext cx="6620933" cy="4351338"/>
+          </a:xfrm>
+        </p:spPr>
+        <p:txBody>
+          <a:bodyPr>
+            <a:normAutofit/>
+          </a:bodyPr>
+          <a:lstStyle/>
+          <a:p>
+            <a:pPr marL="0" indent="0">
+              <a:buNone/>
+            </a:pPr>
+            <a:r>
+              <a:rPr lang="nl-NL" sz="2000" dirty="0"/>
+              <a:t>Unit tests zitten in een bestand met als naam:</a:t>
+            </a:r>
+          </a:p>
+          <a:p>
+            <a:pPr marL="0" indent="0">
+              <a:buNone/>
+            </a:pPr>
+            <a:r>
+              <a:rPr lang="nl-NL" sz="2000" dirty="0">
+                <a:latin typeface="Courier New" panose="02070309020205020404" pitchFamily="49" charset="0"/>
+                <a:cs typeface="Courier New" panose="02070309020205020404" pitchFamily="49" charset="0"/>
+              </a:rPr>
+              <a:t>test_&lt;module naam&gt;.</a:t>
+            </a:r>
+            <a:r>
+              <a:rPr lang="nl-NL" sz="2000" dirty="0" err="1">
+                <a:latin typeface="Courier New" panose="02070309020205020404" pitchFamily="49" charset="0"/>
+                <a:cs typeface="Courier New" panose="02070309020205020404" pitchFamily="49" charset="0"/>
+              </a:rPr>
+              <a:t>py</a:t>
+            </a:r>
+            <a:endParaRPr lang="nl-NL" sz="2000" dirty="0"/>
+          </a:p>
+          <a:p>
+            <a:pPr marL="0" indent="0">
+              <a:buNone/>
+            </a:pPr>
+            <a:endParaRPr lang="nl-NL" sz="2000" dirty="0"/>
+          </a:p>
+          <a:p>
+            <a:pPr marL="0" indent="0">
+              <a:buNone/>
+            </a:pPr>
+            <a:r>
+              <a:rPr lang="nl-NL" sz="2000" dirty="0"/>
+              <a:t>Tests zijn functies met als naam: </a:t>
+            </a:r>
+            <a:r>
+              <a:rPr lang="nl-NL" sz="2000" dirty="0">
+                <a:latin typeface="Courier New" panose="02070309020205020404" pitchFamily="49" charset="0"/>
+                <a:cs typeface="Courier New" panose="02070309020205020404" pitchFamily="49" charset="0"/>
+              </a:rPr>
+              <a:t>test_&lt;functie&gt;_&lt;omschrijving scenario&gt;.</a:t>
+            </a:r>
+            <a:endParaRPr lang="nl-NL" sz="2000" dirty="0"/>
+          </a:p>
+          <a:p>
+            <a:pPr marL="0" indent="0">
+              <a:buNone/>
+            </a:pPr>
+            <a:endParaRPr lang="nl-NL" sz="2000" dirty="0"/>
+          </a:p>
+          <a:p>
+            <a:pPr marL="0" indent="0">
+              <a:buNone/>
+            </a:pPr>
+            <a:r>
+              <a:rPr lang="nl-NL" sz="2000" dirty="0"/>
+              <a:t>Naam en </a:t>
+            </a:r>
+            <a:r>
+              <a:rPr lang="nl-NL" sz="2000" dirty="0" err="1"/>
+              <a:t>docstring</a:t>
+            </a:r>
+            <a:r>
+              <a:rPr lang="nl-NL" sz="2000" dirty="0"/>
+              <a:t> verduidelijken het doel van de test.</a:t>
+            </a:r>
+          </a:p>
+          <a:p>
+            <a:pPr marL="0" indent="0">
+              <a:buNone/>
+            </a:pPr>
+            <a:endParaRPr lang="nl-NL" sz="2000" dirty="0"/>
+          </a:p>
+          <a:p>
+            <a:pPr marL="0" indent="0">
+              <a:buNone/>
+            </a:pPr>
+            <a:r>
+              <a:rPr lang="nl-NL" sz="2000" dirty="0" err="1"/>
+              <a:t>Één</a:t>
+            </a:r>
+            <a:r>
+              <a:rPr lang="nl-NL" sz="2000" dirty="0"/>
+              <a:t> functionaliteit per test; oftewel 1 </a:t>
+            </a:r>
+            <a:r>
+              <a:rPr lang="nl-NL" sz="2000" dirty="0" err="1">
+                <a:latin typeface="Courier New" panose="02070309020205020404" pitchFamily="49" charset="0"/>
+                <a:cs typeface="Courier New" panose="02070309020205020404" pitchFamily="49" charset="0"/>
+              </a:rPr>
+              <a:t>assert</a:t>
+            </a:r>
+            <a:r>
+              <a:rPr lang="nl-NL" sz="2000" dirty="0"/>
+              <a:t> statement.</a:t>
+            </a:r>
+          </a:p>
+        </p:txBody>
+      </p:sp>
+      <p:sp>
+        <p:nvSpPr>
+          <p:cNvPr id="5" name="Rectangle 4">
+            <a:extLst>
+              <a:ext uri="{FF2B5EF4-FFF2-40B4-BE49-F238E27FC236}">
+                <a16:creationId xmlns:a16="http://schemas.microsoft.com/office/drawing/2014/main" id="{BF3C5D9D-7D1F-79AF-659B-A7B6754AA413}"/>
+              </a:ext>
+            </a:extLst>
+          </p:cNvPr>
+          <p:cNvSpPr/>
+          <p:nvPr/>
+        </p:nvSpPr>
+        <p:spPr>
+          <a:xfrm>
+            <a:off x="7924800" y="1690688"/>
+            <a:ext cx="3962400" cy="4486275"/>
+          </a:xfrm>
+          <a:prstGeom prst="rect">
+            <a:avLst/>
+          </a:prstGeom>
+        </p:spPr>
+        <p:style>
+          <a:lnRef idx="1">
+            <a:schemeClr val="accent4"/>
+          </a:lnRef>
+          <a:fillRef idx="2">
+            <a:schemeClr val="accent4"/>
+          </a:fillRef>
+          <a:effectRef idx="1">
+            <a:schemeClr val="accent4"/>
+          </a:effectRef>
+          <a:fontRef idx="minor">
+            <a:schemeClr val="dk1"/>
+          </a:fontRef>
+        </p:style>
+        <p:txBody>
+          <a:bodyPr rtlCol="0" anchor="t"/>
+          <a:lstStyle/>
+          <a:p>
+            <a:r>
+              <a:rPr lang="en-US" sz="1200" dirty="0">
+                <a:latin typeface="Courier New" panose="02070309020205020404" pitchFamily="49" charset="0"/>
+                <a:cs typeface="Courier New" panose="02070309020205020404" pitchFamily="49" charset="0"/>
+              </a:rPr>
+              <a:t>"""Module with unit tests for helpers."""</a:t>
+            </a:r>
+          </a:p>
+          <a:p>
+            <a:endParaRPr lang="en-US" sz="1200" dirty="0">
+              <a:latin typeface="Courier New" panose="02070309020205020404" pitchFamily="49" charset="0"/>
+              <a:cs typeface="Courier New" panose="02070309020205020404" pitchFamily="49" charset="0"/>
+            </a:endParaRPr>
+          </a:p>
+          <a:p>
+            <a:endParaRPr lang="en-US" sz="1200" dirty="0">
+              <a:latin typeface="Courier New" panose="02070309020205020404" pitchFamily="49" charset="0"/>
+              <a:cs typeface="Courier New" panose="02070309020205020404" pitchFamily="49" charset="0"/>
+            </a:endParaRPr>
+          </a:p>
+          <a:p>
+            <a:r>
+              <a:rPr lang="en-US" sz="1200" b="1" dirty="0">
+                <a:latin typeface="Courier New" panose="02070309020205020404" pitchFamily="49" charset="0"/>
+                <a:cs typeface="Courier New" panose="02070309020205020404" pitchFamily="49" charset="0"/>
+              </a:rPr>
+              <a:t>def </a:t>
+            </a:r>
+            <a:r>
+              <a:rPr lang="en-US" sz="1200" b="1" dirty="0" err="1">
+                <a:latin typeface="Courier New" panose="02070309020205020404" pitchFamily="49" charset="0"/>
+                <a:cs typeface="Courier New" panose="02070309020205020404" pitchFamily="49" charset="0"/>
+              </a:rPr>
+              <a:t>test_mean_positive_numbers</a:t>
+            </a:r>
+            <a:r>
+              <a:rPr lang="en-US" sz="1200" b="1" dirty="0">
+                <a:latin typeface="Courier New" panose="02070309020205020404" pitchFamily="49" charset="0"/>
+                <a:cs typeface="Courier New" panose="02070309020205020404" pitchFamily="49" charset="0"/>
+              </a:rPr>
+              <a:t>():</a:t>
+            </a:r>
+          </a:p>
+          <a:p>
+            <a:r>
+              <a:rPr lang="en-US" sz="1200" dirty="0">
+                <a:latin typeface="Courier New" panose="02070309020205020404" pitchFamily="49" charset="0"/>
+                <a:cs typeface="Courier New" panose="02070309020205020404" pitchFamily="49" charset="0"/>
+              </a:rPr>
+              <a:t>  """Test mean for positive numbers."""</a:t>
+            </a:r>
+          </a:p>
+          <a:p>
+            <a:r>
+              <a:rPr lang="en-US" sz="1200" dirty="0">
+                <a:latin typeface="Courier New" panose="02070309020205020404" pitchFamily="49" charset="0"/>
+                <a:cs typeface="Courier New" panose="02070309020205020404" pitchFamily="49" charset="0"/>
+              </a:rPr>
+              <a:t> </a:t>
+            </a:r>
+          </a:p>
+          <a:p>
+            <a:r>
+              <a:rPr lang="en-US" sz="1200" dirty="0">
+                <a:latin typeface="Courier New" panose="02070309020205020404" pitchFamily="49" charset="0"/>
+                <a:cs typeface="Courier New" panose="02070309020205020404" pitchFamily="49" charset="0"/>
+              </a:rPr>
+              <a:t>  assert mean([1, 2, 3]) == 2.0</a:t>
+            </a:r>
+          </a:p>
+          <a:p>
+            <a:endParaRPr lang="en-US" sz="1200" dirty="0">
+              <a:latin typeface="Courier New" panose="02070309020205020404" pitchFamily="49" charset="0"/>
+              <a:cs typeface="Courier New" panose="02070309020205020404" pitchFamily="49" charset="0"/>
+            </a:endParaRPr>
+          </a:p>
+          <a:p>
+            <a:endParaRPr lang="en-US" sz="1200" dirty="0">
+              <a:latin typeface="Courier New" panose="02070309020205020404" pitchFamily="49" charset="0"/>
+              <a:cs typeface="Courier New" panose="02070309020205020404" pitchFamily="49" charset="0"/>
+            </a:endParaRPr>
+          </a:p>
+          <a:p>
+            <a:r>
+              <a:rPr lang="en-US" sz="1200" b="1" dirty="0">
+                <a:latin typeface="Courier New" panose="02070309020205020404" pitchFamily="49" charset="0"/>
+                <a:cs typeface="Courier New" panose="02070309020205020404" pitchFamily="49" charset="0"/>
+              </a:rPr>
+              <a:t>def </a:t>
+            </a:r>
+            <a:r>
+              <a:rPr lang="en-US" sz="1200" b="1" dirty="0" err="1">
+                <a:latin typeface="Courier New" panose="02070309020205020404" pitchFamily="49" charset="0"/>
+                <a:cs typeface="Courier New" panose="02070309020205020404" pitchFamily="49" charset="0"/>
+              </a:rPr>
+              <a:t>test_mean_negative_numbers</a:t>
+            </a:r>
+            <a:r>
+              <a:rPr lang="en-US" sz="1200" b="1" dirty="0">
+                <a:latin typeface="Courier New" panose="02070309020205020404" pitchFamily="49" charset="0"/>
+                <a:cs typeface="Courier New" panose="02070309020205020404" pitchFamily="49" charset="0"/>
+              </a:rPr>
+              <a:t>():</a:t>
+            </a:r>
+          </a:p>
+          <a:p>
+            <a:r>
+              <a:rPr lang="en-US" sz="1200" dirty="0">
+                <a:latin typeface="Courier New" panose="02070309020205020404" pitchFamily="49" charset="0"/>
+                <a:cs typeface="Courier New" panose="02070309020205020404" pitchFamily="49" charset="0"/>
+              </a:rPr>
+              <a:t>  """Test mean for negative numbers."""</a:t>
+            </a:r>
+          </a:p>
+          <a:p>
+            <a:r>
+              <a:rPr lang="en-US" sz="1200" dirty="0">
+                <a:latin typeface="Courier New" panose="02070309020205020404" pitchFamily="49" charset="0"/>
+                <a:cs typeface="Courier New" panose="02070309020205020404" pitchFamily="49" charset="0"/>
+              </a:rPr>
+              <a:t>    </a:t>
+            </a:r>
+          </a:p>
+          <a:p>
+            <a:r>
+              <a:rPr lang="en-US" sz="1200" dirty="0">
+                <a:latin typeface="Courier New" panose="02070309020205020404" pitchFamily="49" charset="0"/>
+                <a:cs typeface="Courier New" panose="02070309020205020404" pitchFamily="49" charset="0"/>
+              </a:rPr>
+              <a:t>  assert mean([-1, -2, -3]) == -2.0</a:t>
+            </a:r>
+          </a:p>
+          <a:p>
+            <a:endParaRPr lang="en-US" sz="1200" dirty="0">
+              <a:latin typeface="Courier New" panose="02070309020205020404" pitchFamily="49" charset="0"/>
+              <a:cs typeface="Courier New" panose="02070309020205020404" pitchFamily="49" charset="0"/>
+            </a:endParaRPr>
+          </a:p>
+          <a:p>
+            <a:endParaRPr lang="en-US" sz="1200" dirty="0">
+              <a:latin typeface="Courier New" panose="02070309020205020404" pitchFamily="49" charset="0"/>
+              <a:cs typeface="Courier New" panose="02070309020205020404" pitchFamily="49" charset="0"/>
+            </a:endParaRPr>
+          </a:p>
+          <a:p>
+            <a:r>
+              <a:rPr lang="en-US" sz="1200" dirty="0">
+                <a:latin typeface="Courier New" panose="02070309020205020404" pitchFamily="49" charset="0"/>
+                <a:cs typeface="Courier New" panose="02070309020205020404" pitchFamily="49" charset="0"/>
+              </a:rPr>
+              <a:t>...</a:t>
+            </a:r>
+          </a:p>
+        </p:txBody>
+      </p:sp>
+      <p:sp>
+        <p:nvSpPr>
+          <p:cNvPr id="6" name="TextBox 5">
+            <a:extLst>
+              <a:ext uri="{FF2B5EF4-FFF2-40B4-BE49-F238E27FC236}">
+                <a16:creationId xmlns:a16="http://schemas.microsoft.com/office/drawing/2014/main" id="{D088D7CA-1C9E-24B6-C606-7DAC56592A78}"/>
+              </a:ext>
+            </a:extLst>
+          </p:cNvPr>
+          <p:cNvSpPr txBox="1"/>
+          <p:nvPr/>
+        </p:nvSpPr>
+        <p:spPr>
+          <a:xfrm>
+            <a:off x="7924800" y="1321356"/>
+            <a:ext cx="2252540" cy="369332"/>
+          </a:xfrm>
+          <a:prstGeom prst="rect">
+            <a:avLst/>
+          </a:prstGeom>
+          <a:noFill/>
+        </p:spPr>
+        <p:txBody>
+          <a:bodyPr wrap="none" rtlCol="0">
+            <a:spAutoFit/>
+          </a:bodyPr>
+          <a:lstStyle/>
+          <a:p>
+            <a:r>
+              <a:rPr lang="en-US" dirty="0">
+                <a:latin typeface="Courier New" panose="02070309020205020404" pitchFamily="49" charset="0"/>
+                <a:cs typeface="Courier New" panose="02070309020205020404" pitchFamily="49" charset="0"/>
+              </a:rPr>
+              <a:t>test_helpers.py</a:t>
+            </a:r>
+            <a:endParaRPr lang="en-NL" dirty="0">
+              <a:latin typeface="Courier New" panose="02070309020205020404" pitchFamily="49" charset="0"/>
+              <a:cs typeface="Courier New" panose="02070309020205020404" pitchFamily="49" charset="0"/>
+            </a:endParaRPr>
+          </a:p>
+        </p:txBody>
+      </p:sp>
+    </p:spTree>
+    <p:extLst>
+      <p:ext uri="{BB962C8B-B14F-4D97-AF65-F5344CB8AC3E}">
+        <p14:creationId xmlns:p14="http://schemas.microsoft.com/office/powerpoint/2010/main" val="1005970574"/>
+      </p:ext>
+    </p:extLst>
+  </p:cSld>
+  <p:clrMapOvr>
+    <a:masterClrMapping/>
+  </p:clrMapOvr>
+</p:sld>
+</file>
+
+<file path=ppt/slides/slide39.xml><?xml version="1.0" encoding="utf-8"?>
+<p:sld xmlns:a="http://schemas.openxmlformats.org/drawingml/2006/main" xmlns:r="http://schemas.openxmlformats.org/officeDocument/2006/relationships" xmlns:p="http://schemas.openxmlformats.org/presentationml/2006/main">
+  <p:cSld>
+    <p:spTree>
+      <p:nvGrpSpPr>
+        <p:cNvPr id="1" name=""/>
+        <p:cNvGrpSpPr/>
+        <p:nvPr/>
+      </p:nvGrpSpPr>
+      <p:grpSpPr>
+        <a:xfrm>
+          <a:off x="0" y="0"/>
+          <a:ext cx="0" cy="0"/>
+          <a:chOff x="0" y="0"/>
+          <a:chExt cx="0" cy="0"/>
+        </a:xfrm>
+      </p:grpSpPr>
+      <p:sp>
+        <p:nvSpPr>
+          <p:cNvPr id="2" name="Title 1">
+            <a:extLst>
+              <a:ext uri="{FF2B5EF4-FFF2-40B4-BE49-F238E27FC236}">
+                <a16:creationId xmlns:a16="http://schemas.microsoft.com/office/drawing/2014/main" id="{F0117A71-C343-4E94-A229-F18D53D8BEF6}"/>
+              </a:ext>
+            </a:extLst>
+          </p:cNvPr>
+          <p:cNvSpPr>
+            <a:spLocks noGrp="1"/>
+          </p:cNvSpPr>
+          <p:nvPr>
+            <p:ph type="title"/>
+          </p:nvPr>
+        </p:nvSpPr>
+        <p:spPr/>
+        <p:txBody>
+          <a:bodyPr/>
+          <a:lstStyle/>
+          <a:p>
+            <a:r>
+              <a:rPr lang="nl-NL" dirty="0"/>
+              <a:t>Hergebruik: Parameters</a:t>
+            </a:r>
+          </a:p>
+        </p:txBody>
+      </p:sp>
+      <p:sp>
+        <p:nvSpPr>
+          <p:cNvPr id="3" name="Content Placeholder 2">
+            <a:extLst>
+              <a:ext uri="{FF2B5EF4-FFF2-40B4-BE49-F238E27FC236}">
+                <a16:creationId xmlns:a16="http://schemas.microsoft.com/office/drawing/2014/main" id="{BAC51C7A-6D7E-4515-BA34-6BEF13D36B55}"/>
+              </a:ext>
+            </a:extLst>
+          </p:cNvPr>
+          <p:cNvSpPr>
+            <a:spLocks noGrp="1"/>
+          </p:cNvSpPr>
+          <p:nvPr>
+            <p:ph idx="1"/>
+          </p:nvPr>
+        </p:nvSpPr>
+        <p:spPr/>
+        <p:txBody>
+          <a:bodyPr>
+            <a:normAutofit/>
+          </a:bodyPr>
+          <a:lstStyle/>
+          <a:p>
+            <a:pPr marL="0" indent="0">
+              <a:buNone/>
+            </a:pPr>
+            <a:r>
+              <a:rPr lang="nl-NL" sz="2000" b="1" dirty="0" err="1"/>
+              <a:t>Parametriseren</a:t>
+            </a:r>
+            <a:r>
+              <a:rPr lang="nl-NL" sz="2000" b="1" dirty="0"/>
+              <a:t>:</a:t>
+            </a:r>
+            <a:endParaRPr lang="nl-NL" sz="2000" dirty="0"/>
+          </a:p>
+          <a:p>
+            <a:pPr>
+              <a:buFontTx/>
+              <a:buChar char="-"/>
+            </a:pPr>
+            <a:r>
+              <a:rPr lang="nl-NL" sz="2000" dirty="0"/>
+              <a:t>Hergebruik van een unit test, maar met verschillende parameters</a:t>
+            </a:r>
+          </a:p>
+          <a:p>
+            <a:pPr>
+              <a:buFontTx/>
+              <a:buChar char="-"/>
+            </a:pPr>
+            <a:r>
+              <a:rPr lang="nl-NL" sz="2000" dirty="0"/>
+              <a:t>Gemakkelijk voor het testen van veel combinaties.</a:t>
+            </a:r>
+          </a:p>
+          <a:p>
+            <a:pPr>
+              <a:buFontTx/>
+              <a:buChar char="-"/>
+            </a:pPr>
+            <a:r>
+              <a:rPr lang="nl-NL" sz="2000" dirty="0"/>
+              <a:t>Optie: Beschrijvend ID voor de set parameters.</a:t>
+            </a:r>
+          </a:p>
+        </p:txBody>
+      </p:sp>
+    </p:spTree>
+    <p:extLst>
+      <p:ext uri="{BB962C8B-B14F-4D97-AF65-F5344CB8AC3E}">
+        <p14:creationId xmlns:p14="http://schemas.microsoft.com/office/powerpoint/2010/main" val="2808095815"/>
+      </p:ext>
+    </p:extLst>
+  </p:cSld>
+  <p:clrMapOvr>
+    <a:masterClrMapping/>
+  </p:clrMapOvr>
+</p:sld>
+</file>
+
 <file path=ppt/slides/slide4.xml><?xml version="1.0" encoding="utf-8"?>
 <p:sld xmlns:a="http://schemas.openxmlformats.org/drawingml/2006/main" xmlns:r="http://schemas.openxmlformats.org/officeDocument/2006/relationships" xmlns:p="http://schemas.openxmlformats.org/presentationml/2006/main">
   <p:cSld>
@@ -17316,6 +20348,1064 @@
 </p:sld>
 </file>
 
+<file path=ppt/slides/slide40.xml><?xml version="1.0" encoding="utf-8"?>
+<p:sld xmlns:a="http://schemas.openxmlformats.org/drawingml/2006/main" xmlns:r="http://schemas.openxmlformats.org/officeDocument/2006/relationships" xmlns:p="http://schemas.openxmlformats.org/presentationml/2006/main">
+  <p:cSld>
+    <p:spTree>
+      <p:nvGrpSpPr>
+        <p:cNvPr id="1" name=""/>
+        <p:cNvGrpSpPr/>
+        <p:nvPr/>
+      </p:nvGrpSpPr>
+      <p:grpSpPr>
+        <a:xfrm>
+          <a:off x="0" y="0"/>
+          <a:ext cx="0" cy="0"/>
+          <a:chOff x="0" y="0"/>
+          <a:chExt cx="0" cy="0"/>
+        </a:xfrm>
+      </p:grpSpPr>
+      <p:sp>
+        <p:nvSpPr>
+          <p:cNvPr id="4" name="Title 3">
+            <a:extLst>
+              <a:ext uri="{FF2B5EF4-FFF2-40B4-BE49-F238E27FC236}">
+                <a16:creationId xmlns:a16="http://schemas.microsoft.com/office/drawing/2014/main" id="{51333423-ACB5-5ADB-CF84-4200CA8C53B4}"/>
+              </a:ext>
+            </a:extLst>
+          </p:cNvPr>
+          <p:cNvSpPr>
+            <a:spLocks noGrp="1"/>
+          </p:cNvSpPr>
+          <p:nvPr>
+            <p:ph type="ctrTitle"/>
+          </p:nvPr>
+        </p:nvSpPr>
+        <p:spPr/>
+        <p:txBody>
+          <a:bodyPr/>
+          <a:lstStyle/>
+          <a:p>
+            <a:pPr algn="ctr"/>
+            <a:r>
+              <a:rPr lang="nl-NL" dirty="0"/>
+              <a:t>Demo – Parameters</a:t>
+            </a:r>
+          </a:p>
+        </p:txBody>
+      </p:sp>
+    </p:spTree>
+    <p:extLst>
+      <p:ext uri="{BB962C8B-B14F-4D97-AF65-F5344CB8AC3E}">
+        <p14:creationId xmlns:p14="http://schemas.microsoft.com/office/powerpoint/2010/main" val="3678604713"/>
+      </p:ext>
+    </p:extLst>
+  </p:cSld>
+  <p:clrMapOvr>
+    <a:masterClrMapping/>
+  </p:clrMapOvr>
+</p:sld>
+</file>
+
+<file path=ppt/slides/slide41.xml><?xml version="1.0" encoding="utf-8"?>
+<p:sld xmlns:a="http://schemas.openxmlformats.org/drawingml/2006/main" xmlns:r="http://schemas.openxmlformats.org/officeDocument/2006/relationships" xmlns:p="http://schemas.openxmlformats.org/presentationml/2006/main">
+  <p:cSld>
+    <p:spTree>
+      <p:nvGrpSpPr>
+        <p:cNvPr id="1" name=""/>
+        <p:cNvGrpSpPr/>
+        <p:nvPr/>
+      </p:nvGrpSpPr>
+      <p:grpSpPr>
+        <a:xfrm>
+          <a:off x="0" y="0"/>
+          <a:ext cx="0" cy="0"/>
+          <a:chOff x="0" y="0"/>
+          <a:chExt cx="0" cy="0"/>
+        </a:xfrm>
+      </p:grpSpPr>
+      <p:sp>
+        <p:nvSpPr>
+          <p:cNvPr id="2" name="Title 1">
+            <a:extLst>
+              <a:ext uri="{FF2B5EF4-FFF2-40B4-BE49-F238E27FC236}">
+                <a16:creationId xmlns:a16="http://schemas.microsoft.com/office/drawing/2014/main" id="{F0117A71-C343-4E94-A229-F18D53D8BEF6}"/>
+              </a:ext>
+            </a:extLst>
+          </p:cNvPr>
+          <p:cNvSpPr>
+            <a:spLocks noGrp="1"/>
+          </p:cNvSpPr>
+          <p:nvPr>
+            <p:ph type="title"/>
+          </p:nvPr>
+        </p:nvSpPr>
+        <p:spPr/>
+        <p:txBody>
+          <a:bodyPr/>
+          <a:lstStyle/>
+          <a:p>
+            <a:r>
+              <a:rPr lang="nl-NL" dirty="0"/>
+              <a:t>Hergebruik: </a:t>
+            </a:r>
+            <a:r>
+              <a:rPr lang="nl-NL" dirty="0" err="1"/>
+              <a:t>Fixtures</a:t>
+            </a:r>
+            <a:endParaRPr lang="nl-NL" dirty="0"/>
+          </a:p>
+        </p:txBody>
+      </p:sp>
+      <p:sp>
+        <p:nvSpPr>
+          <p:cNvPr id="3" name="Content Placeholder 2">
+            <a:extLst>
+              <a:ext uri="{FF2B5EF4-FFF2-40B4-BE49-F238E27FC236}">
+                <a16:creationId xmlns:a16="http://schemas.microsoft.com/office/drawing/2014/main" id="{BAC51C7A-6D7E-4515-BA34-6BEF13D36B55}"/>
+              </a:ext>
+            </a:extLst>
+          </p:cNvPr>
+          <p:cNvSpPr>
+            <a:spLocks noGrp="1"/>
+          </p:cNvSpPr>
+          <p:nvPr>
+            <p:ph idx="1"/>
+          </p:nvPr>
+        </p:nvSpPr>
+        <p:spPr/>
+        <p:txBody>
+          <a:bodyPr>
+            <a:normAutofit/>
+          </a:bodyPr>
+          <a:lstStyle/>
+          <a:p>
+            <a:pPr marL="0" indent="0">
+              <a:buNone/>
+            </a:pPr>
+            <a:r>
+              <a:rPr lang="nl-NL" sz="2000" b="1" dirty="0" err="1"/>
+              <a:t>Fixture</a:t>
+            </a:r>
+            <a:r>
+              <a:rPr lang="nl-NL" sz="2000" b="1" dirty="0"/>
+              <a:t>:</a:t>
+            </a:r>
+          </a:p>
+          <a:p>
+            <a:pPr>
+              <a:buFontTx/>
+              <a:buChar char="-"/>
+            </a:pPr>
+            <a:r>
+              <a:rPr lang="nl-NL" sz="2000" dirty="0"/>
+              <a:t>Code die kan worden meegegeven aan een test.</a:t>
+            </a:r>
+          </a:p>
+          <a:p>
+            <a:pPr>
+              <a:buFontTx/>
+              <a:buChar char="-"/>
+            </a:pPr>
+            <a:r>
+              <a:rPr lang="nl-NL" sz="2000" dirty="0"/>
+              <a:t>Gedefinieerd als functie die een waarde teruggeeft.</a:t>
+            </a:r>
+          </a:p>
+          <a:p>
+            <a:pPr>
+              <a:buFontTx/>
+              <a:buChar char="-"/>
+            </a:pPr>
+            <a:r>
+              <a:rPr lang="nl-NL" sz="2000" dirty="0"/>
+              <a:t>Wordt voor elke test opnieuw uitgevoerd!</a:t>
+            </a:r>
+          </a:p>
+        </p:txBody>
+      </p:sp>
+    </p:spTree>
+    <p:extLst>
+      <p:ext uri="{BB962C8B-B14F-4D97-AF65-F5344CB8AC3E}">
+        <p14:creationId xmlns:p14="http://schemas.microsoft.com/office/powerpoint/2010/main" val="3875907852"/>
+      </p:ext>
+    </p:extLst>
+  </p:cSld>
+  <p:clrMapOvr>
+    <a:masterClrMapping/>
+  </p:clrMapOvr>
+</p:sld>
+</file>
+
+<file path=ppt/slides/slide42.xml><?xml version="1.0" encoding="utf-8"?>
+<p:sld xmlns:a="http://schemas.openxmlformats.org/drawingml/2006/main" xmlns:r="http://schemas.openxmlformats.org/officeDocument/2006/relationships" xmlns:p="http://schemas.openxmlformats.org/presentationml/2006/main">
+  <p:cSld>
+    <p:spTree>
+      <p:nvGrpSpPr>
+        <p:cNvPr id="1" name=""/>
+        <p:cNvGrpSpPr/>
+        <p:nvPr/>
+      </p:nvGrpSpPr>
+      <p:grpSpPr>
+        <a:xfrm>
+          <a:off x="0" y="0"/>
+          <a:ext cx="0" cy="0"/>
+          <a:chOff x="0" y="0"/>
+          <a:chExt cx="0" cy="0"/>
+        </a:xfrm>
+      </p:grpSpPr>
+      <p:sp>
+        <p:nvSpPr>
+          <p:cNvPr id="4" name="Title 3">
+            <a:extLst>
+              <a:ext uri="{FF2B5EF4-FFF2-40B4-BE49-F238E27FC236}">
+                <a16:creationId xmlns:a16="http://schemas.microsoft.com/office/drawing/2014/main" id="{51333423-ACB5-5ADB-CF84-4200CA8C53B4}"/>
+              </a:ext>
+            </a:extLst>
+          </p:cNvPr>
+          <p:cNvSpPr>
+            <a:spLocks noGrp="1"/>
+          </p:cNvSpPr>
+          <p:nvPr>
+            <p:ph type="ctrTitle"/>
+          </p:nvPr>
+        </p:nvSpPr>
+        <p:spPr/>
+        <p:txBody>
+          <a:bodyPr/>
+          <a:lstStyle/>
+          <a:p>
+            <a:pPr algn="ctr"/>
+            <a:r>
+              <a:rPr lang="nl-NL" dirty="0"/>
+              <a:t>Demo – </a:t>
+            </a:r>
+            <a:r>
+              <a:rPr lang="nl-NL" dirty="0" err="1"/>
+              <a:t>Fixtures</a:t>
+            </a:r>
+            <a:endParaRPr lang="nl-NL" dirty="0"/>
+          </a:p>
+        </p:txBody>
+      </p:sp>
+    </p:spTree>
+    <p:extLst>
+      <p:ext uri="{BB962C8B-B14F-4D97-AF65-F5344CB8AC3E}">
+        <p14:creationId xmlns:p14="http://schemas.microsoft.com/office/powerpoint/2010/main" val="2496986378"/>
+      </p:ext>
+    </p:extLst>
+  </p:cSld>
+  <p:clrMapOvr>
+    <a:masterClrMapping/>
+  </p:clrMapOvr>
+</p:sld>
+</file>
+
+<file path=ppt/slides/slide43.xml><?xml version="1.0" encoding="utf-8"?>
+<p:sld xmlns:a="http://schemas.openxmlformats.org/drawingml/2006/main" xmlns:r="http://schemas.openxmlformats.org/officeDocument/2006/relationships" xmlns:p="http://schemas.openxmlformats.org/presentationml/2006/main">
+  <p:cSld>
+    <p:spTree>
+      <p:nvGrpSpPr>
+        <p:cNvPr id="1" name=""/>
+        <p:cNvGrpSpPr/>
+        <p:nvPr/>
+      </p:nvGrpSpPr>
+      <p:grpSpPr>
+        <a:xfrm>
+          <a:off x="0" y="0"/>
+          <a:ext cx="0" cy="0"/>
+          <a:chOff x="0" y="0"/>
+          <a:chExt cx="0" cy="0"/>
+        </a:xfrm>
+      </p:grpSpPr>
+      <p:sp>
+        <p:nvSpPr>
+          <p:cNvPr id="2" name="Title 1">
+            <a:extLst>
+              <a:ext uri="{FF2B5EF4-FFF2-40B4-BE49-F238E27FC236}">
+                <a16:creationId xmlns:a16="http://schemas.microsoft.com/office/drawing/2014/main" id="{F0117A71-C343-4E94-A229-F18D53D8BEF6}"/>
+              </a:ext>
+            </a:extLst>
+          </p:cNvPr>
+          <p:cNvSpPr>
+            <a:spLocks noGrp="1"/>
+          </p:cNvSpPr>
+          <p:nvPr>
+            <p:ph type="title"/>
+          </p:nvPr>
+        </p:nvSpPr>
+        <p:spPr/>
+        <p:txBody>
+          <a:bodyPr/>
+          <a:lstStyle/>
+          <a:p>
+            <a:r>
+              <a:rPr lang="nl-NL" dirty="0"/>
+              <a:t>Samenvatting</a:t>
+            </a:r>
+          </a:p>
+        </p:txBody>
+      </p:sp>
+      <p:sp>
+        <p:nvSpPr>
+          <p:cNvPr id="3" name="Content Placeholder 2">
+            <a:extLst>
+              <a:ext uri="{FF2B5EF4-FFF2-40B4-BE49-F238E27FC236}">
+                <a16:creationId xmlns:a16="http://schemas.microsoft.com/office/drawing/2014/main" id="{BAC51C7A-6D7E-4515-BA34-6BEF13D36B55}"/>
+              </a:ext>
+            </a:extLst>
+          </p:cNvPr>
+          <p:cNvSpPr>
+            <a:spLocks noGrp="1"/>
+          </p:cNvSpPr>
+          <p:nvPr>
+            <p:ph idx="1"/>
+          </p:nvPr>
+        </p:nvSpPr>
+        <p:spPr>
+          <a:xfrm>
+            <a:off x="838200" y="1825625"/>
+            <a:ext cx="6620933" cy="4351338"/>
+          </a:xfrm>
+        </p:spPr>
+        <p:txBody>
+          <a:bodyPr>
+            <a:normAutofit lnSpcReduction="10000"/>
+          </a:bodyPr>
+          <a:lstStyle/>
+          <a:p>
+            <a:pPr marL="0" indent="0">
+              <a:buNone/>
+            </a:pPr>
+            <a:r>
+              <a:rPr lang="nl-NL" sz="2000" b="1" dirty="0"/>
+              <a:t>Parameters:</a:t>
+            </a:r>
+          </a:p>
+          <a:p>
+            <a:pPr>
+              <a:buFontTx/>
+              <a:buChar char="-"/>
+            </a:pPr>
+            <a:r>
+              <a:rPr lang="nl-NL" sz="2000" dirty="0"/>
+              <a:t>Draai zelfde test met wisselende gegevens.</a:t>
+            </a:r>
+          </a:p>
+          <a:p>
+            <a:pPr>
+              <a:buFontTx/>
+              <a:buChar char="-"/>
+            </a:pPr>
+            <a:r>
+              <a:rPr lang="nl-NL" sz="2000" dirty="0"/>
+              <a:t>Meestal: invoer =&gt; verwachte uitkomst.</a:t>
+            </a:r>
+          </a:p>
+          <a:p>
+            <a:pPr>
+              <a:buFontTx/>
+              <a:buChar char="-"/>
+            </a:pPr>
+            <a:r>
+              <a:rPr lang="nl-NL" sz="2000" dirty="0"/>
+              <a:t>Geef parameter sets een descriptieve naam (</a:t>
+            </a:r>
+            <a:r>
+              <a:rPr lang="nl-NL" sz="2000" dirty="0" err="1"/>
+              <a:t>ids</a:t>
+            </a:r>
+            <a:r>
+              <a:rPr lang="nl-NL" sz="2000" dirty="0"/>
+              <a:t>).</a:t>
+            </a:r>
+          </a:p>
+          <a:p>
+            <a:pPr marL="0" indent="0">
+              <a:buNone/>
+            </a:pPr>
+            <a:endParaRPr lang="nl-NL" sz="2000" dirty="0"/>
+          </a:p>
+          <a:p>
+            <a:pPr marL="0" indent="0">
+              <a:buNone/>
+            </a:pPr>
+            <a:endParaRPr lang="nl-NL" sz="2000" dirty="0"/>
+          </a:p>
+          <a:p>
+            <a:pPr marL="0" indent="0">
+              <a:buNone/>
+            </a:pPr>
+            <a:r>
+              <a:rPr lang="nl-NL" sz="2000" b="1" dirty="0" err="1"/>
+              <a:t>Fixtures</a:t>
+            </a:r>
+            <a:r>
+              <a:rPr lang="nl-NL" sz="2000" b="1" dirty="0"/>
+              <a:t>:</a:t>
+            </a:r>
+          </a:p>
+          <a:p>
+            <a:pPr>
+              <a:buFontTx/>
+              <a:buChar char="-"/>
+            </a:pPr>
+            <a:r>
+              <a:rPr lang="nl-NL" sz="2000" dirty="0"/>
+              <a:t>Herbruikbare functie om waardes te genereren.</a:t>
+            </a:r>
+          </a:p>
+          <a:p>
+            <a:pPr>
+              <a:buFontTx/>
+              <a:buChar char="-"/>
+            </a:pPr>
+            <a:r>
+              <a:rPr lang="nl-NL" sz="2000" dirty="0"/>
+              <a:t>Aangemaakt met </a:t>
+            </a:r>
+            <a:r>
+              <a:rPr lang="nl-NL" sz="2000" dirty="0">
+                <a:latin typeface="Courier New" panose="02070309020205020404" pitchFamily="49" charset="0"/>
+                <a:cs typeface="Courier New" panose="02070309020205020404" pitchFamily="49" charset="0"/>
+              </a:rPr>
+              <a:t>@pytest.fixture</a:t>
+            </a:r>
+            <a:r>
+              <a:rPr lang="nl-NL" sz="2000" dirty="0"/>
+              <a:t> </a:t>
+            </a:r>
+            <a:r>
+              <a:rPr lang="nl-NL" sz="2000" dirty="0" err="1"/>
+              <a:t>decorator</a:t>
+            </a:r>
+            <a:r>
+              <a:rPr lang="nl-NL" sz="2000" dirty="0"/>
+              <a:t>.</a:t>
+            </a:r>
+          </a:p>
+          <a:p>
+            <a:pPr>
+              <a:buFontTx/>
+              <a:buChar char="-"/>
+            </a:pPr>
+            <a:r>
+              <a:rPr lang="nl-NL" sz="2000" dirty="0"/>
+              <a:t>Meegegeven aan een test als argument.</a:t>
+            </a:r>
+          </a:p>
+          <a:p>
+            <a:pPr>
+              <a:buFontTx/>
+              <a:buChar char="-"/>
+            </a:pPr>
+            <a:r>
+              <a:rPr lang="nl-NL" sz="2000" dirty="0"/>
+              <a:t>Wordt voor elke test opnieuw aangemaakt!</a:t>
+            </a:r>
+          </a:p>
+          <a:p>
+            <a:pPr marL="0" indent="0">
+              <a:buNone/>
+            </a:pPr>
+            <a:endParaRPr lang="nl-NL" sz="2000" dirty="0"/>
+          </a:p>
+          <a:p>
+            <a:pPr marL="0" indent="0">
+              <a:buNone/>
+            </a:pPr>
+            <a:endParaRPr lang="nl-NL" sz="2000" dirty="0"/>
+          </a:p>
+          <a:p>
+            <a:pPr marL="0" indent="0">
+              <a:buNone/>
+            </a:pPr>
+            <a:endParaRPr lang="nl-NL" sz="2000" dirty="0" err="1"/>
+          </a:p>
+        </p:txBody>
+      </p:sp>
+      <p:sp>
+        <p:nvSpPr>
+          <p:cNvPr id="5" name="Rectangle 4">
+            <a:extLst>
+              <a:ext uri="{FF2B5EF4-FFF2-40B4-BE49-F238E27FC236}">
+                <a16:creationId xmlns:a16="http://schemas.microsoft.com/office/drawing/2014/main" id="{BF3C5D9D-7D1F-79AF-659B-A7B6754AA413}"/>
+              </a:ext>
+            </a:extLst>
+          </p:cNvPr>
+          <p:cNvSpPr/>
+          <p:nvPr/>
+        </p:nvSpPr>
+        <p:spPr>
+          <a:xfrm>
+            <a:off x="7924800" y="1173892"/>
+            <a:ext cx="3962400" cy="2449841"/>
+          </a:xfrm>
+          <a:prstGeom prst="rect">
+            <a:avLst/>
+          </a:prstGeom>
+        </p:spPr>
+        <p:style>
+          <a:lnRef idx="1">
+            <a:schemeClr val="accent4"/>
+          </a:lnRef>
+          <a:fillRef idx="2">
+            <a:schemeClr val="accent4"/>
+          </a:fillRef>
+          <a:effectRef idx="1">
+            <a:schemeClr val="accent4"/>
+          </a:effectRef>
+          <a:fontRef idx="minor">
+            <a:schemeClr val="dk1"/>
+          </a:fontRef>
+        </p:style>
+        <p:txBody>
+          <a:bodyPr rtlCol="0" anchor="ctr"/>
+          <a:lstStyle/>
+          <a:p>
+            <a:r>
+              <a:rPr lang="en-US" sz="1200" b="1" dirty="0">
+                <a:latin typeface="Courier New" panose="02070309020205020404" pitchFamily="49" charset="0"/>
+                <a:cs typeface="Courier New" panose="02070309020205020404" pitchFamily="49" charset="0"/>
+              </a:rPr>
+              <a:t>@pytest.mark.parametrize(</a:t>
+            </a:r>
+          </a:p>
+          <a:p>
+            <a:r>
+              <a:rPr lang="en-US" sz="1200" dirty="0">
+                <a:latin typeface="Courier New" panose="02070309020205020404" pitchFamily="49" charset="0"/>
+                <a:cs typeface="Courier New" panose="02070309020205020404" pitchFamily="49" charset="0"/>
+              </a:rPr>
+              <a:t>    </a:t>
+            </a:r>
+            <a:r>
+              <a:rPr lang="en-US" sz="1200" dirty="0" err="1">
+                <a:latin typeface="Courier New" panose="02070309020205020404" pitchFamily="49" charset="0"/>
+                <a:cs typeface="Courier New" panose="02070309020205020404" pitchFamily="49" charset="0"/>
+              </a:rPr>
+              <a:t>argnames</a:t>
+            </a:r>
+            <a:r>
+              <a:rPr lang="en-US" sz="1200" dirty="0">
+                <a:latin typeface="Courier New" panose="02070309020205020404" pitchFamily="49" charset="0"/>
+                <a:cs typeface="Courier New" panose="02070309020205020404" pitchFamily="49" charset="0"/>
+              </a:rPr>
+              <a:t>=["numbers", "expected"],</a:t>
+            </a:r>
+          </a:p>
+          <a:p>
+            <a:r>
+              <a:rPr lang="en-US" sz="1200" dirty="0">
+                <a:latin typeface="Courier New" panose="02070309020205020404" pitchFamily="49" charset="0"/>
+                <a:cs typeface="Courier New" panose="02070309020205020404" pitchFamily="49" charset="0"/>
+              </a:rPr>
+              <a:t>    </a:t>
+            </a:r>
+            <a:r>
+              <a:rPr lang="en-US" sz="1200" dirty="0" err="1">
+                <a:latin typeface="Courier New" panose="02070309020205020404" pitchFamily="49" charset="0"/>
+                <a:cs typeface="Courier New" panose="02070309020205020404" pitchFamily="49" charset="0"/>
+              </a:rPr>
+              <a:t>argvalues</a:t>
+            </a:r>
+            <a:r>
+              <a:rPr lang="en-US" sz="1200" dirty="0">
+                <a:latin typeface="Courier New" panose="02070309020205020404" pitchFamily="49" charset="0"/>
+                <a:cs typeface="Courier New" panose="02070309020205020404" pitchFamily="49" charset="0"/>
+              </a:rPr>
+              <a:t>=[</a:t>
+            </a:r>
+          </a:p>
+          <a:p>
+            <a:r>
+              <a:rPr lang="en-US" sz="1200" dirty="0">
+                <a:latin typeface="Courier New" panose="02070309020205020404" pitchFamily="49" charset="0"/>
+                <a:cs typeface="Courier New" panose="02070309020205020404" pitchFamily="49" charset="0"/>
+              </a:rPr>
+              <a:t>        ([1, 2, 3], 2)</a:t>
+            </a:r>
+          </a:p>
+          <a:p>
+            <a:r>
+              <a:rPr lang="en-US" sz="1200" dirty="0">
+                <a:latin typeface="Courier New" panose="02070309020205020404" pitchFamily="49" charset="0"/>
+                <a:cs typeface="Courier New" panose="02070309020205020404" pitchFamily="49" charset="0"/>
+              </a:rPr>
+              <a:t>    ],</a:t>
+            </a:r>
+          </a:p>
+          <a:p>
+            <a:r>
+              <a:rPr lang="en-US" sz="1200" dirty="0">
+                <a:latin typeface="Courier New" panose="02070309020205020404" pitchFamily="49" charset="0"/>
+                <a:cs typeface="Courier New" panose="02070309020205020404" pitchFamily="49" charset="0"/>
+              </a:rPr>
+              <a:t>    ids=["Positive numbers"]</a:t>
+            </a:r>
+          </a:p>
+          <a:p>
+            <a:r>
+              <a:rPr lang="en-US" sz="1200" b="1" dirty="0">
+                <a:latin typeface="Courier New" panose="02070309020205020404" pitchFamily="49" charset="0"/>
+                <a:cs typeface="Courier New" panose="02070309020205020404" pitchFamily="49" charset="0"/>
+              </a:rPr>
+              <a:t>)</a:t>
+            </a:r>
+          </a:p>
+          <a:p>
+            <a:r>
+              <a:rPr lang="en-US" sz="1200" b="1" dirty="0">
+                <a:latin typeface="Courier New" panose="02070309020205020404" pitchFamily="49" charset="0"/>
+                <a:cs typeface="Courier New" panose="02070309020205020404" pitchFamily="49" charset="0"/>
+              </a:rPr>
+              <a:t>def </a:t>
+            </a:r>
+            <a:r>
+              <a:rPr lang="en-US" sz="1200" b="1" dirty="0" err="1">
+                <a:latin typeface="Courier New" panose="02070309020205020404" pitchFamily="49" charset="0"/>
+                <a:cs typeface="Courier New" panose="02070309020205020404" pitchFamily="49" charset="0"/>
+              </a:rPr>
+              <a:t>test_mean</a:t>
+            </a:r>
+            <a:r>
+              <a:rPr lang="en-US" sz="1200" b="1" dirty="0">
+                <a:latin typeface="Courier New" panose="02070309020205020404" pitchFamily="49" charset="0"/>
+                <a:cs typeface="Courier New" panose="02070309020205020404" pitchFamily="49" charset="0"/>
+              </a:rPr>
+              <a:t>(numbers, expected):</a:t>
+            </a:r>
+          </a:p>
+          <a:p>
+            <a:r>
+              <a:rPr lang="en-US" sz="1200" dirty="0">
+                <a:latin typeface="Courier New" panose="02070309020205020404" pitchFamily="49" charset="0"/>
+                <a:cs typeface="Courier New" panose="02070309020205020404" pitchFamily="49" charset="0"/>
+              </a:rPr>
+              <a:t>    """Test mean using parameters."""</a:t>
+            </a:r>
+          </a:p>
+          <a:p>
+            <a:r>
+              <a:rPr lang="en-US" sz="1200" dirty="0">
+                <a:latin typeface="Courier New" panose="02070309020205020404" pitchFamily="49" charset="0"/>
+                <a:cs typeface="Courier New" panose="02070309020205020404" pitchFamily="49" charset="0"/>
+              </a:rPr>
+              <a:t>    assert mean(numbers) == expected</a:t>
+            </a:r>
+          </a:p>
+          <a:p>
+            <a:endParaRPr lang="en-US" sz="1200" dirty="0">
+              <a:latin typeface="Courier New" panose="02070309020205020404" pitchFamily="49" charset="0"/>
+              <a:cs typeface="Courier New" panose="02070309020205020404" pitchFamily="49" charset="0"/>
+            </a:endParaRPr>
+          </a:p>
+        </p:txBody>
+      </p:sp>
+      <p:sp>
+        <p:nvSpPr>
+          <p:cNvPr id="6" name="Rectangle 5">
+            <a:extLst>
+              <a:ext uri="{FF2B5EF4-FFF2-40B4-BE49-F238E27FC236}">
+                <a16:creationId xmlns:a16="http://schemas.microsoft.com/office/drawing/2014/main" id="{21728304-D7D4-9B8D-CDDD-474B3FE731E8}"/>
+              </a:ext>
+            </a:extLst>
+          </p:cNvPr>
+          <p:cNvSpPr/>
+          <p:nvPr/>
+        </p:nvSpPr>
+        <p:spPr>
+          <a:xfrm>
+            <a:off x="7924800" y="4224866"/>
+            <a:ext cx="3962400" cy="1933044"/>
+          </a:xfrm>
+          <a:prstGeom prst="rect">
+            <a:avLst/>
+          </a:prstGeom>
+        </p:spPr>
+        <p:style>
+          <a:lnRef idx="1">
+            <a:schemeClr val="accent4"/>
+          </a:lnRef>
+          <a:fillRef idx="2">
+            <a:schemeClr val="accent4"/>
+          </a:fillRef>
+          <a:effectRef idx="1">
+            <a:schemeClr val="accent4"/>
+          </a:effectRef>
+          <a:fontRef idx="minor">
+            <a:schemeClr val="dk1"/>
+          </a:fontRef>
+        </p:style>
+        <p:txBody>
+          <a:bodyPr rtlCol="0" anchor="ctr"/>
+          <a:lstStyle/>
+          <a:p>
+            <a:r>
+              <a:rPr lang="en-US" sz="1200" b="1" dirty="0">
+                <a:latin typeface="Courier New" panose="02070309020205020404" pitchFamily="49" charset="0"/>
+                <a:cs typeface="Courier New" panose="02070309020205020404" pitchFamily="49" charset="0"/>
+              </a:rPr>
+              <a:t>@pytest.fixture</a:t>
+            </a:r>
+          </a:p>
+          <a:p>
+            <a:r>
+              <a:rPr lang="en-US" sz="1200" b="1" dirty="0">
+                <a:latin typeface="Courier New" panose="02070309020205020404" pitchFamily="49" charset="0"/>
+                <a:cs typeface="Courier New" panose="02070309020205020404" pitchFamily="49" charset="0"/>
+              </a:rPr>
+              <a:t>def </a:t>
+            </a:r>
+            <a:r>
+              <a:rPr lang="en-US" sz="1200" b="1" dirty="0" err="1">
+                <a:latin typeface="Courier New" panose="02070309020205020404" pitchFamily="49" charset="0"/>
+                <a:cs typeface="Courier New" panose="02070309020205020404" pitchFamily="49" charset="0"/>
+              </a:rPr>
+              <a:t>default_config</a:t>
+            </a:r>
+            <a:r>
+              <a:rPr lang="en-US" sz="1200" b="1" dirty="0">
+                <a:latin typeface="Courier New" panose="02070309020205020404" pitchFamily="49" charset="0"/>
+                <a:cs typeface="Courier New" panose="02070309020205020404" pitchFamily="49" charset="0"/>
+              </a:rPr>
+              <a:t>():</a:t>
+            </a:r>
+          </a:p>
+          <a:p>
+            <a:r>
+              <a:rPr lang="en-US" sz="1200" dirty="0">
+                <a:latin typeface="Courier New" panose="02070309020205020404" pitchFamily="49" charset="0"/>
+                <a:cs typeface="Courier New" panose="02070309020205020404" pitchFamily="49" charset="0"/>
+              </a:rPr>
+              <a:t>    """Return default configuration."""</a:t>
+            </a:r>
+          </a:p>
+          <a:p>
+            <a:r>
+              <a:rPr lang="en-US" sz="1200" dirty="0">
+                <a:latin typeface="Courier New" panose="02070309020205020404" pitchFamily="49" charset="0"/>
+                <a:cs typeface="Courier New" panose="02070309020205020404" pitchFamily="49" charset="0"/>
+              </a:rPr>
+              <a:t>    return {"</a:t>
+            </a:r>
+            <a:r>
+              <a:rPr lang="en-US" sz="1200" dirty="0" err="1">
+                <a:latin typeface="Courier New" panose="02070309020205020404" pitchFamily="49" charset="0"/>
+                <a:cs typeface="Courier New" panose="02070309020205020404" pitchFamily="49" charset="0"/>
+              </a:rPr>
+              <a:t>fillna</a:t>
+            </a:r>
+            <a:r>
+              <a:rPr lang="en-US" sz="1200" dirty="0">
+                <a:latin typeface="Courier New" panose="02070309020205020404" pitchFamily="49" charset="0"/>
+                <a:cs typeface="Courier New" panose="02070309020205020404" pitchFamily="49" charset="0"/>
+              </a:rPr>
+              <a:t>": 0}</a:t>
+            </a:r>
+          </a:p>
+          <a:p>
+            <a:endParaRPr lang="en-US" sz="1200" dirty="0">
+              <a:latin typeface="Courier New" panose="02070309020205020404" pitchFamily="49" charset="0"/>
+              <a:cs typeface="Courier New" panose="02070309020205020404" pitchFamily="49" charset="0"/>
+            </a:endParaRPr>
+          </a:p>
+          <a:p>
+            <a:endParaRPr lang="en-US" sz="1200" dirty="0">
+              <a:latin typeface="Courier New" panose="02070309020205020404" pitchFamily="49" charset="0"/>
+              <a:cs typeface="Courier New" panose="02070309020205020404" pitchFamily="49" charset="0"/>
+            </a:endParaRPr>
+          </a:p>
+          <a:p>
+            <a:r>
+              <a:rPr lang="en-US" sz="1200" b="1" dirty="0">
+                <a:latin typeface="Courier New" panose="02070309020205020404" pitchFamily="49" charset="0"/>
+                <a:cs typeface="Courier New" panose="02070309020205020404" pitchFamily="49" charset="0"/>
+              </a:rPr>
+              <a:t>def </a:t>
+            </a:r>
+            <a:r>
+              <a:rPr lang="en-US" sz="1200" b="1" dirty="0" err="1">
+                <a:latin typeface="Courier New" panose="02070309020205020404" pitchFamily="49" charset="0"/>
+                <a:cs typeface="Courier New" panose="02070309020205020404" pitchFamily="49" charset="0"/>
+              </a:rPr>
+              <a:t>test_update_config</a:t>
+            </a:r>
+            <a:r>
+              <a:rPr lang="en-US" sz="1200" b="1" dirty="0">
+                <a:latin typeface="Courier New" panose="02070309020205020404" pitchFamily="49" charset="0"/>
+                <a:cs typeface="Courier New" panose="02070309020205020404" pitchFamily="49" charset="0"/>
+              </a:rPr>
+              <a:t>(</a:t>
+            </a:r>
+            <a:r>
+              <a:rPr lang="en-US" sz="1200" b="1" dirty="0" err="1">
+                <a:latin typeface="Courier New" panose="02070309020205020404" pitchFamily="49" charset="0"/>
+                <a:cs typeface="Courier New" panose="02070309020205020404" pitchFamily="49" charset="0"/>
+              </a:rPr>
+              <a:t>default_config</a:t>
+            </a:r>
+            <a:r>
+              <a:rPr lang="en-US" sz="1200" b="1" dirty="0">
+                <a:latin typeface="Courier New" panose="02070309020205020404" pitchFamily="49" charset="0"/>
+                <a:cs typeface="Courier New" panose="02070309020205020404" pitchFamily="49" charset="0"/>
+              </a:rPr>
+              <a:t>):</a:t>
+            </a:r>
+          </a:p>
+          <a:p>
+            <a:r>
+              <a:rPr lang="en-US" sz="1200" dirty="0">
+                <a:latin typeface="Courier New" panose="02070309020205020404" pitchFamily="49" charset="0"/>
+                <a:cs typeface="Courier New" panose="02070309020205020404" pitchFamily="49" charset="0"/>
+              </a:rPr>
+              <a:t>    """Test updating configuration."""</a:t>
+            </a:r>
+          </a:p>
+          <a:p>
+            <a:endParaRPr lang="en-US" sz="1200" dirty="0">
+              <a:latin typeface="Courier New" panose="02070309020205020404" pitchFamily="49" charset="0"/>
+              <a:cs typeface="Courier New" panose="02070309020205020404" pitchFamily="49" charset="0"/>
+            </a:endParaRPr>
+          </a:p>
+        </p:txBody>
+      </p:sp>
+    </p:spTree>
+    <p:extLst>
+      <p:ext uri="{BB962C8B-B14F-4D97-AF65-F5344CB8AC3E}">
+        <p14:creationId xmlns:p14="http://schemas.microsoft.com/office/powerpoint/2010/main" val="87202000"/>
+      </p:ext>
+    </p:extLst>
+  </p:cSld>
+  <p:clrMapOvr>
+    <a:masterClrMapping/>
+  </p:clrMapOvr>
+</p:sld>
+</file>
+
+<file path=ppt/slides/slide44.xml><?xml version="1.0" encoding="utf-8"?>
+<p:sld xmlns:a="http://schemas.openxmlformats.org/drawingml/2006/main" xmlns:r="http://schemas.openxmlformats.org/officeDocument/2006/relationships" xmlns:p="http://schemas.openxmlformats.org/presentationml/2006/main">
+  <p:cSld>
+    <p:spTree>
+      <p:nvGrpSpPr>
+        <p:cNvPr id="1" name=""/>
+        <p:cNvGrpSpPr/>
+        <p:nvPr/>
+      </p:nvGrpSpPr>
+      <p:grpSpPr>
+        <a:xfrm>
+          <a:off x="0" y="0"/>
+          <a:ext cx="0" cy="0"/>
+          <a:chOff x="0" y="0"/>
+          <a:chExt cx="0" cy="0"/>
+        </a:xfrm>
+      </p:grpSpPr>
+      <p:sp>
+        <p:nvSpPr>
+          <p:cNvPr id="2" name="Title 1">
+            <a:extLst>
+              <a:ext uri="{FF2B5EF4-FFF2-40B4-BE49-F238E27FC236}">
+                <a16:creationId xmlns:a16="http://schemas.microsoft.com/office/drawing/2014/main" id="{F0117A71-C343-4E94-A229-F18D53D8BEF6}"/>
+              </a:ext>
+            </a:extLst>
+          </p:cNvPr>
+          <p:cNvSpPr>
+            <a:spLocks noGrp="1"/>
+          </p:cNvSpPr>
+          <p:nvPr>
+            <p:ph type="title"/>
+          </p:nvPr>
+        </p:nvSpPr>
+        <p:spPr/>
+        <p:txBody>
+          <a:bodyPr/>
+          <a:lstStyle/>
+          <a:p>
+            <a:r>
+              <a:rPr lang="nl-NL" dirty="0"/>
+              <a:t>Tips &amp; Tricks</a:t>
+            </a:r>
+          </a:p>
+        </p:txBody>
+      </p:sp>
+      <p:sp>
+        <p:nvSpPr>
+          <p:cNvPr id="3" name="Content Placeholder 2">
+            <a:extLst>
+              <a:ext uri="{FF2B5EF4-FFF2-40B4-BE49-F238E27FC236}">
+                <a16:creationId xmlns:a16="http://schemas.microsoft.com/office/drawing/2014/main" id="{BAC51C7A-6D7E-4515-BA34-6BEF13D36B55}"/>
+              </a:ext>
+            </a:extLst>
+          </p:cNvPr>
+          <p:cNvSpPr>
+            <a:spLocks noGrp="1"/>
+          </p:cNvSpPr>
+          <p:nvPr>
+            <p:ph idx="1"/>
+          </p:nvPr>
+        </p:nvSpPr>
+        <p:spPr/>
+        <p:txBody>
+          <a:bodyPr>
+            <a:normAutofit fontScale="92500" lnSpcReduction="20000"/>
+          </a:bodyPr>
+          <a:lstStyle/>
+          <a:p>
+            <a:r>
+              <a:rPr lang="nl-NL" sz="2000" dirty="0"/>
+              <a:t>Test in ieder geval:</a:t>
+            </a:r>
+          </a:p>
+          <a:p>
+            <a:pPr lvl="1"/>
+            <a:r>
+              <a:rPr lang="nl-NL" sz="1600" dirty="0"/>
+              <a:t>De functionaliteit met valide input.</a:t>
+            </a:r>
+          </a:p>
+          <a:p>
+            <a:pPr lvl="1"/>
+            <a:r>
+              <a:rPr lang="nl-NL" sz="1600" dirty="0"/>
+              <a:t>Alle configuratie opties die je aanbiedt.</a:t>
+            </a:r>
+          </a:p>
+          <a:p>
+            <a:pPr lvl="1"/>
+            <a:r>
+              <a:rPr lang="nl-NL" sz="1600" dirty="0"/>
+              <a:t>Alle foutmeldingen die je afvangt.</a:t>
+            </a:r>
+          </a:p>
+          <a:p>
+            <a:pPr lvl="1"/>
+            <a:r>
+              <a:rPr lang="nl-NL" sz="1600" dirty="0"/>
+              <a:t>De meest voor-de-hand-liggende “</a:t>
+            </a:r>
+            <a:r>
+              <a:rPr lang="nl-NL" sz="1600" dirty="0" err="1"/>
+              <a:t>edge</a:t>
+            </a:r>
+            <a:r>
+              <a:rPr lang="nl-NL" sz="1600" dirty="0"/>
+              <a:t> cases”.</a:t>
+            </a:r>
+          </a:p>
+          <a:p>
+            <a:pPr marL="0" indent="0">
+              <a:buNone/>
+            </a:pPr>
+            <a:endParaRPr lang="nl-NL" sz="2000" dirty="0"/>
+          </a:p>
+          <a:p>
+            <a:r>
+              <a:rPr lang="nl-NL" sz="2000" dirty="0"/>
+              <a:t>Houd tests simpel in de vorm van input =&gt; output.</a:t>
+            </a:r>
+          </a:p>
+          <a:p>
+            <a:pPr lvl="1"/>
+            <a:r>
+              <a:rPr lang="nl-NL" sz="1600" dirty="0"/>
+              <a:t>Bouw niet de te testen functionaliteit na!</a:t>
+            </a:r>
+          </a:p>
+          <a:p>
+            <a:pPr lvl="1"/>
+            <a:r>
+              <a:rPr lang="nl-NL" sz="1600" dirty="0"/>
+              <a:t>Sla data eventueel op als CSV / </a:t>
+            </a:r>
+            <a:r>
+              <a:rPr lang="nl-NL" sz="1600" dirty="0" err="1"/>
+              <a:t>pickle</a:t>
+            </a:r>
+            <a:r>
+              <a:rPr lang="nl-NL" sz="1600" dirty="0"/>
+              <a:t> / </a:t>
+            </a:r>
+            <a:r>
+              <a:rPr lang="nl-NL" sz="1600" dirty="0" err="1"/>
+              <a:t>parquet</a:t>
+            </a:r>
+            <a:r>
+              <a:rPr lang="nl-NL" sz="1600" dirty="0"/>
+              <a:t> / etc.</a:t>
+            </a:r>
+          </a:p>
+          <a:p>
+            <a:endParaRPr lang="nl-NL" sz="2000" dirty="0"/>
+          </a:p>
+          <a:p>
+            <a:r>
+              <a:rPr lang="nl-NL" sz="2000" dirty="0"/>
+              <a:t>Wacht niet te lang met tests schrijven!</a:t>
+            </a:r>
+          </a:p>
+          <a:p>
+            <a:endParaRPr lang="nl-NL" sz="2000" dirty="0"/>
+          </a:p>
+          <a:p>
+            <a:r>
+              <a:rPr lang="nl-NL" sz="2000" dirty="0"/>
+              <a:t>Controleer de dekking van je tests.</a:t>
+            </a:r>
+          </a:p>
+          <a:p>
+            <a:pPr lvl="1"/>
+            <a:r>
+              <a:rPr lang="nl-NL" sz="1600" dirty="0"/>
+              <a:t>Gebruik package </a:t>
+            </a:r>
+            <a:r>
+              <a:rPr lang="nl-NL" sz="1600" dirty="0" err="1">
+                <a:latin typeface="Courier New" panose="02070309020205020404" pitchFamily="49" charset="0"/>
+                <a:cs typeface="Courier New" panose="02070309020205020404" pitchFamily="49" charset="0"/>
+              </a:rPr>
+              <a:t>pytest-cov</a:t>
+            </a:r>
+            <a:r>
+              <a:rPr lang="nl-NL" sz="1600" dirty="0"/>
+              <a:t> voor </a:t>
+            </a:r>
+            <a:r>
+              <a:rPr lang="nl-NL" sz="1600" dirty="0" err="1"/>
+              <a:t>coverage</a:t>
+            </a:r>
+            <a:r>
+              <a:rPr lang="nl-NL" sz="1600" dirty="0"/>
+              <a:t> report.</a:t>
+            </a:r>
+          </a:p>
+          <a:p>
+            <a:pPr lvl="1"/>
+            <a:r>
+              <a:rPr lang="nl-NL" sz="1600" dirty="0"/>
+              <a:t>Dekking zegt niet alles; zijn (alle) zinvolle scenario’s getest?</a:t>
+            </a:r>
+          </a:p>
+          <a:p>
+            <a:pPr marL="0" indent="0">
+              <a:buNone/>
+            </a:pPr>
+            <a:endParaRPr lang="nl-NL" sz="2000" dirty="0"/>
+          </a:p>
+        </p:txBody>
+      </p:sp>
+    </p:spTree>
+    <p:extLst>
+      <p:ext uri="{BB962C8B-B14F-4D97-AF65-F5344CB8AC3E}">
+        <p14:creationId xmlns:p14="http://schemas.microsoft.com/office/powerpoint/2010/main" val="3726159237"/>
+      </p:ext>
+    </p:extLst>
+  </p:cSld>
+  <p:clrMapOvr>
+    <a:masterClrMapping/>
+  </p:clrMapOvr>
+</p:sld>
+</file>
+
 <file path=ppt/slides/slide5.xml><?xml version="1.0" encoding="utf-8"?>
 <p:sld xmlns:a="http://schemas.openxmlformats.org/drawingml/2006/main" xmlns:r="http://schemas.openxmlformats.org/officeDocument/2006/relationships" xmlns:p="http://schemas.openxmlformats.org/presentationml/2006/main">
   <p:cSld>
@@ -17363,7 +21453,7 @@
           <a:p>
             <a:r>
               <a:rPr lang="nl-NL" sz="3600" noProof="0" dirty="0"/>
-              <a:t>Samenvatting PEP8 richtlijnen</a:t>
+              <a:t>Leesbaar: PEP8 richtlijnen</a:t>
             </a:r>
           </a:p>
         </p:txBody>
@@ -17624,7 +21714,7 @@
           <a:p>
             <a:r>
               <a:rPr lang="nl-NL" sz="3600" noProof="0" dirty="0"/>
-              <a:t>Auto-</a:t>
+              <a:t>Leesbaar: Auto-</a:t>
             </a:r>
             <a:r>
               <a:rPr lang="nl-NL" sz="3600" noProof="0" dirty="0" err="1"/>
@@ -17683,12 +21773,6 @@
             </a:r>
           </a:p>
           <a:p>
-            <a:pPr marL="0" indent="0">
-              <a:buNone/>
-            </a:pPr>
-            <a:endParaRPr lang="nl-NL" sz="2000" dirty="0"/>
-          </a:p>
-          <a:p>
             <a:pPr>
               <a:buFontTx/>
               <a:buChar char="-"/>
@@ -17711,11 +21795,6 @@
               <a:rPr lang="nl-NL" sz="2000" noProof="0" dirty="0"/>
               <a:t>		Flexibeler: meer configuratie opties, verschillende resultaten.</a:t>
             </a:r>
-          </a:p>
-          <a:p>
-            <a:pPr marL="0" indent="0">
-              <a:buNone/>
-            </a:pPr>
             <a:endParaRPr lang="nl-NL" sz="2000" noProof="0" dirty="0">
               <a:cs typeface="Courier New" panose="02070309020205020404" pitchFamily="49" charset="0"/>
             </a:endParaRPr>
@@ -17750,14 +21829,6 @@
               </a:rPr>
               <a:t>automatische controle van je code:</a:t>
             </a:r>
-            <a:br>
-              <a:rPr lang="nl-NL" sz="2000" b="1" noProof="0" dirty="0">
-                <a:cs typeface="Courier New" panose="02070309020205020404" pitchFamily="49" charset="0"/>
-              </a:rPr>
-            </a:br>
-            <a:endParaRPr lang="nl-NL" sz="2000" b="1" noProof="0" dirty="0">
-              <a:cs typeface="Courier New" panose="02070309020205020404" pitchFamily="49" charset="0"/>
-            </a:endParaRPr>
           </a:p>
           <a:p>
             <a:pPr>
@@ -17804,6 +21875,41 @@
             <a:endParaRPr lang="nl-NL" sz="2000" dirty="0">
               <a:cs typeface="Courier New" panose="02070309020205020404" pitchFamily="49" charset="0"/>
             </a:endParaRPr>
+          </a:p>
+          <a:p>
+            <a:pPr marL="0" indent="0">
+              <a:buNone/>
+            </a:pPr>
+            <a:r>
+              <a:rPr lang="nl-NL" sz="2000" b="1" dirty="0">
+                <a:cs typeface="Courier New" panose="02070309020205020404" pitchFamily="49" charset="0"/>
+              </a:rPr>
+              <a:t>Tip: Gebruik </a:t>
+            </a:r>
+            <a:r>
+              <a:rPr lang="nl-NL" sz="2000" b="1" dirty="0" err="1">
+                <a:cs typeface="Courier New" panose="02070309020205020404" pitchFamily="49" charset="0"/>
+              </a:rPr>
+              <a:t>precommit</a:t>
+            </a:r>
+            <a:r>
+              <a:rPr lang="nl-NL" sz="2000" b="1" dirty="0">
+                <a:cs typeface="Courier New" panose="02070309020205020404" pitchFamily="49" charset="0"/>
+              </a:rPr>
+              <a:t> om checks voor elke git </a:t>
+            </a:r>
+            <a:r>
+              <a:rPr lang="nl-NL" sz="2000" b="1" dirty="0" err="1">
+                <a:cs typeface="Courier New" panose="02070309020205020404" pitchFamily="49" charset="0"/>
+              </a:rPr>
+              <a:t>commit</a:t>
+            </a:r>
+            <a:r>
+              <a:rPr lang="nl-NL" sz="2000" b="1" dirty="0">
+                <a:cs typeface="Courier New" panose="02070309020205020404" pitchFamily="49" charset="0"/>
+              </a:rPr>
+              <a:t> te doen!</a:t>
+            </a:r>
           </a:p>
         </p:txBody>
       </p:sp>
@@ -17929,32 +22035,28 @@
             </a:r>
           </a:p>
           <a:p>
-            <a:pPr marL="0" indent="0">
-              <a:buNone/>
-            </a:pPr>
-            <a:endParaRPr lang="nl-NL" sz="2000" dirty="0"/>
-          </a:p>
-          <a:p>
-            <a:pPr marL="0" indent="0">
-              <a:buNone/>
-            </a:pPr>
-            <a:r>
-              <a:rPr lang="nl-NL" sz="2000" dirty="0"/>
-              <a:t>Onderdelen hebben één duidelijk doel:</a:t>
-            </a:r>
-          </a:p>
-          <a:p>
             <a:pPr>
               <a:buFontTx/>
               <a:buChar char="-"/>
             </a:pPr>
             <a:r>
-              <a:rPr lang="en-US" sz="2000" dirty="0"/>
-              <a:t>Separation of concerns</a:t>
-            </a:r>
-            <a:r>
               <a:rPr lang="nl-NL" sz="2000" dirty="0"/>
-              <a:t>.</a:t>
+              <a:t>Gebruik beschrijvende namen (niet Untitled-4.ipynb!).</a:t>
+            </a:r>
+          </a:p>
+          <a:p>
+            <a:pPr marL="0" indent="0">
+              <a:buNone/>
+            </a:pPr>
+            <a:endParaRPr lang="nl-NL" sz="2000" dirty="0"/>
+          </a:p>
+          <a:p>
+            <a:pPr marL="0" indent="0">
+              <a:buNone/>
+            </a:pPr>
+            <a:r>
+              <a:rPr lang="nl-NL" sz="2000" dirty="0"/>
+              <a:t>Onderdelen hebben één duidelijk doel:</a:t>
             </a:r>
           </a:p>
           <a:p>
@@ -17963,6 +22065,20 @@
               <a:buChar char="-"/>
             </a:pPr>
             <a:r>
+              <a:rPr lang="en-US" sz="2000" dirty="0"/>
+              <a:t>Separation of concerns</a:t>
+            </a:r>
+            <a:r>
+              <a:rPr lang="nl-NL" sz="2000" dirty="0"/>
+              <a:t>.</a:t>
+            </a:r>
+          </a:p>
+          <a:p>
+            <a:pPr>
+              <a:buFontTx/>
+              <a:buChar char="-"/>
+            </a:pPr>
+            <a:r>
               <a:rPr lang="nl-NL" sz="2000" dirty="0"/>
               <a:t>Makkelijker om problemen te lokaliseren.</a:t>
             </a:r>
@@ -17979,7 +22095,7 @@
             </a:pPr>
             <a:r>
               <a:rPr lang="nl-NL" sz="2000" dirty="0"/>
-              <a:t>Overzichtelijk interfaces tussen verschillende onderdelen.</a:t>
+              <a:t>Houd interfaces tussen verschillende onderdelen overzichtelijk.</a:t>
             </a:r>
           </a:p>
           <a:p>
